--- a/clases/Cap00_Lineas_Generales/program/IMG00_PresentationCurso.pptx
+++ b/clases/Cap00_Lineas_Generales/program/IMG00_PresentationCurso.pptx
@@ -113,6 +113,11 @@
       </a:defRPr>
     </a:lvl9pPr>
   </p:defaultTextStyle>
+  <p:extLst>
+    <p:ext uri="{EFAFB233-063F-42B5-8137-9DF3F51BA10A}">
+      <p15:sldGuideLst xmlns:p15="http://schemas.microsoft.com/office/powerpoint/2012/main"/>
+    </p:ext>
+  </p:extLst>
 </p:presentation>
 </file>
 
@@ -265,7 +270,7 @@
           <a:p>
             <a:fld id="{0B0C550D-4FE4-D44E-9B6F-060E5D779D30}" type="datetimeFigureOut">
               <a:rPr lang="es-ES_tradnl" smtClean="0"/>
-              <a:t>16/8/21</a:t>
+              <a:t>9/8/22</a:t>
             </a:fld>
             <a:endParaRPr lang="es-ES_tradnl"/>
           </a:p>
@@ -465,7 +470,7 @@
           <a:p>
             <a:fld id="{0B0C550D-4FE4-D44E-9B6F-060E5D779D30}" type="datetimeFigureOut">
               <a:rPr lang="es-ES_tradnl" smtClean="0"/>
-              <a:t>16/8/21</a:t>
+              <a:t>9/8/22</a:t>
             </a:fld>
             <a:endParaRPr lang="es-ES_tradnl"/>
           </a:p>
@@ -675,7 +680,7 @@
           <a:p>
             <a:fld id="{0B0C550D-4FE4-D44E-9B6F-060E5D779D30}" type="datetimeFigureOut">
               <a:rPr lang="es-ES_tradnl" smtClean="0"/>
-              <a:t>16/8/21</a:t>
+              <a:t>9/8/22</a:t>
             </a:fld>
             <a:endParaRPr lang="es-ES_tradnl"/>
           </a:p>
@@ -875,7 +880,7 @@
           <a:p>
             <a:fld id="{0B0C550D-4FE4-D44E-9B6F-060E5D779D30}" type="datetimeFigureOut">
               <a:rPr lang="es-ES_tradnl" smtClean="0"/>
-              <a:t>16/8/21</a:t>
+              <a:t>9/8/22</a:t>
             </a:fld>
             <a:endParaRPr lang="es-ES_tradnl"/>
           </a:p>
@@ -1151,7 +1156,7 @@
           <a:p>
             <a:fld id="{0B0C550D-4FE4-D44E-9B6F-060E5D779D30}" type="datetimeFigureOut">
               <a:rPr lang="es-ES_tradnl" smtClean="0"/>
-              <a:t>16/8/21</a:t>
+              <a:t>9/8/22</a:t>
             </a:fld>
             <a:endParaRPr lang="es-ES_tradnl"/>
           </a:p>
@@ -1419,7 +1424,7 @@
           <a:p>
             <a:fld id="{0B0C550D-4FE4-D44E-9B6F-060E5D779D30}" type="datetimeFigureOut">
               <a:rPr lang="es-ES_tradnl" smtClean="0"/>
-              <a:t>16/8/21</a:t>
+              <a:t>9/8/22</a:t>
             </a:fld>
             <a:endParaRPr lang="es-ES_tradnl"/>
           </a:p>
@@ -1834,7 +1839,7 @@
           <a:p>
             <a:fld id="{0B0C550D-4FE4-D44E-9B6F-060E5D779D30}" type="datetimeFigureOut">
               <a:rPr lang="es-ES_tradnl" smtClean="0"/>
-              <a:t>16/8/21</a:t>
+              <a:t>9/8/22</a:t>
             </a:fld>
             <a:endParaRPr lang="es-ES_tradnl"/>
           </a:p>
@@ -1976,7 +1981,7 @@
           <a:p>
             <a:fld id="{0B0C550D-4FE4-D44E-9B6F-060E5D779D30}" type="datetimeFigureOut">
               <a:rPr lang="es-ES_tradnl" smtClean="0"/>
-              <a:t>16/8/21</a:t>
+              <a:t>9/8/22</a:t>
             </a:fld>
             <a:endParaRPr lang="es-ES_tradnl"/>
           </a:p>
@@ -2089,7 +2094,7 @@
           <a:p>
             <a:fld id="{0B0C550D-4FE4-D44E-9B6F-060E5D779D30}" type="datetimeFigureOut">
               <a:rPr lang="es-ES_tradnl" smtClean="0"/>
-              <a:t>16/8/21</a:t>
+              <a:t>9/8/22</a:t>
             </a:fld>
             <a:endParaRPr lang="es-ES_tradnl"/>
           </a:p>
@@ -2402,7 +2407,7 @@
           <a:p>
             <a:fld id="{0B0C550D-4FE4-D44E-9B6F-060E5D779D30}" type="datetimeFigureOut">
               <a:rPr lang="es-ES_tradnl" smtClean="0"/>
-              <a:t>16/8/21</a:t>
+              <a:t>9/8/22</a:t>
             </a:fld>
             <a:endParaRPr lang="es-ES_tradnl"/>
           </a:p>
@@ -2691,7 +2696,7 @@
           <a:p>
             <a:fld id="{0B0C550D-4FE4-D44E-9B6F-060E5D779D30}" type="datetimeFigureOut">
               <a:rPr lang="es-ES_tradnl" smtClean="0"/>
-              <a:t>16/8/21</a:t>
+              <a:t>9/8/22</a:t>
             </a:fld>
             <a:endParaRPr lang="es-ES_tradnl"/>
           </a:p>
@@ -2934,7 +2939,7 @@
           <a:p>
             <a:fld id="{0B0C550D-4FE4-D44E-9B6F-060E5D779D30}" type="datetimeFigureOut">
               <a:rPr lang="es-ES_tradnl" smtClean="0"/>
-              <a:t>16/8/21</a:t>
+              <a:t>9/8/22</a:t>
             </a:fld>
             <a:endParaRPr lang="es-ES_tradnl"/>
           </a:p>
@@ -3588,7 +3593,7 @@
                 </a:solidFill>
                 <a:latin typeface="Gill Sans MT" panose="020B0502020104020203" pitchFamily="34" charset="77"/>
               </a:rPr>
-              <a:t> 2021-2</a:t>
+              <a:t> 2022-2</a:t>
             </a:r>
           </a:p>
         </p:txBody>
@@ -3967,14 +3972,14 @@
           <p:nvPr>
             <p:extLst>
               <p:ext uri="{D42A27DB-BD31-4B8C-83A1-F6EECF244321}">
-                <p14:modId xmlns:p14="http://schemas.microsoft.com/office/powerpoint/2010/main" val="4123375669"/>
+                <p14:modId xmlns:p14="http://schemas.microsoft.com/office/powerpoint/2010/main" val="358771064"/>
               </p:ext>
             </p:extLst>
           </p:nvPr>
         </p:nvGraphicFramePr>
         <p:xfrm>
           <a:off x="209550" y="1579325"/>
-          <a:ext cx="11772900" cy="4480560"/>
+          <a:ext cx="11772900" cy="3657600"/>
         </p:xfrm>
         <a:graphic>
           <a:graphicData uri="http://schemas.openxmlformats.org/drawingml/2006/table">
@@ -4057,7 +4062,14 @@
                         </a:rPr>
                         <a:t>https://domingomery.ing.uc.cl/teaching/imagenes/</a:t>
                       </a:r>
-                      <a:endParaRPr lang="es-ES_tradnl" sz="2400" dirty="0"/>
+                      <a:endParaRPr lang="en-AU" sz="2400" b="0" i="0" dirty="0">
+                        <a:solidFill>
+                          <a:srgbClr val="1155CC"/>
+                        </a:solidFill>
+                        <a:effectLst/>
+                        <a:latin typeface="Consolas" panose="020B0609020204030204" pitchFamily="49" charset="0"/>
+                        <a:cs typeface="Consolas" panose="020B0609020204030204" pitchFamily="49" charset="0"/>
+                      </a:endParaRPr>
                     </a:p>
                   </a:txBody>
                   <a:tcPr/>
@@ -4127,81 +4139,6 @@
                     <a:p>
                       <a:pPr algn="r"/>
                       <a:r>
-                        <a:rPr lang="en-AU" sz="2400" b="0" i="0" dirty="0">
-                          <a:solidFill>
-                            <a:srgbClr val="222222"/>
-                          </a:solidFill>
-                          <a:effectLst/>
-                          <a:latin typeface="Consolas" panose="020B0609020204030204" pitchFamily="49" charset="0"/>
-                          <a:cs typeface="Consolas" panose="020B0609020204030204" pitchFamily="49" charset="0"/>
-                        </a:rPr>
-                        <a:t>Zoom</a:t>
-                      </a:r>
-                      <a:endParaRPr lang="es-ES_tradnl" sz="2400" dirty="0"/>
-                    </a:p>
-                  </a:txBody>
-                  <a:tcPr/>
-                </a:tc>
-                <a:tc>
-                  <a:txBody>
-                    <a:bodyPr/>
-                    <a:lstStyle/>
-                    <a:p>
-                      <a:r>
-                        <a:rPr lang="en-AU" sz="2400" b="0" i="0" dirty="0">
-                          <a:solidFill>
-                            <a:srgbClr val="1155CC"/>
-                          </a:solidFill>
-                          <a:effectLst/>
-                          <a:latin typeface="Consolas" panose="020B0609020204030204" pitchFamily="49" charset="0"/>
-                          <a:cs typeface="Consolas" panose="020B0609020204030204" pitchFamily="49" charset="0"/>
-                          <a:hlinkClick r:id="rId4"/>
-                        </a:rPr>
-                        <a:t>https://notredame.zoom.us/my/imagina</a:t>
-                      </a:r>
-                      <a:r>
-                        <a:rPr lang="en-AU" sz="2400" b="0" i="0" dirty="0">
-                          <a:solidFill>
-                            <a:srgbClr val="1155CC"/>
-                          </a:solidFill>
-                          <a:effectLst/>
-                          <a:latin typeface="Consolas" panose="020B0609020204030204" pitchFamily="49" charset="0"/>
-                          <a:cs typeface="Consolas" panose="020B0609020204030204" pitchFamily="49" charset="0"/>
-                        </a:rPr>
-                        <a:t> </a:t>
-                      </a:r>
-                    </a:p>
-                    <a:p>
-                      <a:r>
-                        <a:rPr lang="en-AU" sz="2400" b="0" i="0" dirty="0">
-                          <a:solidFill>
-                            <a:srgbClr val="222222"/>
-                          </a:solidFill>
-                          <a:effectLst/>
-                          <a:latin typeface="Consolas" panose="020B0609020204030204" pitchFamily="49" charset="0"/>
-                          <a:cs typeface="Consolas" panose="020B0609020204030204" pitchFamily="49" charset="0"/>
-                        </a:rPr>
-                        <a:t>Zoom Meeting ID: 386 155 8778</a:t>
-                      </a:r>
-                      <a:endParaRPr lang="es-ES_tradnl" sz="2400" dirty="0"/>
-                    </a:p>
-                  </a:txBody>
-                  <a:tcPr/>
-                </a:tc>
-                <a:extLst>
-                  <a:ext uri="{0D108BD9-81ED-4DB2-BD59-A6C34878D82A}">
-                    <a16:rowId xmlns:a16="http://schemas.microsoft.com/office/drawing/2014/main" val="1486542202"/>
-                  </a:ext>
-                </a:extLst>
-              </a:tr>
-              <a:tr h="370840">
-                <a:tc>
-                  <a:txBody>
-                    <a:bodyPr/>
-                    <a:lstStyle/>
-                    <a:p>
-                      <a:pPr algn="r"/>
-                      <a:r>
                         <a:rPr lang="es-ES_tradnl" sz="2400" dirty="0"/>
                         <a:t>YouTube</a:t>
                       </a:r>
@@ -4222,7 +4159,7 @@
                           <a:effectLst/>
                           <a:latin typeface="Consolas" panose="020B0609020204030204" pitchFamily="49" charset="0"/>
                           <a:cs typeface="Consolas" panose="020B0609020204030204" pitchFamily="49" charset="0"/>
-                          <a:hlinkClick r:id="rId5"/>
+                          <a:hlinkClick r:id="rId4"/>
                         </a:rPr>
                         <a:t>http://youtube.com/domingomery</a:t>
                       </a:r>
@@ -4265,7 +4202,7 @@
                           <a:effectLst/>
                           <a:latin typeface="Consolas" panose="020B0609020204030204" pitchFamily="49" charset="0"/>
                           <a:cs typeface="Consolas" panose="020B0609020204030204" pitchFamily="49" charset="0"/>
-                          <a:hlinkClick r:id="rId6"/>
+                          <a:hlinkClick r:id="rId5"/>
                         </a:rPr>
                         <a:t>https://github.com/domingomery/</a:t>
                       </a:r>
@@ -4310,57 +4247,6 @@
                     <a:p>
                       <a:pPr algn="r"/>
                       <a:r>
-                        <a:rPr lang="es-ES_tradnl" sz="2400" dirty="0"/>
-                        <a:t>Google </a:t>
-                      </a:r>
-                      <a:r>
-                        <a:rPr lang="es-ES_tradnl" sz="2400" dirty="0" err="1"/>
-                        <a:t>Classroom</a:t>
-                      </a:r>
-                      <a:endParaRPr lang="es-ES_tradnl" sz="2400" dirty="0"/>
-                    </a:p>
-                  </a:txBody>
-                  <a:tcPr/>
-                </a:tc>
-                <a:tc>
-                  <a:txBody>
-                    <a:bodyPr/>
-                    <a:lstStyle/>
-                    <a:p>
-                      <a:r>
-                        <a:rPr lang="es-ES_tradnl" sz="2400" dirty="0" err="1"/>
-                        <a:t>Class</a:t>
-                      </a:r>
-                      <a:r>
-                        <a:rPr lang="es-ES_tradnl" sz="2400" dirty="0"/>
-                        <a:t> </a:t>
-                      </a:r>
-                      <a:r>
-                        <a:rPr lang="es-ES_tradnl" sz="2400" dirty="0" err="1"/>
-                        <a:t>code</a:t>
-                      </a:r>
-                      <a:r>
-                        <a:rPr lang="es-ES_tradnl" sz="2400" dirty="0"/>
-                        <a:t>: khcdh57</a:t>
-                      </a:r>
-                    </a:p>
-                  </a:txBody>
-                  <a:tcPr/>
-                </a:tc>
-                <a:extLst>
-                  <a:ext uri="{0D108BD9-81ED-4DB2-BD59-A6C34878D82A}">
-                    <a16:rowId xmlns:a16="http://schemas.microsoft.com/office/drawing/2014/main" val="906916521"/>
-                  </a:ext>
-                </a:extLst>
-              </a:tr>
-              <a:tr h="370840">
-                <a:tc>
-                  <a:txBody>
-                    <a:bodyPr/>
-                    <a:lstStyle/>
-                    <a:p>
-                      <a:pPr algn="r"/>
-                      <a:r>
                         <a:rPr lang="es-ES_tradnl" sz="2400" dirty="0" err="1"/>
                         <a:t>Socrative</a:t>
                       </a:r>
@@ -4382,7 +4268,7 @@
                           <a:effectLst/>
                           <a:latin typeface="Consolas" panose="020B0609020204030204" pitchFamily="49" charset="0"/>
                           <a:cs typeface="Consolas" panose="020B0609020204030204" pitchFamily="49" charset="0"/>
-                          <a:hlinkClick r:id="rId7"/>
+                          <a:hlinkClick r:id="rId6"/>
                         </a:rPr>
                         <a:t>http://www.socrative.com</a:t>
                       </a:r>
@@ -4416,6 +4302,47 @@
                     <a:p>
                       <a:pPr algn="r"/>
                       <a:r>
+                        <a:rPr lang="es-ES_tradnl" sz="2400" dirty="0" err="1"/>
+                        <a:t>Canvas</a:t>
+                      </a:r>
+                      <a:endParaRPr lang="es-ES_tradnl" sz="2400" dirty="0"/>
+                    </a:p>
+                  </a:txBody>
+                  <a:tcPr/>
+                </a:tc>
+                <a:tc>
+                  <a:txBody>
+                    <a:bodyPr/>
+                    <a:lstStyle/>
+                    <a:p>
+                      <a:r>
+                        <a:rPr lang="es-ES_tradnl" sz="2400" dirty="0">
+                          <a:hlinkClick r:id="rId7"/>
+                        </a:rPr>
+                        <a:t>https://cursos.canvas.uc.cl/courses/47266</a:t>
+                      </a:r>
+                      <a:r>
+                        <a:rPr lang="es-ES_tradnl" sz="2400" dirty="0"/>
+                        <a:t> </a:t>
+                      </a:r>
+                    </a:p>
+                  </a:txBody>
+                  <a:tcPr/>
+                </a:tc>
+                <a:extLst>
+                  <a:ext uri="{0D108BD9-81ED-4DB2-BD59-A6C34878D82A}">
+                    <a16:rowId xmlns:a16="http://schemas.microsoft.com/office/drawing/2014/main" val="4047863488"/>
+                  </a:ext>
+                </a:extLst>
+              </a:tr>
+              <a:tr h="370840">
+                <a:tc>
+                  <a:txBody>
+                    <a:bodyPr/>
+                    <a:lstStyle/>
+                    <a:p>
+                      <a:pPr algn="r"/>
+                      <a:r>
                         <a:rPr lang="es-ES_tradnl" sz="2400" dirty="0"/>
                         <a:t>Sala de Clases</a:t>
                       </a:r>
@@ -4430,7 +4357,7 @@
                     <a:p>
                       <a:r>
                         <a:rPr lang="es-ES_tradnl" sz="2400" dirty="0"/>
-                        <a:t>Por confirmar – Modalidad Híbrida</a:t>
+                        <a:t>B13</a:t>
                       </a:r>
                     </a:p>
                   </a:txBody>
@@ -4590,10 +4517,10 @@
       </p:sp>
       <p:pic>
         <p:nvPicPr>
-          <p:cNvPr id="7" name="Picture 6">
-            <a:extLst>
-              <a:ext uri="{FF2B5EF4-FFF2-40B4-BE49-F238E27FC236}">
-                <a16:creationId xmlns:a16="http://schemas.microsoft.com/office/drawing/2014/main" id="{A3ECA87B-93C8-6E49-91DA-12EF8628409E}"/>
+          <p:cNvPr id="5" name="Picture 4">
+            <a:extLst>
+              <a:ext uri="{FF2B5EF4-FFF2-40B4-BE49-F238E27FC236}">
+                <a16:creationId xmlns:a16="http://schemas.microsoft.com/office/drawing/2014/main" id="{E55705D7-1F76-CA97-A653-ABB5BEFC9B71}"/>
               </a:ext>
             </a:extLst>
           </p:cNvPr>
@@ -4602,15 +4529,16 @@
           </p:cNvPicPr>
           <p:nvPr/>
         </p:nvPicPr>
-        <p:blipFill rotWithShape="1">
+        <p:blipFill>
           <a:blip r:embed="rId2"/>
-          <a:srcRect t="-3415" b="-10285"/>
-          <a:stretch/>
+          <a:stretch>
+            <a:fillRect/>
+          </a:stretch>
         </p:blipFill>
         <p:spPr>
           <a:xfrm>
-            <a:off x="1414461" y="2043113"/>
-            <a:ext cx="9618663" cy="2814637"/>
+            <a:off x="1111250" y="2152650"/>
+            <a:ext cx="9969500" cy="2552700"/>
           </a:xfrm>
           <a:prstGeom prst="rect">
             <a:avLst/>

--- a/clases/Cap00_Lineas_Generales/program/IMG00_PresentationCurso.pptx
+++ b/clases/Cap00_Lineas_Generales/program/IMG00_PresentationCurso.pptx
@@ -6,15 +6,14 @@
   </p:sldMasterIdLst>
   <p:sldIdLst>
     <p:sldId id="257" r:id="rId2"/>
-    <p:sldId id="258" r:id="rId3"/>
-    <p:sldId id="260" r:id="rId4"/>
-    <p:sldId id="259" r:id="rId5"/>
-    <p:sldId id="261" r:id="rId6"/>
-    <p:sldId id="262" r:id="rId7"/>
-    <p:sldId id="265" r:id="rId8"/>
-    <p:sldId id="266" r:id="rId9"/>
-    <p:sldId id="263" r:id="rId10"/>
-    <p:sldId id="264" r:id="rId11"/>
+    <p:sldId id="260" r:id="rId3"/>
+    <p:sldId id="259" r:id="rId4"/>
+    <p:sldId id="261" r:id="rId5"/>
+    <p:sldId id="262" r:id="rId6"/>
+    <p:sldId id="265" r:id="rId7"/>
+    <p:sldId id="266" r:id="rId8"/>
+    <p:sldId id="263" r:id="rId9"/>
+    <p:sldId id="264" r:id="rId10"/>
   </p:sldIdLst>
   <p:sldSz cx="12192000" cy="6858000"/>
   <p:notesSz cx="6858000" cy="9144000"/>
@@ -270,7 +269,7 @@
           <a:p>
             <a:fld id="{0B0C550D-4FE4-D44E-9B6F-060E5D779D30}" type="datetimeFigureOut">
               <a:rPr lang="es-ES_tradnl" smtClean="0"/>
-              <a:t>9/8/22</a:t>
+              <a:t>7/8/23</a:t>
             </a:fld>
             <a:endParaRPr lang="es-ES_tradnl"/>
           </a:p>
@@ -470,7 +469,7 @@
           <a:p>
             <a:fld id="{0B0C550D-4FE4-D44E-9B6F-060E5D779D30}" type="datetimeFigureOut">
               <a:rPr lang="es-ES_tradnl" smtClean="0"/>
-              <a:t>9/8/22</a:t>
+              <a:t>7/8/23</a:t>
             </a:fld>
             <a:endParaRPr lang="es-ES_tradnl"/>
           </a:p>
@@ -680,7 +679,7 @@
           <a:p>
             <a:fld id="{0B0C550D-4FE4-D44E-9B6F-060E5D779D30}" type="datetimeFigureOut">
               <a:rPr lang="es-ES_tradnl" smtClean="0"/>
-              <a:t>9/8/22</a:t>
+              <a:t>7/8/23</a:t>
             </a:fld>
             <a:endParaRPr lang="es-ES_tradnl"/>
           </a:p>
@@ -880,7 +879,7 @@
           <a:p>
             <a:fld id="{0B0C550D-4FE4-D44E-9B6F-060E5D779D30}" type="datetimeFigureOut">
               <a:rPr lang="es-ES_tradnl" smtClean="0"/>
-              <a:t>9/8/22</a:t>
+              <a:t>7/8/23</a:t>
             </a:fld>
             <a:endParaRPr lang="es-ES_tradnl"/>
           </a:p>
@@ -1156,7 +1155,7 @@
           <a:p>
             <a:fld id="{0B0C550D-4FE4-D44E-9B6F-060E5D779D30}" type="datetimeFigureOut">
               <a:rPr lang="es-ES_tradnl" smtClean="0"/>
-              <a:t>9/8/22</a:t>
+              <a:t>7/8/23</a:t>
             </a:fld>
             <a:endParaRPr lang="es-ES_tradnl"/>
           </a:p>
@@ -1424,7 +1423,7 @@
           <a:p>
             <a:fld id="{0B0C550D-4FE4-D44E-9B6F-060E5D779D30}" type="datetimeFigureOut">
               <a:rPr lang="es-ES_tradnl" smtClean="0"/>
-              <a:t>9/8/22</a:t>
+              <a:t>7/8/23</a:t>
             </a:fld>
             <a:endParaRPr lang="es-ES_tradnl"/>
           </a:p>
@@ -1839,7 +1838,7 @@
           <a:p>
             <a:fld id="{0B0C550D-4FE4-D44E-9B6F-060E5D779D30}" type="datetimeFigureOut">
               <a:rPr lang="es-ES_tradnl" smtClean="0"/>
-              <a:t>9/8/22</a:t>
+              <a:t>7/8/23</a:t>
             </a:fld>
             <a:endParaRPr lang="es-ES_tradnl"/>
           </a:p>
@@ -1981,7 +1980,7 @@
           <a:p>
             <a:fld id="{0B0C550D-4FE4-D44E-9B6F-060E5D779D30}" type="datetimeFigureOut">
               <a:rPr lang="es-ES_tradnl" smtClean="0"/>
-              <a:t>9/8/22</a:t>
+              <a:t>7/8/23</a:t>
             </a:fld>
             <a:endParaRPr lang="es-ES_tradnl"/>
           </a:p>
@@ -2094,7 +2093,7 @@
           <a:p>
             <a:fld id="{0B0C550D-4FE4-D44E-9B6F-060E5D779D30}" type="datetimeFigureOut">
               <a:rPr lang="es-ES_tradnl" smtClean="0"/>
-              <a:t>9/8/22</a:t>
+              <a:t>7/8/23</a:t>
             </a:fld>
             <a:endParaRPr lang="es-ES_tradnl"/>
           </a:p>
@@ -2407,7 +2406,7 @@
           <a:p>
             <a:fld id="{0B0C550D-4FE4-D44E-9B6F-060E5D779D30}" type="datetimeFigureOut">
               <a:rPr lang="es-ES_tradnl" smtClean="0"/>
-              <a:t>9/8/22</a:t>
+              <a:t>7/8/23</a:t>
             </a:fld>
             <a:endParaRPr lang="es-ES_tradnl"/>
           </a:p>
@@ -2696,7 +2695,7 @@
           <a:p>
             <a:fld id="{0B0C550D-4FE4-D44E-9B6F-060E5D779D30}" type="datetimeFigureOut">
               <a:rPr lang="es-ES_tradnl" smtClean="0"/>
-              <a:t>9/8/22</a:t>
+              <a:t>7/8/23</a:t>
             </a:fld>
             <a:endParaRPr lang="es-ES_tradnl"/>
           </a:p>
@@ -2939,7 +2938,7 @@
           <a:p>
             <a:fld id="{0B0C550D-4FE4-D44E-9B6F-060E5D779D30}" type="datetimeFigureOut">
               <a:rPr lang="es-ES_tradnl" smtClean="0"/>
-              <a:t>9/8/22</a:t>
+              <a:t>7/8/23</a:t>
             </a:fld>
             <a:endParaRPr lang="es-ES_tradnl"/>
           </a:p>
@@ -3593,7 +3592,7 @@
                 </a:solidFill>
                 <a:latin typeface="Gill Sans MT" panose="020B0502020104020203" pitchFamily="34" charset="77"/>
               </a:rPr>
-              <a:t> 2022-2</a:t>
+              <a:t> 2023-2</a:t>
             </a:r>
           </a:p>
         </p:txBody>
@@ -3641,202 +3640,6 @@
 </p:sld>
 </file>
 
-<file path=ppt/slides/slide10.xml><?xml version="1.0" encoding="utf-8"?>
-<p:sld xmlns:a="http://schemas.openxmlformats.org/drawingml/2006/main" xmlns:r="http://schemas.openxmlformats.org/officeDocument/2006/relationships" xmlns:p="http://schemas.openxmlformats.org/presentationml/2006/main">
-  <p:cSld>
-    <p:spTree>
-      <p:nvGrpSpPr>
-        <p:cNvPr id="1" name=""/>
-        <p:cNvGrpSpPr/>
-        <p:nvPr/>
-      </p:nvGrpSpPr>
-      <p:grpSpPr>
-        <a:xfrm>
-          <a:off x="0" y="0"/>
-          <a:ext cx="0" cy="0"/>
-          <a:chOff x="0" y="0"/>
-          <a:chExt cx="0" cy="0"/>
-        </a:xfrm>
-      </p:grpSpPr>
-      <p:sp>
-        <p:nvSpPr>
-          <p:cNvPr id="4" name="TextBox 3">
-            <a:extLst>
-              <a:ext uri="{FF2B5EF4-FFF2-40B4-BE49-F238E27FC236}">
-                <a16:creationId xmlns:a16="http://schemas.microsoft.com/office/drawing/2014/main" id="{E38E921B-9EDF-8F46-A706-63B1A017D025}"/>
-              </a:ext>
-            </a:extLst>
-          </p:cNvPr>
-          <p:cNvSpPr txBox="1"/>
-          <p:nvPr/>
-        </p:nvSpPr>
-        <p:spPr>
-          <a:xfrm>
-            <a:off x="697298" y="364590"/>
-            <a:ext cx="7783285" cy="2000548"/>
-          </a:xfrm>
-          <a:prstGeom prst="rect">
-            <a:avLst/>
-          </a:prstGeom>
-          <a:noFill/>
-        </p:spPr>
-        <p:txBody>
-          <a:bodyPr wrap="none" rtlCol="0">
-            <a:spAutoFit/>
-          </a:bodyPr>
-          <a:lstStyle/>
-          <a:p>
-            <a:r>
-              <a:rPr lang="en-US" sz="4400" dirty="0" err="1">
-                <a:solidFill>
-                  <a:schemeClr val="accent2"/>
-                </a:solidFill>
-                <a:latin typeface="Gill Sans MT" panose="020B0502020104020203" pitchFamily="34" charset="77"/>
-              </a:rPr>
-              <a:t>Programa</a:t>
-            </a:r>
-            <a:r>
-              <a:rPr lang="en-US" sz="4400" dirty="0">
-                <a:solidFill>
-                  <a:schemeClr val="accent2"/>
-                </a:solidFill>
-                <a:latin typeface="Gill Sans MT" panose="020B0502020104020203" pitchFamily="34" charset="77"/>
-              </a:rPr>
-              <a:t> del </a:t>
-            </a:r>
-            <a:r>
-              <a:rPr lang="en-US" sz="4400" dirty="0" err="1">
-                <a:solidFill>
-                  <a:schemeClr val="accent2"/>
-                </a:solidFill>
-                <a:latin typeface="Gill Sans MT" panose="020B0502020104020203" pitchFamily="34" charset="77"/>
-              </a:rPr>
-              <a:t>Curso</a:t>
-            </a:r>
-            <a:r>
-              <a:rPr lang="en-US" sz="4400" dirty="0">
-                <a:solidFill>
-                  <a:schemeClr val="tx1">
-                    <a:lumMod val="75000"/>
-                    <a:lumOff val="25000"/>
-                  </a:schemeClr>
-                </a:solidFill>
-                <a:latin typeface="Gill Sans MT" panose="020B0502020104020203" pitchFamily="34" charset="77"/>
-              </a:rPr>
-              <a:t> - </a:t>
-            </a:r>
-            <a:r>
-              <a:rPr lang="en-US" sz="4400" dirty="0" err="1">
-                <a:solidFill>
-                  <a:schemeClr val="tx1">
-                    <a:lumMod val="75000"/>
-                    <a:lumOff val="25000"/>
-                  </a:schemeClr>
-                </a:solidFill>
-                <a:latin typeface="Gill Sans MT" panose="020B0502020104020203" pitchFamily="34" charset="77"/>
-              </a:rPr>
-              <a:t>Bibliografía</a:t>
-            </a:r>
-            <a:endParaRPr lang="en-US" sz="4400" dirty="0">
-              <a:solidFill>
-                <a:schemeClr val="accent2"/>
-              </a:solidFill>
-              <a:latin typeface="Gill Sans MT" panose="020B0502020104020203" pitchFamily="34" charset="77"/>
-            </a:endParaRPr>
-          </a:p>
-          <a:p>
-            <a:endParaRPr lang="en-US" sz="2000" dirty="0">
-              <a:solidFill>
-                <a:schemeClr val="accent1">
-                  <a:lumMod val="60000"/>
-                  <a:lumOff val="40000"/>
-                </a:schemeClr>
-              </a:solidFill>
-              <a:latin typeface="Gill Sans MT" panose="020B0502020104020203" pitchFamily="34" charset="77"/>
-            </a:endParaRPr>
-          </a:p>
-          <a:p>
-            <a:endParaRPr lang="en-US" sz="2000" dirty="0">
-              <a:solidFill>
-                <a:schemeClr val="accent1">
-                  <a:lumMod val="60000"/>
-                  <a:lumOff val="40000"/>
-                </a:schemeClr>
-              </a:solidFill>
-              <a:latin typeface="Gill Sans MT" panose="020B0502020104020203" pitchFamily="34" charset="77"/>
-            </a:endParaRPr>
-          </a:p>
-          <a:p>
-            <a:endParaRPr lang="en-US" sz="2000" dirty="0">
-              <a:solidFill>
-                <a:schemeClr val="accent1">
-                  <a:lumMod val="60000"/>
-                  <a:lumOff val="40000"/>
-                </a:schemeClr>
-              </a:solidFill>
-              <a:latin typeface="Gill Sans MT" panose="020B0502020104020203" pitchFamily="34" charset="77"/>
-            </a:endParaRPr>
-          </a:p>
-          <a:p>
-            <a:pPr marL="342900" indent="-342900">
-              <a:buFont typeface="Arial" panose="020B0604020202020204" pitchFamily="34" charset="0"/>
-              <a:buChar char="•"/>
-            </a:pPr>
-            <a:endParaRPr lang="en-US" sz="2000" dirty="0">
-              <a:solidFill>
-                <a:schemeClr val="accent1">
-                  <a:lumMod val="60000"/>
-                  <a:lumOff val="40000"/>
-                </a:schemeClr>
-              </a:solidFill>
-              <a:latin typeface="Gill Sans MT" panose="020B0502020104020203" pitchFamily="34" charset="77"/>
-            </a:endParaRPr>
-          </a:p>
-        </p:txBody>
-      </p:sp>
-      <p:pic>
-        <p:nvPicPr>
-          <p:cNvPr id="5" name="Picture 4">
-            <a:extLst>
-              <a:ext uri="{FF2B5EF4-FFF2-40B4-BE49-F238E27FC236}">
-                <a16:creationId xmlns:a16="http://schemas.microsoft.com/office/drawing/2014/main" id="{77408A23-338D-0448-A5CC-6016E937713C}"/>
-              </a:ext>
-            </a:extLst>
-          </p:cNvPr>
-          <p:cNvPicPr>
-            <a:picLocks noChangeAspect="1"/>
-          </p:cNvPicPr>
-          <p:nvPr/>
-        </p:nvPicPr>
-        <p:blipFill>
-          <a:blip r:embed="rId2"/>
-          <a:stretch>
-            <a:fillRect/>
-          </a:stretch>
-        </p:blipFill>
-        <p:spPr>
-          <a:xfrm>
-            <a:off x="447674" y="2365138"/>
-            <a:ext cx="10937875" cy="2971800"/>
-          </a:xfrm>
-          <a:prstGeom prst="rect">
-            <a:avLst/>
-          </a:prstGeom>
-        </p:spPr>
-      </p:pic>
-    </p:spTree>
-    <p:extLst>
-      <p:ext uri="{BB962C8B-B14F-4D97-AF65-F5344CB8AC3E}">
-        <p14:creationId xmlns:p14="http://schemas.microsoft.com/office/powerpoint/2010/main" val="3804842111"/>
-      </p:ext>
-    </p:extLst>
-  </p:cSld>
-  <p:clrMapOvr>
-    <a:masterClrMapping/>
-  </p:clrMapOvr>
-</p:sld>
-</file>
-
 <file path=ppt/slides/slide2.xml><?xml version="1.0" encoding="utf-8"?>
 <p:sld xmlns:a="http://schemas.openxmlformats.org/drawingml/2006/main" xmlns:r="http://schemas.openxmlformats.org/officeDocument/2006/relationships" xmlns:p="http://schemas.openxmlformats.org/presentationml/2006/main">
   <p:cSld>
@@ -3856,10 +3659,10 @@
       </p:grpSpPr>
       <p:sp>
         <p:nvSpPr>
-          <p:cNvPr id="8" name="TextBox 7">
-            <a:extLst>
-              <a:ext uri="{FF2B5EF4-FFF2-40B4-BE49-F238E27FC236}">
-                <a16:creationId xmlns:a16="http://schemas.microsoft.com/office/drawing/2014/main" id="{DA0B8274-BF81-6D48-B1EC-87E4CF24BC51}"/>
+          <p:cNvPr id="4" name="TextBox 3">
+            <a:extLst>
+              <a:ext uri="{FF2B5EF4-FFF2-40B4-BE49-F238E27FC236}">
+                <a16:creationId xmlns:a16="http://schemas.microsoft.com/office/drawing/2014/main" id="{E38E921B-9EDF-8F46-A706-63B1A017D025}"/>
               </a:ext>
             </a:extLst>
           </p:cNvPr>
@@ -3869,7 +3672,7 @@
         <p:spPr>
           <a:xfrm>
             <a:off x="697298" y="364590"/>
-            <a:ext cx="4384534" cy="2000548"/>
+            <a:ext cx="4796891" cy="2000548"/>
           </a:xfrm>
           <a:prstGeom prst="rect">
             <a:avLst/>
@@ -3883,13 +3686,22 @@
           <a:lstStyle/>
           <a:p>
             <a:r>
-              <a:rPr lang="en-US" sz="4400" dirty="0">
+              <a:rPr lang="en-US" sz="4400" dirty="0" err="1">
                 <a:solidFill>
                   <a:schemeClr val="accent2"/>
                 </a:solidFill>
                 <a:latin typeface="Gill Sans MT" panose="020B0502020104020203" pitchFamily="34" charset="77"/>
               </a:rPr>
-              <a:t>Canales del </a:t>
+              <a:t>Programa</a:t>
+            </a:r>
+            <a:r>
+              <a:rPr lang="en-US" sz="4400" dirty="0">
+                <a:solidFill>
+                  <a:schemeClr val="accent2"/>
+                </a:solidFill>
+                <a:latin typeface="Gill Sans MT" panose="020B0502020104020203" pitchFamily="34" charset="77"/>
+              </a:rPr>
+              <a:t> del </a:t>
             </a:r>
             <a:r>
               <a:rPr lang="en-US" sz="4400" dirty="0" err="1">
@@ -3957,570 +3769,12 @@
           </a:p>
         </p:txBody>
       </p:sp>
-      <p:graphicFrame>
-        <p:nvGraphicFramePr>
-          <p:cNvPr id="3" name="Table 3">
-            <a:extLst>
-              <a:ext uri="{FF2B5EF4-FFF2-40B4-BE49-F238E27FC236}">
-                <a16:creationId xmlns:a16="http://schemas.microsoft.com/office/drawing/2014/main" id="{B5338A52-EEE0-A940-8DE3-6B36C6E9F371}"/>
-              </a:ext>
-            </a:extLst>
-          </p:cNvPr>
-          <p:cNvGraphicFramePr>
-            <a:graphicFrameLocks noGrp="1"/>
-          </p:cNvGraphicFramePr>
-          <p:nvPr>
-            <p:extLst>
-              <p:ext uri="{D42A27DB-BD31-4B8C-83A1-F6EECF244321}">
-                <p14:modId xmlns:p14="http://schemas.microsoft.com/office/powerpoint/2010/main" val="358771064"/>
-              </p:ext>
-            </p:extLst>
-          </p:nvPr>
-        </p:nvGraphicFramePr>
-        <p:xfrm>
-          <a:off x="209550" y="1579325"/>
-          <a:ext cx="11772900" cy="3657600"/>
-        </p:xfrm>
-        <a:graphic>
-          <a:graphicData uri="http://schemas.openxmlformats.org/drawingml/2006/table">
-            <a:tbl>
-              <a:tblPr firstRow="1" bandRow="1">
-                <a:tableStyleId>{5C22544A-7EE6-4342-B048-85BDC9FD1C3A}</a:tableStyleId>
-              </a:tblPr>
-              <a:tblGrid>
-                <a:gridCol w="2550204">
-                  <a:extLst>
-                    <a:ext uri="{9D8B030D-6E8A-4147-A177-3AD203B41FA5}">
-                      <a16:colId xmlns:a16="http://schemas.microsoft.com/office/drawing/2014/main" val="3310554758"/>
-                    </a:ext>
-                  </a:extLst>
-                </a:gridCol>
-                <a:gridCol w="9222696">
-                  <a:extLst>
-                    <a:ext uri="{9D8B030D-6E8A-4147-A177-3AD203B41FA5}">
-                      <a16:colId xmlns:a16="http://schemas.microsoft.com/office/drawing/2014/main" val="3399250809"/>
-                    </a:ext>
-                  </a:extLst>
-                </a:gridCol>
-              </a:tblGrid>
-              <a:tr h="370840">
-                <a:tc>
-                  <a:txBody>
-                    <a:bodyPr/>
-                    <a:lstStyle/>
-                    <a:p>
-                      <a:endParaRPr lang="es-ES_tradnl" sz="2400" dirty="0"/>
-                    </a:p>
-                  </a:txBody>
-                  <a:tcPr/>
-                </a:tc>
-                <a:tc>
-                  <a:txBody>
-                    <a:bodyPr/>
-                    <a:lstStyle/>
-                    <a:p>
-                      <a:endParaRPr lang="es-ES_tradnl" sz="2400"/>
-                    </a:p>
-                  </a:txBody>
-                  <a:tcPr/>
-                </a:tc>
-                <a:extLst>
-                  <a:ext uri="{0D108BD9-81ED-4DB2-BD59-A6C34878D82A}">
-                    <a16:rowId xmlns:a16="http://schemas.microsoft.com/office/drawing/2014/main" val="3103523241"/>
-                  </a:ext>
-                </a:extLst>
-              </a:tr>
-              <a:tr h="370840">
-                <a:tc>
-                  <a:txBody>
-                    <a:bodyPr/>
-                    <a:lstStyle/>
-                    <a:p>
-                      <a:pPr algn="r"/>
-                      <a:r>
-                        <a:rPr lang="es-ES_tradnl" sz="2400" dirty="0"/>
-                        <a:t>Web</a:t>
-                      </a:r>
-                    </a:p>
-                  </a:txBody>
-                  <a:tcPr/>
-                </a:tc>
-                <a:tc>
-                  <a:txBody>
-                    <a:bodyPr/>
-                    <a:lstStyle/>
-                    <a:p>
-                      <a:r>
-                        <a:rPr lang="en-AU" sz="2400" b="0" i="0" dirty="0">
-                          <a:solidFill>
-                            <a:srgbClr val="1155CC"/>
-                          </a:solidFill>
-                          <a:effectLst/>
-                          <a:latin typeface="Consolas" panose="020B0609020204030204" pitchFamily="49" charset="0"/>
-                          <a:cs typeface="Consolas" panose="020B0609020204030204" pitchFamily="49" charset="0"/>
-                          <a:hlinkClick r:id="rId2"/>
-                        </a:rPr>
-                        <a:t>https://domingomery.ing.uc.cl/teaching/imagenes/</a:t>
-                      </a:r>
-                      <a:endParaRPr lang="en-AU" sz="2400" b="0" i="0" dirty="0">
-                        <a:solidFill>
-                          <a:srgbClr val="1155CC"/>
-                        </a:solidFill>
-                        <a:effectLst/>
-                        <a:latin typeface="Consolas" panose="020B0609020204030204" pitchFamily="49" charset="0"/>
-                        <a:cs typeface="Consolas" panose="020B0609020204030204" pitchFamily="49" charset="0"/>
-                      </a:endParaRPr>
-                    </a:p>
-                  </a:txBody>
-                  <a:tcPr/>
-                </a:tc>
-                <a:extLst>
-                  <a:ext uri="{0D108BD9-81ED-4DB2-BD59-A6C34878D82A}">
-                    <a16:rowId xmlns:a16="http://schemas.microsoft.com/office/drawing/2014/main" val="1393490122"/>
-                  </a:ext>
-                </a:extLst>
-              </a:tr>
-              <a:tr h="370840">
-                <a:tc>
-                  <a:txBody>
-                    <a:bodyPr/>
-                    <a:lstStyle/>
-                    <a:p>
-                      <a:pPr algn="r"/>
-                      <a:r>
-                        <a:rPr lang="en-AU" sz="2400" b="0" i="0" dirty="0">
-                          <a:solidFill>
-                            <a:srgbClr val="222222"/>
-                          </a:solidFill>
-                          <a:effectLst/>
-                          <a:latin typeface="Consolas" panose="020B0609020204030204" pitchFamily="49" charset="0"/>
-                          <a:cs typeface="Consolas" panose="020B0609020204030204" pitchFamily="49" charset="0"/>
-                        </a:rPr>
-                        <a:t>Mail</a:t>
-                      </a:r>
-                      <a:endParaRPr lang="es-ES_tradnl" sz="2400" dirty="0"/>
-                    </a:p>
-                  </a:txBody>
-                  <a:tcPr/>
-                </a:tc>
-                <a:tc>
-                  <a:txBody>
-                    <a:bodyPr/>
-                    <a:lstStyle/>
-                    <a:p>
-                      <a:r>
-                        <a:rPr lang="en-AU" sz="2400" b="0" i="0" dirty="0">
-                          <a:solidFill>
-                            <a:srgbClr val="1155CC"/>
-                          </a:solidFill>
-                          <a:effectLst/>
-                          <a:latin typeface="Consolas" panose="020B0609020204030204" pitchFamily="49" charset="0"/>
-                          <a:cs typeface="Consolas" panose="020B0609020204030204" pitchFamily="49" charset="0"/>
-                          <a:hlinkClick r:id="rId3"/>
-                        </a:rPr>
-                        <a:t>domingo.mery@uc.cl</a:t>
-                      </a:r>
-                      <a:endParaRPr lang="es-ES_tradnl" sz="2400" dirty="0"/>
-                    </a:p>
-                  </a:txBody>
-                  <a:tcPr/>
-                </a:tc>
-                <a:extLst>
-                  <a:ext uri="{0D108BD9-81ED-4DB2-BD59-A6C34878D82A}">
-                    <a16:rowId xmlns:a16="http://schemas.microsoft.com/office/drawing/2014/main" val="298957066"/>
-                  </a:ext>
-                </a:extLst>
-              </a:tr>
-              <a:tr h="370840">
-                <a:tc>
-                  <a:txBody>
-                    <a:bodyPr/>
-                    <a:lstStyle/>
-                    <a:p>
-                      <a:pPr algn="r"/>
-                      <a:r>
-                        <a:rPr lang="es-ES_tradnl" sz="2400" dirty="0"/>
-                        <a:t>YouTube</a:t>
-                      </a:r>
-                    </a:p>
-                  </a:txBody>
-                  <a:tcPr/>
-                </a:tc>
-                <a:tc>
-                  <a:txBody>
-                    <a:bodyPr/>
-                    <a:lstStyle/>
-                    <a:p>
-                      <a:r>
-                        <a:rPr lang="en-AU" sz="2400" b="0" i="0" dirty="0">
-                          <a:solidFill>
-                            <a:srgbClr val="1155CC"/>
-                          </a:solidFill>
-                          <a:effectLst/>
-                          <a:latin typeface="Consolas" panose="020B0609020204030204" pitchFamily="49" charset="0"/>
-                          <a:cs typeface="Consolas" panose="020B0609020204030204" pitchFamily="49" charset="0"/>
-                          <a:hlinkClick r:id="rId4"/>
-                        </a:rPr>
-                        <a:t>http://youtube.com/domingomery</a:t>
-                      </a:r>
-                      <a:endParaRPr lang="es-ES_tradnl" sz="2400" dirty="0"/>
-                    </a:p>
-                  </a:txBody>
-                  <a:tcPr/>
-                </a:tc>
-                <a:extLst>
-                  <a:ext uri="{0D108BD9-81ED-4DB2-BD59-A6C34878D82A}">
-                    <a16:rowId xmlns:a16="http://schemas.microsoft.com/office/drawing/2014/main" val="1499814272"/>
-                  </a:ext>
-                </a:extLst>
-              </a:tr>
-              <a:tr h="370840">
-                <a:tc>
-                  <a:txBody>
-                    <a:bodyPr/>
-                    <a:lstStyle/>
-                    <a:p>
-                      <a:pPr algn="r"/>
-                      <a:r>
-                        <a:rPr lang="es-ES_tradnl" sz="2400" dirty="0"/>
-                        <a:t>GitHub</a:t>
-                      </a:r>
-                    </a:p>
-                  </a:txBody>
-                  <a:tcPr/>
-                </a:tc>
-                <a:tc>
-                  <a:txBody>
-                    <a:bodyPr/>
-                    <a:lstStyle/>
-                    <a:p>
-                      <a:r>
-                        <a:rPr lang="en-AU" sz="2400" b="0" i="0" dirty="0">
-                          <a:solidFill>
-                            <a:srgbClr val="1155CC"/>
-                          </a:solidFill>
-                          <a:effectLst/>
-                          <a:latin typeface="Consolas" panose="020B0609020204030204" pitchFamily="49" charset="0"/>
-                          <a:cs typeface="Consolas" panose="020B0609020204030204" pitchFamily="49" charset="0"/>
-                          <a:hlinkClick r:id="rId5"/>
-                        </a:rPr>
-                        <a:t>https://github.com/domingomery/</a:t>
-                      </a:r>
-                      <a:r>
-                        <a:rPr lang="en-AU" sz="2400" b="0" i="0" dirty="0" err="1">
-                          <a:solidFill>
-                            <a:srgbClr val="1155CC"/>
-                          </a:solidFill>
-                          <a:effectLst/>
-                          <a:latin typeface="Consolas" panose="020B0609020204030204" pitchFamily="49" charset="0"/>
-                          <a:cs typeface="Consolas" panose="020B0609020204030204" pitchFamily="49" charset="0"/>
-                        </a:rPr>
-                        <a:t>imagenes</a:t>
-                      </a:r>
-                      <a:r>
-                        <a:rPr lang="en-AU" sz="2400" b="0" i="0" dirty="0">
-                          <a:solidFill>
-                            <a:srgbClr val="1155CC"/>
-                          </a:solidFill>
-                          <a:effectLst/>
-                          <a:latin typeface="Consolas" panose="020B0609020204030204" pitchFamily="49" charset="0"/>
-                          <a:cs typeface="Consolas" panose="020B0609020204030204" pitchFamily="49" charset="0"/>
-                        </a:rPr>
-                        <a:t> </a:t>
-                      </a:r>
-                      <a:endParaRPr lang="es-ES_tradnl" sz="2400" dirty="0"/>
-                    </a:p>
-                  </a:txBody>
-                  <a:tcPr/>
-                </a:tc>
-                <a:extLst>
-                  <a:ext uri="{0D108BD9-81ED-4DB2-BD59-A6C34878D82A}">
-                    <a16:rowId xmlns:a16="http://schemas.microsoft.com/office/drawing/2014/main" val="803726459"/>
-                  </a:ext>
-                </a:extLst>
-              </a:tr>
-              <a:tr h="370840">
-                <a:tc>
-                  <a:txBody>
-                    <a:bodyPr/>
-                    <a:lstStyle/>
-                    <a:p>
-                      <a:pPr algn="r"/>
-                      <a:r>
-                        <a:rPr lang="es-ES_tradnl" sz="2400" dirty="0" err="1"/>
-                        <a:t>Socrative</a:t>
-                      </a:r>
-                      <a:endParaRPr lang="es-ES_tradnl" sz="2400" dirty="0"/>
-                    </a:p>
-                  </a:txBody>
-                  <a:tcPr/>
-                </a:tc>
-                <a:tc>
-                  <a:txBody>
-                    <a:bodyPr/>
-                    <a:lstStyle/>
-                    <a:p>
-                      <a:r>
-                        <a:rPr lang="en-AU" sz="2400" b="0" i="0" dirty="0">
-                          <a:solidFill>
-                            <a:srgbClr val="1155CC"/>
-                          </a:solidFill>
-                          <a:effectLst/>
-                          <a:latin typeface="Consolas" panose="020B0609020204030204" pitchFamily="49" charset="0"/>
-                          <a:cs typeface="Consolas" panose="020B0609020204030204" pitchFamily="49" charset="0"/>
-                          <a:hlinkClick r:id="rId6"/>
-                        </a:rPr>
-                        <a:t>http://www.socrative.com</a:t>
-                      </a:r>
-                      <a:r>
-                        <a:rPr lang="en-AU" sz="2400" b="0" i="0" dirty="0">
-                          <a:solidFill>
-                            <a:srgbClr val="222222"/>
-                          </a:solidFill>
-                          <a:effectLst/>
-                          <a:latin typeface="Consolas" panose="020B0609020204030204" pitchFamily="49" charset="0"/>
-                          <a:cs typeface="Consolas" panose="020B0609020204030204" pitchFamily="49" charset="0"/>
-                        </a:rPr>
-                        <a:t> &gt; Room Name = IMAGENES</a:t>
-                      </a:r>
-                      <a:endParaRPr lang="es-ES_tradnl" sz="2400" dirty="0"/>
-                    </a:p>
-                  </a:txBody>
-                  <a:tcPr/>
-                </a:tc>
-                <a:extLst>
-                  <a:ext uri="{0D108BD9-81ED-4DB2-BD59-A6C34878D82A}">
-                    <a16:rowId xmlns:a16="http://schemas.microsoft.com/office/drawing/2014/main" val="656664082"/>
-                  </a:ext>
-                </a:extLst>
-              </a:tr>
-              <a:tr h="370840">
-                <a:tc>
-                  <a:txBody>
-                    <a:bodyPr/>
-                    <a:lstStyle/>
-                    <a:p>
-                      <a:pPr algn="r"/>
-                      <a:r>
-                        <a:rPr lang="es-ES_tradnl" sz="2400" dirty="0" err="1"/>
-                        <a:t>Canvas</a:t>
-                      </a:r>
-                      <a:endParaRPr lang="es-ES_tradnl" sz="2400" dirty="0"/>
-                    </a:p>
-                  </a:txBody>
-                  <a:tcPr/>
-                </a:tc>
-                <a:tc>
-                  <a:txBody>
-                    <a:bodyPr/>
-                    <a:lstStyle/>
-                    <a:p>
-                      <a:r>
-                        <a:rPr lang="es-ES_tradnl" sz="2400" dirty="0">
-                          <a:hlinkClick r:id="rId7"/>
-                        </a:rPr>
-                        <a:t>https://cursos.canvas.uc.cl/courses/47266</a:t>
-                      </a:r>
-                      <a:r>
-                        <a:rPr lang="es-ES_tradnl" sz="2400" dirty="0"/>
-                        <a:t> </a:t>
-                      </a:r>
-                    </a:p>
-                  </a:txBody>
-                  <a:tcPr/>
-                </a:tc>
-                <a:extLst>
-                  <a:ext uri="{0D108BD9-81ED-4DB2-BD59-A6C34878D82A}">
-                    <a16:rowId xmlns:a16="http://schemas.microsoft.com/office/drawing/2014/main" val="4047863488"/>
-                  </a:ext>
-                </a:extLst>
-              </a:tr>
-              <a:tr h="370840">
-                <a:tc>
-                  <a:txBody>
-                    <a:bodyPr/>
-                    <a:lstStyle/>
-                    <a:p>
-                      <a:pPr algn="r"/>
-                      <a:r>
-                        <a:rPr lang="es-ES_tradnl" sz="2400" dirty="0"/>
-                        <a:t>Sala de Clases</a:t>
-                      </a:r>
-                    </a:p>
-                  </a:txBody>
-                  <a:tcPr/>
-                </a:tc>
-                <a:tc>
-                  <a:txBody>
-                    <a:bodyPr/>
-                    <a:lstStyle/>
-                    <a:p>
-                      <a:r>
-                        <a:rPr lang="es-ES_tradnl" sz="2400" dirty="0"/>
-                        <a:t>B13</a:t>
-                      </a:r>
-                    </a:p>
-                  </a:txBody>
-                  <a:tcPr/>
-                </a:tc>
-                <a:extLst>
-                  <a:ext uri="{0D108BD9-81ED-4DB2-BD59-A6C34878D82A}">
-                    <a16:rowId xmlns:a16="http://schemas.microsoft.com/office/drawing/2014/main" val="3849741398"/>
-                  </a:ext>
-                </a:extLst>
-              </a:tr>
-            </a:tbl>
-          </a:graphicData>
-        </a:graphic>
-      </p:graphicFrame>
-    </p:spTree>
-    <p:extLst>
-      <p:ext uri="{BB962C8B-B14F-4D97-AF65-F5344CB8AC3E}">
-        <p14:creationId xmlns:p14="http://schemas.microsoft.com/office/powerpoint/2010/main" val="1608192070"/>
-      </p:ext>
-    </p:extLst>
-  </p:cSld>
-  <p:clrMapOvr>
-    <a:masterClrMapping/>
-  </p:clrMapOvr>
-</p:sld>
-</file>
-
-<file path=ppt/slides/slide3.xml><?xml version="1.0" encoding="utf-8"?>
-<p:sld xmlns:a="http://schemas.openxmlformats.org/drawingml/2006/main" xmlns:r="http://schemas.openxmlformats.org/officeDocument/2006/relationships" xmlns:p="http://schemas.openxmlformats.org/presentationml/2006/main">
-  <p:cSld>
-    <p:spTree>
-      <p:nvGrpSpPr>
-        <p:cNvPr id="1" name=""/>
-        <p:cNvGrpSpPr/>
-        <p:nvPr/>
-      </p:nvGrpSpPr>
-      <p:grpSpPr>
-        <a:xfrm>
-          <a:off x="0" y="0"/>
-          <a:ext cx="0" cy="0"/>
-          <a:chOff x="0" y="0"/>
-          <a:chExt cx="0" cy="0"/>
-        </a:xfrm>
-      </p:grpSpPr>
-      <p:sp>
-        <p:nvSpPr>
-          <p:cNvPr id="4" name="TextBox 3">
-            <a:extLst>
-              <a:ext uri="{FF2B5EF4-FFF2-40B4-BE49-F238E27FC236}">
-                <a16:creationId xmlns:a16="http://schemas.microsoft.com/office/drawing/2014/main" id="{E38E921B-9EDF-8F46-A706-63B1A017D025}"/>
-              </a:ext>
-            </a:extLst>
-          </p:cNvPr>
-          <p:cNvSpPr txBox="1"/>
-          <p:nvPr/>
-        </p:nvSpPr>
-        <p:spPr>
-          <a:xfrm>
-            <a:off x="697298" y="364590"/>
-            <a:ext cx="4796891" cy="2000548"/>
-          </a:xfrm>
-          <a:prstGeom prst="rect">
-            <a:avLst/>
-          </a:prstGeom>
-          <a:noFill/>
-        </p:spPr>
-        <p:txBody>
-          <a:bodyPr wrap="none" rtlCol="0">
-            <a:spAutoFit/>
-          </a:bodyPr>
-          <a:lstStyle/>
-          <a:p>
-            <a:r>
-              <a:rPr lang="en-US" sz="4400" dirty="0" err="1">
-                <a:solidFill>
-                  <a:schemeClr val="accent2"/>
-                </a:solidFill>
-                <a:latin typeface="Gill Sans MT" panose="020B0502020104020203" pitchFamily="34" charset="77"/>
-              </a:rPr>
-              <a:t>Programa</a:t>
-            </a:r>
-            <a:r>
-              <a:rPr lang="en-US" sz="4400" dirty="0">
-                <a:solidFill>
-                  <a:schemeClr val="accent2"/>
-                </a:solidFill>
-                <a:latin typeface="Gill Sans MT" panose="020B0502020104020203" pitchFamily="34" charset="77"/>
-              </a:rPr>
-              <a:t> del </a:t>
-            </a:r>
-            <a:r>
-              <a:rPr lang="en-US" sz="4400" dirty="0" err="1">
-                <a:solidFill>
-                  <a:schemeClr val="accent2"/>
-                </a:solidFill>
-                <a:latin typeface="Gill Sans MT" panose="020B0502020104020203" pitchFamily="34" charset="77"/>
-              </a:rPr>
-              <a:t>Curso</a:t>
-            </a:r>
-            <a:endParaRPr lang="en-US" sz="4400" dirty="0">
-              <a:solidFill>
-                <a:schemeClr val="accent2"/>
-              </a:solidFill>
-              <a:latin typeface="Gill Sans MT" panose="020B0502020104020203" pitchFamily="34" charset="77"/>
-            </a:endParaRPr>
-          </a:p>
-          <a:p>
-            <a:endParaRPr lang="en-US" sz="2000" dirty="0">
-              <a:solidFill>
-                <a:schemeClr val="accent1">
-                  <a:lumMod val="60000"/>
-                  <a:lumOff val="40000"/>
-                </a:schemeClr>
-              </a:solidFill>
-              <a:latin typeface="Gill Sans MT" panose="020B0502020104020203" pitchFamily="34" charset="77"/>
-            </a:endParaRPr>
-          </a:p>
-          <a:p>
-            <a:endParaRPr lang="en-US" sz="2000" dirty="0">
-              <a:solidFill>
-                <a:schemeClr val="accent1">
-                  <a:lumMod val="60000"/>
-                  <a:lumOff val="40000"/>
-                </a:schemeClr>
-              </a:solidFill>
-              <a:latin typeface="Gill Sans MT" panose="020B0502020104020203" pitchFamily="34" charset="77"/>
-            </a:endParaRPr>
-          </a:p>
-          <a:p>
-            <a:endParaRPr lang="en-US" sz="2000" dirty="0">
-              <a:solidFill>
-                <a:schemeClr val="accent1">
-                  <a:lumMod val="60000"/>
-                  <a:lumOff val="40000"/>
-                </a:schemeClr>
-              </a:solidFill>
-              <a:latin typeface="Gill Sans MT" panose="020B0502020104020203" pitchFamily="34" charset="77"/>
-            </a:endParaRPr>
-          </a:p>
-          <a:p>
-            <a:pPr marL="342900" indent="-342900">
-              <a:buFont typeface="Arial" panose="020B0604020202020204" pitchFamily="34" charset="0"/>
-              <a:buChar char="•"/>
-            </a:pPr>
-            <a:endParaRPr lang="en-US" sz="2000" dirty="0">
-              <a:solidFill>
-                <a:schemeClr val="accent1">
-                  <a:lumMod val="60000"/>
-                  <a:lumOff val="40000"/>
-                </a:schemeClr>
-              </a:solidFill>
-              <a:latin typeface="Gill Sans MT" panose="020B0502020104020203" pitchFamily="34" charset="77"/>
-            </a:endParaRPr>
-          </a:p>
-        </p:txBody>
-      </p:sp>
       <p:pic>
         <p:nvPicPr>
-          <p:cNvPr id="5" name="Picture 4">
-            <a:extLst>
-              <a:ext uri="{FF2B5EF4-FFF2-40B4-BE49-F238E27FC236}">
-                <a16:creationId xmlns:a16="http://schemas.microsoft.com/office/drawing/2014/main" id="{E55705D7-1F76-CA97-A653-ABB5BEFC9B71}"/>
+          <p:cNvPr id="3" name="Picture 2" descr="A screenshot of a phone&#10;&#10;Description automatically generated">
+            <a:extLst>
+              <a:ext uri="{FF2B5EF4-FFF2-40B4-BE49-F238E27FC236}">
+                <a16:creationId xmlns:a16="http://schemas.microsoft.com/office/drawing/2014/main" id="{9A07C366-4C12-DED3-0235-D62176E43211}"/>
               </a:ext>
             </a:extLst>
           </p:cNvPr>
@@ -4537,8 +3791,8 @@
         </p:blipFill>
         <p:spPr>
           <a:xfrm>
-            <a:off x="1111250" y="2152650"/>
-            <a:ext cx="9969500" cy="2552700"/>
+            <a:off x="972458" y="2079478"/>
+            <a:ext cx="10628142" cy="2699044"/>
           </a:xfrm>
           <a:prstGeom prst="rect">
             <a:avLst/>
@@ -4558,7 +3812,7 @@
 </p:sld>
 </file>
 
-<file path=ppt/slides/slide4.xml><?xml version="1.0" encoding="utf-8"?>
+<file path=ppt/slides/slide3.xml><?xml version="1.0" encoding="utf-8"?>
 <p:sld xmlns:a="http://schemas.openxmlformats.org/drawingml/2006/main" xmlns:r="http://schemas.openxmlformats.org/officeDocument/2006/relationships" xmlns:p="http://schemas.openxmlformats.org/presentationml/2006/main">
   <p:cSld>
     <p:spTree>
@@ -4766,7 +4020,7 @@
 </p:sld>
 </file>
 
-<file path=ppt/slides/slide5.xml><?xml version="1.0" encoding="utf-8"?>
+<file path=ppt/slides/slide4.xml><?xml version="1.0" encoding="utf-8"?>
 <p:sld xmlns:a="http://schemas.openxmlformats.org/drawingml/2006/main" xmlns:r="http://schemas.openxmlformats.org/officeDocument/2006/relationships" xmlns:p="http://schemas.openxmlformats.org/presentationml/2006/main">
   <p:cSld>
     <p:spTree>
@@ -4962,7 +4216,7 @@
 </p:sld>
 </file>
 
-<file path=ppt/slides/slide6.xml><?xml version="1.0" encoding="utf-8"?>
+<file path=ppt/slides/slide5.xml><?xml version="1.0" encoding="utf-8"?>
 <p:sld xmlns:a="http://schemas.openxmlformats.org/drawingml/2006/main" xmlns:r="http://schemas.openxmlformats.org/officeDocument/2006/relationships" xmlns:p="http://schemas.openxmlformats.org/presentationml/2006/main">
   <p:cSld>
     <p:spTree>
@@ -5158,7 +4412,7 @@
 </p:sld>
 </file>
 
-<file path=ppt/slides/slide7.xml><?xml version="1.0" encoding="utf-8"?>
+<file path=ppt/slides/slide6.xml><?xml version="1.0" encoding="utf-8"?>
 <p:sld xmlns:a="http://schemas.openxmlformats.org/drawingml/2006/main" xmlns:r="http://schemas.openxmlformats.org/officeDocument/2006/relationships" xmlns:p="http://schemas.openxmlformats.org/presentationml/2006/main">
   <p:cSld>
     <p:spTree>
@@ -5354,7 +4608,7 @@
 </p:sld>
 </file>
 
-<file path=ppt/slides/slide8.xml><?xml version="1.0" encoding="utf-8"?>
+<file path=ppt/slides/slide7.xml><?xml version="1.0" encoding="utf-8"?>
 <p:sld xmlns:a="http://schemas.openxmlformats.org/drawingml/2006/main" xmlns:r="http://schemas.openxmlformats.org/officeDocument/2006/relationships" xmlns:p="http://schemas.openxmlformats.org/presentationml/2006/main">
   <p:cSld>
     <p:spTree>
@@ -5550,6 +4804,202 @@
 </p:sld>
 </file>
 
+<file path=ppt/slides/slide8.xml><?xml version="1.0" encoding="utf-8"?>
+<p:sld xmlns:a="http://schemas.openxmlformats.org/drawingml/2006/main" xmlns:r="http://schemas.openxmlformats.org/officeDocument/2006/relationships" xmlns:p="http://schemas.openxmlformats.org/presentationml/2006/main">
+  <p:cSld>
+    <p:spTree>
+      <p:nvGrpSpPr>
+        <p:cNvPr id="1" name=""/>
+        <p:cNvGrpSpPr/>
+        <p:nvPr/>
+      </p:nvGrpSpPr>
+      <p:grpSpPr>
+        <a:xfrm>
+          <a:off x="0" y="0"/>
+          <a:ext cx="0" cy="0"/>
+          <a:chOff x="0" y="0"/>
+          <a:chExt cx="0" cy="0"/>
+        </a:xfrm>
+      </p:grpSpPr>
+      <p:sp>
+        <p:nvSpPr>
+          <p:cNvPr id="4" name="TextBox 3">
+            <a:extLst>
+              <a:ext uri="{FF2B5EF4-FFF2-40B4-BE49-F238E27FC236}">
+                <a16:creationId xmlns:a16="http://schemas.microsoft.com/office/drawing/2014/main" id="{E38E921B-9EDF-8F46-A706-63B1A017D025}"/>
+              </a:ext>
+            </a:extLst>
+          </p:cNvPr>
+          <p:cNvSpPr txBox="1"/>
+          <p:nvPr/>
+        </p:nvSpPr>
+        <p:spPr>
+          <a:xfrm>
+            <a:off x="697298" y="364590"/>
+            <a:ext cx="7672678" cy="2000548"/>
+          </a:xfrm>
+          <a:prstGeom prst="rect">
+            <a:avLst/>
+          </a:prstGeom>
+          <a:noFill/>
+        </p:spPr>
+        <p:txBody>
+          <a:bodyPr wrap="none" rtlCol="0">
+            <a:spAutoFit/>
+          </a:bodyPr>
+          <a:lstStyle/>
+          <a:p>
+            <a:r>
+              <a:rPr lang="en-US" sz="4400" dirty="0" err="1">
+                <a:solidFill>
+                  <a:schemeClr val="accent2"/>
+                </a:solidFill>
+                <a:latin typeface="Gill Sans MT" panose="020B0502020104020203" pitchFamily="34" charset="77"/>
+              </a:rPr>
+              <a:t>Programa</a:t>
+            </a:r>
+            <a:r>
+              <a:rPr lang="en-US" sz="4400" dirty="0">
+                <a:solidFill>
+                  <a:schemeClr val="accent2"/>
+                </a:solidFill>
+                <a:latin typeface="Gill Sans MT" panose="020B0502020104020203" pitchFamily="34" charset="77"/>
+              </a:rPr>
+              <a:t> del </a:t>
+            </a:r>
+            <a:r>
+              <a:rPr lang="en-US" sz="4400" dirty="0" err="1">
+                <a:solidFill>
+                  <a:schemeClr val="accent2"/>
+                </a:solidFill>
+                <a:latin typeface="Gill Sans MT" panose="020B0502020104020203" pitchFamily="34" charset="77"/>
+              </a:rPr>
+              <a:t>Curso</a:t>
+            </a:r>
+            <a:r>
+              <a:rPr lang="en-US" sz="4400" dirty="0">
+                <a:solidFill>
+                  <a:schemeClr val="tx1">
+                    <a:lumMod val="75000"/>
+                    <a:lumOff val="25000"/>
+                  </a:schemeClr>
+                </a:solidFill>
+                <a:latin typeface="Gill Sans MT" panose="020B0502020104020203" pitchFamily="34" charset="77"/>
+              </a:rPr>
+              <a:t> - </a:t>
+            </a:r>
+            <a:r>
+              <a:rPr lang="en-US" sz="4400" dirty="0" err="1">
+                <a:solidFill>
+                  <a:schemeClr val="tx1">
+                    <a:lumMod val="75000"/>
+                    <a:lumOff val="25000"/>
+                  </a:schemeClr>
+                </a:solidFill>
+                <a:latin typeface="Gill Sans MT" panose="020B0502020104020203" pitchFamily="34" charset="77"/>
+              </a:rPr>
+              <a:t>Evaluación</a:t>
+            </a:r>
+            <a:endParaRPr lang="en-US" sz="4400" dirty="0">
+              <a:solidFill>
+                <a:schemeClr val="accent2"/>
+              </a:solidFill>
+              <a:latin typeface="Gill Sans MT" panose="020B0502020104020203" pitchFamily="34" charset="77"/>
+            </a:endParaRPr>
+          </a:p>
+          <a:p>
+            <a:endParaRPr lang="en-US" sz="2000" dirty="0">
+              <a:solidFill>
+                <a:schemeClr val="accent1">
+                  <a:lumMod val="60000"/>
+                  <a:lumOff val="40000"/>
+                </a:schemeClr>
+              </a:solidFill>
+              <a:latin typeface="Gill Sans MT" panose="020B0502020104020203" pitchFamily="34" charset="77"/>
+            </a:endParaRPr>
+          </a:p>
+          <a:p>
+            <a:endParaRPr lang="en-US" sz="2000" dirty="0">
+              <a:solidFill>
+                <a:schemeClr val="accent1">
+                  <a:lumMod val="60000"/>
+                  <a:lumOff val="40000"/>
+                </a:schemeClr>
+              </a:solidFill>
+              <a:latin typeface="Gill Sans MT" panose="020B0502020104020203" pitchFamily="34" charset="77"/>
+            </a:endParaRPr>
+          </a:p>
+          <a:p>
+            <a:endParaRPr lang="en-US" sz="2000" dirty="0">
+              <a:solidFill>
+                <a:schemeClr val="accent1">
+                  <a:lumMod val="60000"/>
+                  <a:lumOff val="40000"/>
+                </a:schemeClr>
+              </a:solidFill>
+              <a:latin typeface="Gill Sans MT" panose="020B0502020104020203" pitchFamily="34" charset="77"/>
+            </a:endParaRPr>
+          </a:p>
+          <a:p>
+            <a:pPr marL="342900" indent="-342900">
+              <a:buFont typeface="Arial" panose="020B0604020202020204" pitchFamily="34" charset="0"/>
+              <a:buChar char="•"/>
+            </a:pPr>
+            <a:endParaRPr lang="en-US" sz="2000" dirty="0">
+              <a:solidFill>
+                <a:schemeClr val="accent1">
+                  <a:lumMod val="60000"/>
+                  <a:lumOff val="40000"/>
+                </a:schemeClr>
+              </a:solidFill>
+              <a:latin typeface="Gill Sans MT" panose="020B0502020104020203" pitchFamily="34" charset="77"/>
+            </a:endParaRPr>
+          </a:p>
+        </p:txBody>
+      </p:sp>
+      <p:pic>
+        <p:nvPicPr>
+          <p:cNvPr id="3" name="Picture 2" descr="A white background with black text&#10;&#10;Description automatically generated">
+            <a:extLst>
+              <a:ext uri="{FF2B5EF4-FFF2-40B4-BE49-F238E27FC236}">
+                <a16:creationId xmlns:a16="http://schemas.microsoft.com/office/drawing/2014/main" id="{D8492240-3FEC-7C85-FC20-D35A387551F9}"/>
+              </a:ext>
+            </a:extLst>
+          </p:cNvPr>
+          <p:cNvPicPr>
+            <a:picLocks noChangeAspect="1"/>
+          </p:cNvPicPr>
+          <p:nvPr/>
+        </p:nvPicPr>
+        <p:blipFill>
+          <a:blip r:embed="rId2"/>
+          <a:stretch>
+            <a:fillRect/>
+          </a:stretch>
+        </p:blipFill>
+        <p:spPr>
+          <a:xfrm>
+            <a:off x="664425" y="1881458"/>
+            <a:ext cx="11527575" cy="3996828"/>
+          </a:xfrm>
+          <a:prstGeom prst="rect">
+            <a:avLst/>
+          </a:prstGeom>
+        </p:spPr>
+      </p:pic>
+    </p:spTree>
+    <p:extLst>
+      <p:ext uri="{BB962C8B-B14F-4D97-AF65-F5344CB8AC3E}">
+        <p14:creationId xmlns:p14="http://schemas.microsoft.com/office/powerpoint/2010/main" val="2637335576"/>
+      </p:ext>
+    </p:extLst>
+  </p:cSld>
+  <p:clrMapOvr>
+    <a:masterClrMapping/>
+  </p:clrMapOvr>
+</p:sld>
+</file>
+
 <file path=ppt/slides/slide9.xml><?xml version="1.0" encoding="utf-8"?>
 <p:sld xmlns:a="http://schemas.openxmlformats.org/drawingml/2006/main" xmlns:r="http://schemas.openxmlformats.org/officeDocument/2006/relationships" xmlns:p="http://schemas.openxmlformats.org/presentationml/2006/main">
   <p:cSld>
@@ -5582,7 +5032,7 @@
         <p:spPr>
           <a:xfrm>
             <a:off x="697298" y="364590"/>
-            <a:ext cx="7672678" cy="2000548"/>
+            <a:ext cx="7783285" cy="2000548"/>
           </a:xfrm>
           <a:prstGeom prst="rect">
             <a:avLst/>
@@ -5644,7 +5094,7 @@
                 </a:solidFill>
                 <a:latin typeface="Gill Sans MT" panose="020B0502020104020203" pitchFamily="34" charset="77"/>
               </a:rPr>
-              <a:t>Evaluación</a:t>
+              <a:t>Bibliografía</a:t>
             </a:r>
             <a:endParaRPr lang="en-US" sz="4400" dirty="0">
               <a:solidFill>
@@ -5705,10 +5155,10 @@
       </p:sp>
       <p:pic>
         <p:nvPicPr>
-          <p:cNvPr id="10" name="Picture 9">
-            <a:extLst>
-              <a:ext uri="{FF2B5EF4-FFF2-40B4-BE49-F238E27FC236}">
-                <a16:creationId xmlns:a16="http://schemas.microsoft.com/office/drawing/2014/main" id="{FDAEC356-5161-6C41-9EB4-7EAEC2895DCE}"/>
+          <p:cNvPr id="5" name="Picture 4">
+            <a:extLst>
+              <a:ext uri="{FF2B5EF4-FFF2-40B4-BE49-F238E27FC236}">
+                <a16:creationId xmlns:a16="http://schemas.microsoft.com/office/drawing/2014/main" id="{77408A23-338D-0448-A5CC-6016E937713C}"/>
               </a:ext>
             </a:extLst>
           </p:cNvPr>
@@ -5725,8 +5175,8 @@
         </p:blipFill>
         <p:spPr>
           <a:xfrm>
-            <a:off x="183771" y="2422290"/>
-            <a:ext cx="11922501" cy="2393950"/>
+            <a:off x="447674" y="2365138"/>
+            <a:ext cx="10937875" cy="2971800"/>
           </a:xfrm>
           <a:prstGeom prst="rect">
             <a:avLst/>
@@ -5736,7 +5186,7 @@
     </p:spTree>
     <p:extLst>
       <p:ext uri="{BB962C8B-B14F-4D97-AF65-F5344CB8AC3E}">
-        <p14:creationId xmlns:p14="http://schemas.microsoft.com/office/powerpoint/2010/main" val="2637335576"/>
+        <p14:creationId xmlns:p14="http://schemas.microsoft.com/office/powerpoint/2010/main" val="3804842111"/>
       </p:ext>
     </p:extLst>
   </p:cSld>

--- a/clases/Cap00_Lineas_Generales/program/IMG00_PresentationCurso.pptx
+++ b/clases/Cap00_Lineas_Generales/program/IMG00_PresentationCurso.pptx
@@ -14,6 +14,7 @@
     <p:sldId id="266" r:id="rId8"/>
     <p:sldId id="263" r:id="rId9"/>
     <p:sldId id="264" r:id="rId10"/>
+    <p:sldId id="267" r:id="rId11"/>
   </p:sldIdLst>
   <p:sldSz cx="12192000" cy="6858000"/>
   <p:notesSz cx="6858000" cy="9144000"/>
@@ -269,7 +270,7 @@
           <a:p>
             <a:fld id="{0B0C550D-4FE4-D44E-9B6F-060E5D779D30}" type="datetimeFigureOut">
               <a:rPr lang="es-ES_tradnl" smtClean="0"/>
-              <a:t>7/8/23</a:t>
+              <a:t>8/8/23</a:t>
             </a:fld>
             <a:endParaRPr lang="es-ES_tradnl"/>
           </a:p>
@@ -469,7 +470,7 @@
           <a:p>
             <a:fld id="{0B0C550D-4FE4-D44E-9B6F-060E5D779D30}" type="datetimeFigureOut">
               <a:rPr lang="es-ES_tradnl" smtClean="0"/>
-              <a:t>7/8/23</a:t>
+              <a:t>8/8/23</a:t>
             </a:fld>
             <a:endParaRPr lang="es-ES_tradnl"/>
           </a:p>
@@ -679,7 +680,7 @@
           <a:p>
             <a:fld id="{0B0C550D-4FE4-D44E-9B6F-060E5D779D30}" type="datetimeFigureOut">
               <a:rPr lang="es-ES_tradnl" smtClean="0"/>
-              <a:t>7/8/23</a:t>
+              <a:t>8/8/23</a:t>
             </a:fld>
             <a:endParaRPr lang="es-ES_tradnl"/>
           </a:p>
@@ -879,7 +880,7 @@
           <a:p>
             <a:fld id="{0B0C550D-4FE4-D44E-9B6F-060E5D779D30}" type="datetimeFigureOut">
               <a:rPr lang="es-ES_tradnl" smtClean="0"/>
-              <a:t>7/8/23</a:t>
+              <a:t>8/8/23</a:t>
             </a:fld>
             <a:endParaRPr lang="es-ES_tradnl"/>
           </a:p>
@@ -1155,7 +1156,7 @@
           <a:p>
             <a:fld id="{0B0C550D-4FE4-D44E-9B6F-060E5D779D30}" type="datetimeFigureOut">
               <a:rPr lang="es-ES_tradnl" smtClean="0"/>
-              <a:t>7/8/23</a:t>
+              <a:t>8/8/23</a:t>
             </a:fld>
             <a:endParaRPr lang="es-ES_tradnl"/>
           </a:p>
@@ -1423,7 +1424,7 @@
           <a:p>
             <a:fld id="{0B0C550D-4FE4-D44E-9B6F-060E5D779D30}" type="datetimeFigureOut">
               <a:rPr lang="es-ES_tradnl" smtClean="0"/>
-              <a:t>7/8/23</a:t>
+              <a:t>8/8/23</a:t>
             </a:fld>
             <a:endParaRPr lang="es-ES_tradnl"/>
           </a:p>
@@ -1838,7 +1839,7 @@
           <a:p>
             <a:fld id="{0B0C550D-4FE4-D44E-9B6F-060E5D779D30}" type="datetimeFigureOut">
               <a:rPr lang="es-ES_tradnl" smtClean="0"/>
-              <a:t>7/8/23</a:t>
+              <a:t>8/8/23</a:t>
             </a:fld>
             <a:endParaRPr lang="es-ES_tradnl"/>
           </a:p>
@@ -1980,7 +1981,7 @@
           <a:p>
             <a:fld id="{0B0C550D-4FE4-D44E-9B6F-060E5D779D30}" type="datetimeFigureOut">
               <a:rPr lang="es-ES_tradnl" smtClean="0"/>
-              <a:t>7/8/23</a:t>
+              <a:t>8/8/23</a:t>
             </a:fld>
             <a:endParaRPr lang="es-ES_tradnl"/>
           </a:p>
@@ -2093,7 +2094,7 @@
           <a:p>
             <a:fld id="{0B0C550D-4FE4-D44E-9B6F-060E5D779D30}" type="datetimeFigureOut">
               <a:rPr lang="es-ES_tradnl" smtClean="0"/>
-              <a:t>7/8/23</a:t>
+              <a:t>8/8/23</a:t>
             </a:fld>
             <a:endParaRPr lang="es-ES_tradnl"/>
           </a:p>
@@ -2406,7 +2407,7 @@
           <a:p>
             <a:fld id="{0B0C550D-4FE4-D44E-9B6F-060E5D779D30}" type="datetimeFigureOut">
               <a:rPr lang="es-ES_tradnl" smtClean="0"/>
-              <a:t>7/8/23</a:t>
+              <a:t>8/8/23</a:t>
             </a:fld>
             <a:endParaRPr lang="es-ES_tradnl"/>
           </a:p>
@@ -2695,7 +2696,7 @@
           <a:p>
             <a:fld id="{0B0C550D-4FE4-D44E-9B6F-060E5D779D30}" type="datetimeFigureOut">
               <a:rPr lang="es-ES_tradnl" smtClean="0"/>
-              <a:t>7/8/23</a:t>
+              <a:t>8/8/23</a:t>
             </a:fld>
             <a:endParaRPr lang="es-ES_tradnl"/>
           </a:p>
@@ -2938,7 +2939,7 @@
           <a:p>
             <a:fld id="{0B0C550D-4FE4-D44E-9B6F-060E5D779D30}" type="datetimeFigureOut">
               <a:rPr lang="es-ES_tradnl" smtClean="0"/>
-              <a:t>7/8/23</a:t>
+              <a:t>8/8/23</a:t>
             </a:fld>
             <a:endParaRPr lang="es-ES_tradnl"/>
           </a:p>
@@ -3631,6 +3632,738 @@
     <p:extLst>
       <p:ext uri="{BB962C8B-B14F-4D97-AF65-F5344CB8AC3E}">
         <p14:creationId xmlns:p14="http://schemas.microsoft.com/office/powerpoint/2010/main" val="2424940603"/>
+      </p:ext>
+    </p:extLst>
+  </p:cSld>
+  <p:clrMapOvr>
+    <a:masterClrMapping/>
+  </p:clrMapOvr>
+</p:sld>
+</file>
+
+<file path=ppt/slides/slide10.xml><?xml version="1.0" encoding="utf-8"?>
+<p:sld xmlns:a="http://schemas.openxmlformats.org/drawingml/2006/main" xmlns:r="http://schemas.openxmlformats.org/officeDocument/2006/relationships" xmlns:p="http://schemas.openxmlformats.org/presentationml/2006/main">
+  <p:cSld>
+    <p:bg>
+      <p:bgPr>
+        <a:solidFill>
+          <a:schemeClr val="bg1"/>
+        </a:solidFill>
+        <a:effectLst/>
+      </p:bgPr>
+    </p:bg>
+    <p:spTree>
+      <p:nvGrpSpPr>
+        <p:cNvPr id="1" name=""/>
+        <p:cNvGrpSpPr/>
+        <p:nvPr/>
+      </p:nvGrpSpPr>
+      <p:grpSpPr>
+        <a:xfrm>
+          <a:off x="0" y="0"/>
+          <a:ext cx="0" cy="0"/>
+          <a:chOff x="0" y="0"/>
+          <a:chExt cx="0" cy="0"/>
+        </a:xfrm>
+      </p:grpSpPr>
+      <p:sp>
+        <p:nvSpPr>
+          <p:cNvPr id="10" name="Rectangle 9">
+            <a:extLst>
+              <a:ext uri="{FF2B5EF4-FFF2-40B4-BE49-F238E27FC236}">
+                <a16:creationId xmlns:a16="http://schemas.microsoft.com/office/drawing/2014/main" id="{F3060C83-F051-4F0E-ABAD-AA0DFC48B218}"/>
+              </a:ext>
+              <a:ext uri="{C183D7F6-B498-43B3-948B-1728B52AA6E4}">
+                <adec:decorative xmlns:adec="http://schemas.microsoft.com/office/drawing/2017/decorative" val="1"/>
+              </a:ext>
+            </a:extLst>
+          </p:cNvPr>
+          <p:cNvSpPr>
+            <a:spLocks noGrp="1" noRot="1" noChangeAspect="1" noMove="1" noResize="1" noEditPoints="1" noAdjustHandles="1" noChangeArrowheads="1" noChangeShapeType="1" noTextEdit="1"/>
+          </p:cNvSpPr>
+          <p:nvPr>
+            <p:extLst>
+              <p:ext uri="{386F3935-93C4-4BCD-93E2-E3B085C9AB24}">
+                <p16:designElem xmlns:p16="http://schemas.microsoft.com/office/powerpoint/2015/main" val="1"/>
+              </p:ext>
+            </p:extLst>
+          </p:nvPr>
+        </p:nvSpPr>
+        <p:spPr>
+          <a:xfrm>
+            <a:off x="0" y="0"/>
+            <a:ext cx="12192000" cy="6858000"/>
+          </a:xfrm>
+          <a:prstGeom prst="rect">
+            <a:avLst/>
+          </a:prstGeom>
+          <a:solidFill>
+            <a:schemeClr val="bg1"/>
+          </a:solidFill>
+          <a:ln>
+            <a:noFill/>
+          </a:ln>
+        </p:spPr>
+        <p:style>
+          <a:lnRef idx="2">
+            <a:schemeClr val="accent1">
+              <a:shade val="50000"/>
+            </a:schemeClr>
+          </a:lnRef>
+          <a:fillRef idx="1">
+            <a:schemeClr val="accent1"/>
+          </a:fillRef>
+          <a:effectRef idx="0">
+            <a:schemeClr val="accent1"/>
+          </a:effectRef>
+          <a:fontRef idx="minor">
+            <a:schemeClr val="lt1"/>
+          </a:fontRef>
+        </p:style>
+        <p:txBody>
+          <a:bodyPr rtlCol="0" anchor="ctr"/>
+          <a:lstStyle/>
+          <a:p>
+            <a:pPr algn="ctr"/>
+            <a:endParaRPr lang="en-US" dirty="0"/>
+          </a:p>
+        </p:txBody>
+      </p:sp>
+      <p:sp>
+        <p:nvSpPr>
+          <p:cNvPr id="12" name="Freeform: Shape 11">
+            <a:extLst>
+              <a:ext uri="{FF2B5EF4-FFF2-40B4-BE49-F238E27FC236}">
+                <a16:creationId xmlns:a16="http://schemas.microsoft.com/office/drawing/2014/main" id="{83C98ABE-055B-441F-B07E-44F97F083C39}"/>
+              </a:ext>
+              <a:ext uri="{C183D7F6-B498-43B3-948B-1728B52AA6E4}">
+                <adec:decorative xmlns:adec="http://schemas.microsoft.com/office/drawing/2017/decorative" val="1"/>
+              </a:ext>
+            </a:extLst>
+          </p:cNvPr>
+          <p:cNvSpPr>
+            <a:spLocks noGrp="1" noRot="1" noChangeAspect="1" noMove="1" noResize="1" noEditPoints="1" noAdjustHandles="1" noChangeArrowheads="1" noChangeShapeType="1" noTextEdit="1"/>
+          </p:cNvSpPr>
+          <p:nvPr>
+            <p:extLst>
+              <p:ext uri="{386F3935-93C4-4BCD-93E2-E3B085C9AB24}">
+                <p16:designElem xmlns:p16="http://schemas.microsoft.com/office/powerpoint/2015/main" val="1"/>
+              </p:ext>
+            </p:extLst>
+          </p:nvPr>
+        </p:nvSpPr>
+        <p:spPr>
+          <a:xfrm rot="18900000" flipH="1">
+            <a:off x="-376156" y="-253670"/>
+            <a:ext cx="1827638" cy="1376989"/>
+          </a:xfrm>
+          <a:custGeom>
+            <a:avLst/>
+            <a:gdLst>
+              <a:gd name="connsiteX0" fmla="*/ 0 w 1827638"/>
+              <a:gd name="connsiteY0" fmla="*/ 987379 h 1376989"/>
+              <a:gd name="connsiteX1" fmla="*/ 987379 w 1827638"/>
+              <a:gd name="connsiteY1" fmla="*/ 0 h 1376989"/>
+              <a:gd name="connsiteX2" fmla="*/ 1827638 w 1827638"/>
+              <a:gd name="connsiteY2" fmla="*/ 840260 h 1376989"/>
+              <a:gd name="connsiteX3" fmla="*/ 1827638 w 1827638"/>
+              <a:gd name="connsiteY3" fmla="*/ 1376989 h 1376989"/>
+              <a:gd name="connsiteX4" fmla="*/ 0 w 1827638"/>
+              <a:gd name="connsiteY4" fmla="*/ 1376989 h 1376989"/>
+            </a:gdLst>
+            <a:ahLst/>
+            <a:cxnLst>
+              <a:cxn ang="0">
+                <a:pos x="connsiteX0" y="connsiteY0"/>
+              </a:cxn>
+              <a:cxn ang="0">
+                <a:pos x="connsiteX1" y="connsiteY1"/>
+              </a:cxn>
+              <a:cxn ang="0">
+                <a:pos x="connsiteX2" y="connsiteY2"/>
+              </a:cxn>
+              <a:cxn ang="0">
+                <a:pos x="connsiteX3" y="connsiteY3"/>
+              </a:cxn>
+              <a:cxn ang="0">
+                <a:pos x="connsiteX4" y="connsiteY4"/>
+              </a:cxn>
+            </a:cxnLst>
+            <a:rect l="l" t="t" r="r" b="b"/>
+            <a:pathLst>
+              <a:path w="1827638" h="1376989">
+                <a:moveTo>
+                  <a:pt x="0" y="987379"/>
+                </a:moveTo>
+                <a:lnTo>
+                  <a:pt x="987379" y="0"/>
+                </a:lnTo>
+                <a:lnTo>
+                  <a:pt x="1827638" y="840260"/>
+                </a:lnTo>
+                <a:lnTo>
+                  <a:pt x="1827638" y="1376989"/>
+                </a:lnTo>
+                <a:lnTo>
+                  <a:pt x="0" y="1376989"/>
+                </a:lnTo>
+                <a:close/>
+              </a:path>
+            </a:pathLst>
+          </a:custGeom>
+          <a:solidFill>
+            <a:schemeClr val="accent1">
+              <a:alpha val="30000"/>
+            </a:schemeClr>
+          </a:solidFill>
+          <a:ln>
+            <a:noFill/>
+          </a:ln>
+        </p:spPr>
+        <p:style>
+          <a:lnRef idx="2">
+            <a:schemeClr val="accent1">
+              <a:shade val="50000"/>
+            </a:schemeClr>
+          </a:lnRef>
+          <a:fillRef idx="1">
+            <a:schemeClr val="accent1"/>
+          </a:fillRef>
+          <a:effectRef idx="0">
+            <a:schemeClr val="accent1"/>
+          </a:effectRef>
+          <a:fontRef idx="minor">
+            <a:schemeClr val="lt1"/>
+          </a:fontRef>
+        </p:style>
+        <p:txBody>
+          <a:bodyPr rtlCol="0" anchor="ctr"/>
+          <a:lstStyle/>
+          <a:p>
+            <a:pPr algn="ctr"/>
+            <a:endParaRPr lang="en-US" dirty="0"/>
+          </a:p>
+        </p:txBody>
+      </p:sp>
+      <p:sp>
+        <p:nvSpPr>
+          <p:cNvPr id="14" name="Rectangle 13">
+            <a:extLst>
+              <a:ext uri="{FF2B5EF4-FFF2-40B4-BE49-F238E27FC236}">
+                <a16:creationId xmlns:a16="http://schemas.microsoft.com/office/drawing/2014/main" id="{29FDB030-9B49-4CED-8CCD-4D99382388AC}"/>
+              </a:ext>
+              <a:ext uri="{C183D7F6-B498-43B3-948B-1728B52AA6E4}">
+                <adec:decorative xmlns:adec="http://schemas.microsoft.com/office/drawing/2017/decorative" val="1"/>
+              </a:ext>
+            </a:extLst>
+          </p:cNvPr>
+          <p:cNvSpPr>
+            <a:spLocks noGrp="1" noRot="1" noChangeAspect="1" noMove="1" noResize="1" noEditPoints="1" noAdjustHandles="1" noChangeArrowheads="1" noChangeShapeType="1" noTextEdit="1"/>
+          </p:cNvSpPr>
+          <p:nvPr>
+            <p:extLst>
+              <p:ext uri="{386F3935-93C4-4BCD-93E2-E3B085C9AB24}">
+                <p16:designElem xmlns:p16="http://schemas.microsoft.com/office/powerpoint/2015/main" val="1"/>
+              </p:ext>
+            </p:extLst>
+          </p:nvPr>
+        </p:nvSpPr>
+        <p:spPr>
+          <a:xfrm rot="18900000" flipH="1">
+            <a:off x="891641" y="422146"/>
+            <a:ext cx="645368" cy="645368"/>
+          </a:xfrm>
+          <a:prstGeom prst="rect">
+            <a:avLst/>
+          </a:prstGeom>
+          <a:solidFill>
+            <a:schemeClr val="accent1">
+              <a:alpha val="30000"/>
+            </a:schemeClr>
+          </a:solidFill>
+          <a:ln>
+            <a:noFill/>
+          </a:ln>
+        </p:spPr>
+        <p:style>
+          <a:lnRef idx="2">
+            <a:schemeClr val="accent1">
+              <a:shade val="50000"/>
+            </a:schemeClr>
+          </a:lnRef>
+          <a:fillRef idx="1">
+            <a:schemeClr val="accent1"/>
+          </a:fillRef>
+          <a:effectRef idx="0">
+            <a:schemeClr val="accent1"/>
+          </a:effectRef>
+          <a:fontRef idx="minor">
+            <a:schemeClr val="lt1"/>
+          </a:fontRef>
+        </p:style>
+        <p:txBody>
+          <a:bodyPr rtlCol="0" anchor="ctr"/>
+          <a:lstStyle/>
+          <a:p>
+            <a:pPr algn="ctr"/>
+            <a:endParaRPr lang="en-US"/>
+          </a:p>
+        </p:txBody>
+      </p:sp>
+      <p:sp>
+        <p:nvSpPr>
+          <p:cNvPr id="16" name="Rectangle 15">
+            <a:extLst>
+              <a:ext uri="{FF2B5EF4-FFF2-40B4-BE49-F238E27FC236}">
+                <a16:creationId xmlns:a16="http://schemas.microsoft.com/office/drawing/2014/main" id="{3783CA14-24A1-485C-8B30-D6A5D87987AD}"/>
+              </a:ext>
+              <a:ext uri="{C183D7F6-B498-43B3-948B-1728B52AA6E4}">
+                <adec:decorative xmlns:adec="http://schemas.microsoft.com/office/drawing/2017/decorative" val="1"/>
+              </a:ext>
+            </a:extLst>
+          </p:cNvPr>
+          <p:cNvSpPr>
+            <a:spLocks noGrp="1" noRot="1" noChangeAspect="1" noMove="1" noResize="1" noEditPoints="1" noAdjustHandles="1" noChangeArrowheads="1" noChangeShapeType="1" noTextEdit="1"/>
+          </p:cNvSpPr>
+          <p:nvPr>
+            <p:extLst>
+              <p:ext uri="{386F3935-93C4-4BCD-93E2-E3B085C9AB24}">
+                <p16:designElem xmlns:p16="http://schemas.microsoft.com/office/powerpoint/2015/main" val="1"/>
+              </p:ext>
+            </p:extLst>
+          </p:nvPr>
+        </p:nvSpPr>
+        <p:spPr>
+          <a:xfrm rot="18900000" flipH="1">
+            <a:off x="10043482" y="655140"/>
+            <a:ext cx="687472" cy="687472"/>
+          </a:xfrm>
+          <a:prstGeom prst="rect">
+            <a:avLst/>
+          </a:prstGeom>
+          <a:solidFill>
+            <a:schemeClr val="accent4">
+              <a:alpha val="30000"/>
+            </a:schemeClr>
+          </a:solidFill>
+          <a:ln>
+            <a:noFill/>
+          </a:ln>
+        </p:spPr>
+        <p:style>
+          <a:lnRef idx="2">
+            <a:schemeClr val="accent1">
+              <a:shade val="50000"/>
+            </a:schemeClr>
+          </a:lnRef>
+          <a:fillRef idx="1">
+            <a:schemeClr val="accent1"/>
+          </a:fillRef>
+          <a:effectRef idx="0">
+            <a:schemeClr val="accent1"/>
+          </a:effectRef>
+          <a:fontRef idx="minor">
+            <a:schemeClr val="lt1"/>
+          </a:fontRef>
+        </p:style>
+        <p:txBody>
+          <a:bodyPr rtlCol="0" anchor="ctr"/>
+          <a:lstStyle/>
+          <a:p>
+            <a:pPr algn="ctr"/>
+            <a:endParaRPr lang="en-US"/>
+          </a:p>
+        </p:txBody>
+      </p:sp>
+      <p:sp>
+        <p:nvSpPr>
+          <p:cNvPr id="18" name="Freeform: Shape 17">
+            <a:extLst>
+              <a:ext uri="{FF2B5EF4-FFF2-40B4-BE49-F238E27FC236}">
+                <a16:creationId xmlns:a16="http://schemas.microsoft.com/office/drawing/2014/main" id="{9A97C86A-04D6-40F7-AE84-31AB43E6A846}"/>
+              </a:ext>
+              <a:ext uri="{C183D7F6-B498-43B3-948B-1728B52AA6E4}">
+                <adec:decorative xmlns:adec="http://schemas.microsoft.com/office/drawing/2017/decorative" val="1"/>
+              </a:ext>
+            </a:extLst>
+          </p:cNvPr>
+          <p:cNvSpPr>
+            <a:spLocks noGrp="1" noRot="1" noChangeAspect="1" noMove="1" noResize="1" noEditPoints="1" noAdjustHandles="1" noChangeArrowheads="1" noChangeShapeType="1" noTextEdit="1"/>
+          </p:cNvSpPr>
+          <p:nvPr>
+            <p:extLst>
+              <p:ext uri="{386F3935-93C4-4BCD-93E2-E3B085C9AB24}">
+                <p16:designElem xmlns:p16="http://schemas.microsoft.com/office/powerpoint/2015/main" val="1"/>
+              </p:ext>
+            </p:extLst>
+          </p:nvPr>
+        </p:nvSpPr>
+        <p:spPr>
+          <a:xfrm rot="10800000" flipH="1">
+            <a:off x="9356643" y="0"/>
+            <a:ext cx="2835357" cy="1480837"/>
+          </a:xfrm>
+          <a:custGeom>
+            <a:avLst/>
+            <a:gdLst>
+              <a:gd name="connsiteX0" fmla="*/ 2835357 w 2835357"/>
+              <a:gd name="connsiteY0" fmla="*/ 1480837 h 1480837"/>
+              <a:gd name="connsiteX1" fmla="*/ 0 w 2835357"/>
+              <a:gd name="connsiteY1" fmla="*/ 1480837 h 1480837"/>
+              <a:gd name="connsiteX2" fmla="*/ 1552727 w 2835357"/>
+              <a:gd name="connsiteY2" fmla="*/ 0 h 1480837"/>
+              <a:gd name="connsiteX3" fmla="*/ 2835357 w 2835357"/>
+              <a:gd name="connsiteY3" fmla="*/ 1223245 h 1480837"/>
+            </a:gdLst>
+            <a:ahLst/>
+            <a:cxnLst>
+              <a:cxn ang="0">
+                <a:pos x="connsiteX0" y="connsiteY0"/>
+              </a:cxn>
+              <a:cxn ang="0">
+                <a:pos x="connsiteX1" y="connsiteY1"/>
+              </a:cxn>
+              <a:cxn ang="0">
+                <a:pos x="connsiteX2" y="connsiteY2"/>
+              </a:cxn>
+              <a:cxn ang="0">
+                <a:pos x="connsiteX3" y="connsiteY3"/>
+              </a:cxn>
+            </a:cxnLst>
+            <a:rect l="l" t="t" r="r" b="b"/>
+            <a:pathLst>
+              <a:path w="2835357" h="1480837">
+                <a:moveTo>
+                  <a:pt x="2835357" y="1480837"/>
+                </a:moveTo>
+                <a:lnTo>
+                  <a:pt x="0" y="1480837"/>
+                </a:lnTo>
+                <a:lnTo>
+                  <a:pt x="1552727" y="0"/>
+                </a:lnTo>
+                <a:lnTo>
+                  <a:pt x="2835357" y="1223245"/>
+                </a:lnTo>
+                <a:close/>
+              </a:path>
+            </a:pathLst>
+          </a:custGeom>
+          <a:solidFill>
+            <a:schemeClr val="accent4">
+              <a:alpha val="30000"/>
+            </a:schemeClr>
+          </a:solidFill>
+          <a:ln>
+            <a:noFill/>
+          </a:ln>
+        </p:spPr>
+        <p:style>
+          <a:lnRef idx="2">
+            <a:schemeClr val="accent1">
+              <a:shade val="50000"/>
+            </a:schemeClr>
+          </a:lnRef>
+          <a:fillRef idx="1">
+            <a:schemeClr val="accent1"/>
+          </a:fillRef>
+          <a:effectRef idx="0">
+            <a:schemeClr val="accent1"/>
+          </a:effectRef>
+          <a:fontRef idx="minor">
+            <a:schemeClr val="lt1"/>
+          </a:fontRef>
+        </p:style>
+        <p:txBody>
+          <a:bodyPr wrap="square" rtlCol="0" anchor="ctr">
+            <a:noAutofit/>
+          </a:bodyPr>
+          <a:lstStyle/>
+          <a:p>
+            <a:pPr algn="ctr"/>
+            <a:endParaRPr lang="en-US" dirty="0"/>
+          </a:p>
+        </p:txBody>
+      </p:sp>
+      <p:sp>
+        <p:nvSpPr>
+          <p:cNvPr id="20" name="Isosceles Triangle 19">
+            <a:extLst>
+              <a:ext uri="{FF2B5EF4-FFF2-40B4-BE49-F238E27FC236}">
+                <a16:creationId xmlns:a16="http://schemas.microsoft.com/office/drawing/2014/main" id="{FF9F2414-84E8-453E-B1F3-389FDE8192D9}"/>
+              </a:ext>
+              <a:ext uri="{C183D7F6-B498-43B3-948B-1728B52AA6E4}">
+                <adec:decorative xmlns:adec="http://schemas.microsoft.com/office/drawing/2017/decorative" val="1"/>
+              </a:ext>
+            </a:extLst>
+          </p:cNvPr>
+          <p:cNvSpPr>
+            <a:spLocks noGrp="1" noRot="1" noChangeAspect="1" noMove="1" noResize="1" noEditPoints="1" noAdjustHandles="1" noChangeArrowheads="1" noChangeShapeType="1" noTextEdit="1"/>
+          </p:cNvSpPr>
+          <p:nvPr>
+            <p:extLst>
+              <p:ext uri="{386F3935-93C4-4BCD-93E2-E3B085C9AB24}">
+                <p16:designElem xmlns:p16="http://schemas.microsoft.com/office/powerpoint/2015/main" val="1"/>
+              </p:ext>
+            </p:extLst>
+          </p:nvPr>
+        </p:nvSpPr>
+        <p:spPr>
+          <a:xfrm flipH="1">
+            <a:off x="7976344" y="6115501"/>
+            <a:ext cx="1494513" cy="742499"/>
+          </a:xfrm>
+          <a:prstGeom prst="triangle">
+            <a:avLst/>
+          </a:prstGeom>
+          <a:solidFill>
+            <a:schemeClr val="accent1">
+              <a:alpha val="30000"/>
+            </a:schemeClr>
+          </a:solidFill>
+          <a:ln>
+            <a:noFill/>
+          </a:ln>
+        </p:spPr>
+        <p:style>
+          <a:lnRef idx="2">
+            <a:schemeClr val="accent1">
+              <a:shade val="50000"/>
+            </a:schemeClr>
+          </a:lnRef>
+          <a:fillRef idx="1">
+            <a:schemeClr val="accent1"/>
+          </a:fillRef>
+          <a:effectRef idx="0">
+            <a:schemeClr val="accent1"/>
+          </a:effectRef>
+          <a:fontRef idx="minor">
+            <a:schemeClr val="lt1"/>
+          </a:fontRef>
+        </p:style>
+        <p:txBody>
+          <a:bodyPr rtlCol="0" anchor="ctr"/>
+          <a:lstStyle/>
+          <a:p>
+            <a:pPr algn="ctr"/>
+            <a:endParaRPr lang="en-US"/>
+          </a:p>
+        </p:txBody>
+      </p:sp>
+      <p:pic>
+        <p:nvPicPr>
+          <p:cNvPr id="5" name="Picture 4" descr="A table with a list of days and months&#10;&#10;Description automatically generated">
+            <a:extLst>
+              <a:ext uri="{FF2B5EF4-FFF2-40B4-BE49-F238E27FC236}">
+                <a16:creationId xmlns:a16="http://schemas.microsoft.com/office/drawing/2014/main" id="{AEA9EE90-E158-95D7-8AE6-E8D8B7424952}"/>
+              </a:ext>
+            </a:extLst>
+          </p:cNvPr>
+          <p:cNvPicPr>
+            <a:picLocks noChangeAspect="1"/>
+          </p:cNvPicPr>
+          <p:nvPr/>
+        </p:nvPicPr>
+        <p:blipFill>
+          <a:blip r:embed="rId2"/>
+          <a:stretch>
+            <a:fillRect/>
+          </a:stretch>
+        </p:blipFill>
+        <p:spPr>
+          <a:xfrm>
+            <a:off x="1967481" y="1201175"/>
+            <a:ext cx="7684227" cy="5571065"/>
+          </a:xfrm>
+          <a:prstGeom prst="rect">
+            <a:avLst/>
+          </a:prstGeom>
+          <a:ln>
+            <a:noFill/>
+          </a:ln>
+        </p:spPr>
+      </p:pic>
+      <p:sp>
+        <p:nvSpPr>
+          <p:cNvPr id="22" name="Isosceles Triangle 21">
+            <a:extLst>
+              <a:ext uri="{FF2B5EF4-FFF2-40B4-BE49-F238E27FC236}">
+                <a16:creationId xmlns:a16="http://schemas.microsoft.com/office/drawing/2014/main" id="{3ECA69A1-7536-43AC-85EF-C7106179F5ED}"/>
+              </a:ext>
+              <a:ext uri="{C183D7F6-B498-43B3-948B-1728B52AA6E4}">
+                <adec:decorative xmlns:adec="http://schemas.microsoft.com/office/drawing/2017/decorative" val="1"/>
+              </a:ext>
+            </a:extLst>
+          </p:cNvPr>
+          <p:cNvSpPr>
+            <a:spLocks noGrp="1" noRot="1" noChangeAspect="1" noMove="1" noResize="1" noEditPoints="1" noAdjustHandles="1" noChangeArrowheads="1" noChangeShapeType="1" noTextEdit="1"/>
+          </p:cNvSpPr>
+          <p:nvPr>
+            <p:extLst>
+              <p:ext uri="{386F3935-93C4-4BCD-93E2-E3B085C9AB24}">
+                <p16:designElem xmlns:p16="http://schemas.microsoft.com/office/powerpoint/2015/main" val="1"/>
+              </p:ext>
+            </p:extLst>
+          </p:nvPr>
+        </p:nvSpPr>
+        <p:spPr>
+          <a:xfrm flipH="1">
+            <a:off x="7604080" y="6453143"/>
+            <a:ext cx="814903" cy="404857"/>
+          </a:xfrm>
+          <a:prstGeom prst="triangle">
+            <a:avLst/>
+          </a:prstGeom>
+          <a:solidFill>
+            <a:schemeClr val="accent1">
+              <a:alpha val="30000"/>
+            </a:schemeClr>
+          </a:solidFill>
+          <a:ln>
+            <a:noFill/>
+          </a:ln>
+        </p:spPr>
+        <p:style>
+          <a:lnRef idx="2">
+            <a:schemeClr val="accent1">
+              <a:shade val="50000"/>
+            </a:schemeClr>
+          </a:lnRef>
+          <a:fillRef idx="1">
+            <a:schemeClr val="accent1"/>
+          </a:fillRef>
+          <a:effectRef idx="0">
+            <a:schemeClr val="accent1"/>
+          </a:effectRef>
+          <a:fontRef idx="minor">
+            <a:schemeClr val="lt1"/>
+          </a:fontRef>
+        </p:style>
+        <p:txBody>
+          <a:bodyPr rtlCol="0" anchor="ctr"/>
+          <a:lstStyle/>
+          <a:p>
+            <a:pPr algn="ctr"/>
+            <a:endParaRPr lang="en-US"/>
+          </a:p>
+        </p:txBody>
+      </p:sp>
+      <p:sp>
+        <p:nvSpPr>
+          <p:cNvPr id="6" name="TextBox 5">
+            <a:extLst>
+              <a:ext uri="{FF2B5EF4-FFF2-40B4-BE49-F238E27FC236}">
+                <a16:creationId xmlns:a16="http://schemas.microsoft.com/office/drawing/2014/main" id="{4824B87C-702B-0C36-B2E3-02223FEADFCE}"/>
+              </a:ext>
+            </a:extLst>
+          </p:cNvPr>
+          <p:cNvSpPr txBox="1"/>
+          <p:nvPr/>
+        </p:nvSpPr>
+        <p:spPr>
+          <a:xfrm>
+            <a:off x="697298" y="364590"/>
+            <a:ext cx="5112297" cy="2000548"/>
+          </a:xfrm>
+          <a:prstGeom prst="rect">
+            <a:avLst/>
+          </a:prstGeom>
+          <a:noFill/>
+        </p:spPr>
+        <p:txBody>
+          <a:bodyPr wrap="none" rtlCol="0">
+            <a:spAutoFit/>
+          </a:bodyPr>
+          <a:lstStyle/>
+          <a:p>
+            <a:r>
+              <a:rPr lang="en-US" sz="4400" dirty="0" err="1">
+                <a:solidFill>
+                  <a:schemeClr val="accent2"/>
+                </a:solidFill>
+                <a:latin typeface="Gill Sans MT" panose="020B0502020104020203" pitchFamily="34" charset="77"/>
+              </a:rPr>
+              <a:t>Calendario</a:t>
+            </a:r>
+            <a:r>
+              <a:rPr lang="en-US" sz="4400" dirty="0">
+                <a:solidFill>
+                  <a:schemeClr val="accent2"/>
+                </a:solidFill>
+                <a:latin typeface="Gill Sans MT" panose="020B0502020104020203" pitchFamily="34" charset="77"/>
+              </a:rPr>
+              <a:t> del </a:t>
+            </a:r>
+            <a:r>
+              <a:rPr lang="en-US" sz="4400" dirty="0" err="1">
+                <a:solidFill>
+                  <a:schemeClr val="accent2"/>
+                </a:solidFill>
+                <a:latin typeface="Gill Sans MT" panose="020B0502020104020203" pitchFamily="34" charset="77"/>
+              </a:rPr>
+              <a:t>Curso</a:t>
+            </a:r>
+            <a:endParaRPr lang="en-US" sz="4400" dirty="0">
+              <a:solidFill>
+                <a:schemeClr val="accent2"/>
+              </a:solidFill>
+              <a:latin typeface="Gill Sans MT" panose="020B0502020104020203" pitchFamily="34" charset="77"/>
+            </a:endParaRPr>
+          </a:p>
+          <a:p>
+            <a:endParaRPr lang="en-US" sz="2000" dirty="0">
+              <a:solidFill>
+                <a:schemeClr val="accent1">
+                  <a:lumMod val="60000"/>
+                  <a:lumOff val="40000"/>
+                </a:schemeClr>
+              </a:solidFill>
+              <a:latin typeface="Gill Sans MT" panose="020B0502020104020203" pitchFamily="34" charset="77"/>
+            </a:endParaRPr>
+          </a:p>
+          <a:p>
+            <a:endParaRPr lang="en-US" sz="2000" dirty="0">
+              <a:solidFill>
+                <a:schemeClr val="accent1">
+                  <a:lumMod val="60000"/>
+                  <a:lumOff val="40000"/>
+                </a:schemeClr>
+              </a:solidFill>
+              <a:latin typeface="Gill Sans MT" panose="020B0502020104020203" pitchFamily="34" charset="77"/>
+            </a:endParaRPr>
+          </a:p>
+          <a:p>
+            <a:endParaRPr lang="en-US" sz="2000" dirty="0">
+              <a:solidFill>
+                <a:schemeClr val="accent1">
+                  <a:lumMod val="60000"/>
+                  <a:lumOff val="40000"/>
+                </a:schemeClr>
+              </a:solidFill>
+              <a:latin typeface="Gill Sans MT" panose="020B0502020104020203" pitchFamily="34" charset="77"/>
+            </a:endParaRPr>
+          </a:p>
+          <a:p>
+            <a:pPr marL="342900" indent="-342900">
+              <a:buFont typeface="Arial" panose="020B0604020202020204" pitchFamily="34" charset="0"/>
+              <a:buChar char="•"/>
+            </a:pPr>
+            <a:endParaRPr lang="en-US" sz="2000" dirty="0">
+              <a:solidFill>
+                <a:schemeClr val="accent1">
+                  <a:lumMod val="60000"/>
+                  <a:lumOff val="40000"/>
+                </a:schemeClr>
+              </a:solidFill>
+              <a:latin typeface="Gill Sans MT" panose="020B0502020104020203" pitchFamily="34" charset="77"/>
+            </a:endParaRPr>
+          </a:p>
+        </p:txBody>
+      </p:sp>
+    </p:spTree>
+    <p:extLst>
+      <p:ext uri="{BB962C8B-B14F-4D97-AF65-F5344CB8AC3E}">
+        <p14:creationId xmlns:p14="http://schemas.microsoft.com/office/powerpoint/2010/main" val="3505872246"/>
       </p:ext>
     </p:extLst>
   </p:cSld>

--- a/clases/Cap00_Lineas_Generales/program/IMG00_PresentationCurso.pptx
+++ b/clases/Cap00_Lineas_Generales/program/IMG00_PresentationCurso.pptx
@@ -15,6 +15,8 @@
     <p:sldId id="263" r:id="rId9"/>
     <p:sldId id="264" r:id="rId10"/>
     <p:sldId id="267" r:id="rId11"/>
+    <p:sldId id="268" r:id="rId12"/>
+    <p:sldId id="269" r:id="rId13"/>
   </p:sldIdLst>
   <p:sldSz cx="12192000" cy="6858000"/>
   <p:notesSz cx="6858000" cy="9144000"/>
@@ -270,7 +272,7 @@
           <a:p>
             <a:fld id="{0B0C550D-4FE4-D44E-9B6F-060E5D779D30}" type="datetimeFigureOut">
               <a:rPr lang="es-ES_tradnl" smtClean="0"/>
-              <a:t>8/8/23</a:t>
+              <a:t>8/8/24</a:t>
             </a:fld>
             <a:endParaRPr lang="es-ES_tradnl"/>
           </a:p>
@@ -470,7 +472,7 @@
           <a:p>
             <a:fld id="{0B0C550D-4FE4-D44E-9B6F-060E5D779D30}" type="datetimeFigureOut">
               <a:rPr lang="es-ES_tradnl" smtClean="0"/>
-              <a:t>8/8/23</a:t>
+              <a:t>8/8/24</a:t>
             </a:fld>
             <a:endParaRPr lang="es-ES_tradnl"/>
           </a:p>
@@ -680,7 +682,7 @@
           <a:p>
             <a:fld id="{0B0C550D-4FE4-D44E-9B6F-060E5D779D30}" type="datetimeFigureOut">
               <a:rPr lang="es-ES_tradnl" smtClean="0"/>
-              <a:t>8/8/23</a:t>
+              <a:t>8/8/24</a:t>
             </a:fld>
             <a:endParaRPr lang="es-ES_tradnl"/>
           </a:p>
@@ -880,7 +882,7 @@
           <a:p>
             <a:fld id="{0B0C550D-4FE4-D44E-9B6F-060E5D779D30}" type="datetimeFigureOut">
               <a:rPr lang="es-ES_tradnl" smtClean="0"/>
-              <a:t>8/8/23</a:t>
+              <a:t>8/8/24</a:t>
             </a:fld>
             <a:endParaRPr lang="es-ES_tradnl"/>
           </a:p>
@@ -1156,7 +1158,7 @@
           <a:p>
             <a:fld id="{0B0C550D-4FE4-D44E-9B6F-060E5D779D30}" type="datetimeFigureOut">
               <a:rPr lang="es-ES_tradnl" smtClean="0"/>
-              <a:t>8/8/23</a:t>
+              <a:t>8/8/24</a:t>
             </a:fld>
             <a:endParaRPr lang="es-ES_tradnl"/>
           </a:p>
@@ -1424,7 +1426,7 @@
           <a:p>
             <a:fld id="{0B0C550D-4FE4-D44E-9B6F-060E5D779D30}" type="datetimeFigureOut">
               <a:rPr lang="es-ES_tradnl" smtClean="0"/>
-              <a:t>8/8/23</a:t>
+              <a:t>8/8/24</a:t>
             </a:fld>
             <a:endParaRPr lang="es-ES_tradnl"/>
           </a:p>
@@ -1839,7 +1841,7 @@
           <a:p>
             <a:fld id="{0B0C550D-4FE4-D44E-9B6F-060E5D779D30}" type="datetimeFigureOut">
               <a:rPr lang="es-ES_tradnl" smtClean="0"/>
-              <a:t>8/8/23</a:t>
+              <a:t>8/8/24</a:t>
             </a:fld>
             <a:endParaRPr lang="es-ES_tradnl"/>
           </a:p>
@@ -1981,7 +1983,7 @@
           <a:p>
             <a:fld id="{0B0C550D-4FE4-D44E-9B6F-060E5D779D30}" type="datetimeFigureOut">
               <a:rPr lang="es-ES_tradnl" smtClean="0"/>
-              <a:t>8/8/23</a:t>
+              <a:t>8/8/24</a:t>
             </a:fld>
             <a:endParaRPr lang="es-ES_tradnl"/>
           </a:p>
@@ -2094,7 +2096,7 @@
           <a:p>
             <a:fld id="{0B0C550D-4FE4-D44E-9B6F-060E5D779D30}" type="datetimeFigureOut">
               <a:rPr lang="es-ES_tradnl" smtClean="0"/>
-              <a:t>8/8/23</a:t>
+              <a:t>8/8/24</a:t>
             </a:fld>
             <a:endParaRPr lang="es-ES_tradnl"/>
           </a:p>
@@ -2407,7 +2409,7 @@
           <a:p>
             <a:fld id="{0B0C550D-4FE4-D44E-9B6F-060E5D779D30}" type="datetimeFigureOut">
               <a:rPr lang="es-ES_tradnl" smtClean="0"/>
-              <a:t>8/8/23</a:t>
+              <a:t>8/8/24</a:t>
             </a:fld>
             <a:endParaRPr lang="es-ES_tradnl"/>
           </a:p>
@@ -2696,7 +2698,7 @@
           <a:p>
             <a:fld id="{0B0C550D-4FE4-D44E-9B6F-060E5D779D30}" type="datetimeFigureOut">
               <a:rPr lang="es-ES_tradnl" smtClean="0"/>
-              <a:t>8/8/23</a:t>
+              <a:t>8/8/24</a:t>
             </a:fld>
             <a:endParaRPr lang="es-ES_tradnl"/>
           </a:p>
@@ -2939,7 +2941,7 @@
           <a:p>
             <a:fld id="{0B0C550D-4FE4-D44E-9B6F-060E5D779D30}" type="datetimeFigureOut">
               <a:rPr lang="es-ES_tradnl" smtClean="0"/>
-              <a:t>8/8/23</a:t>
+              <a:t>8/8/24</a:t>
             </a:fld>
             <a:endParaRPr lang="es-ES_tradnl"/>
           </a:p>
@@ -3593,7 +3595,7 @@
                 </a:solidFill>
                 <a:latin typeface="Gill Sans MT" panose="020B0502020104020203" pitchFamily="34" charset="77"/>
               </a:rPr>
-              <a:t> 2023-2</a:t>
+              <a:t> 2024-2</a:t>
             </a:r>
           </a:p>
         </p:txBody>
@@ -4150,39 +4152,6 @@
           </a:p>
         </p:txBody>
       </p:sp>
-      <p:pic>
-        <p:nvPicPr>
-          <p:cNvPr id="5" name="Picture 4" descr="A table with a list of days and months&#10;&#10;Description automatically generated">
-            <a:extLst>
-              <a:ext uri="{FF2B5EF4-FFF2-40B4-BE49-F238E27FC236}">
-                <a16:creationId xmlns:a16="http://schemas.microsoft.com/office/drawing/2014/main" id="{AEA9EE90-E158-95D7-8AE6-E8D8B7424952}"/>
-              </a:ext>
-            </a:extLst>
-          </p:cNvPr>
-          <p:cNvPicPr>
-            <a:picLocks noChangeAspect="1"/>
-          </p:cNvPicPr>
-          <p:nvPr/>
-        </p:nvPicPr>
-        <p:blipFill>
-          <a:blip r:embed="rId2"/>
-          <a:stretch>
-            <a:fillRect/>
-          </a:stretch>
-        </p:blipFill>
-        <p:spPr>
-          <a:xfrm>
-            <a:off x="1967481" y="1201175"/>
-            <a:ext cx="7684227" cy="5571065"/>
-          </a:xfrm>
-          <a:prstGeom prst="rect">
-            <a:avLst/>
-          </a:prstGeom>
-          <a:ln>
-            <a:noFill/>
-          </a:ln>
-        </p:spPr>
-      </p:pic>
       <p:sp>
         <p:nvSpPr>
           <p:cNvPr id="22" name="Isosceles Triangle 21">
@@ -4360,10 +4329,336 @@
           </a:p>
         </p:txBody>
       </p:sp>
+      <p:pic>
+        <p:nvPicPr>
+          <p:cNvPr id="3" name="Picture 2" descr="A table with a list of days and dates&#10;&#10;Description automatically generated">
+            <a:extLst>
+              <a:ext uri="{FF2B5EF4-FFF2-40B4-BE49-F238E27FC236}">
+                <a16:creationId xmlns:a16="http://schemas.microsoft.com/office/drawing/2014/main" id="{49A4643E-30C6-FF88-AB70-67E5FD53296E}"/>
+              </a:ext>
+            </a:extLst>
+          </p:cNvPr>
+          <p:cNvPicPr>
+            <a:picLocks noChangeAspect="1"/>
+          </p:cNvPicPr>
+          <p:nvPr/>
+        </p:nvPicPr>
+        <p:blipFill>
+          <a:blip r:embed="rId2"/>
+          <a:stretch>
+            <a:fillRect/>
+          </a:stretch>
+        </p:blipFill>
+        <p:spPr>
+          <a:xfrm>
+            <a:off x="1249524" y="522014"/>
+            <a:ext cx="9692952" cy="6014993"/>
+          </a:xfrm>
+          <a:prstGeom prst="rect">
+            <a:avLst/>
+          </a:prstGeom>
+        </p:spPr>
+      </p:pic>
     </p:spTree>
     <p:extLst>
       <p:ext uri="{BB962C8B-B14F-4D97-AF65-F5344CB8AC3E}">
         <p14:creationId xmlns:p14="http://schemas.microsoft.com/office/powerpoint/2010/main" val="3505872246"/>
+      </p:ext>
+    </p:extLst>
+  </p:cSld>
+  <p:clrMapOvr>
+    <a:masterClrMapping/>
+  </p:clrMapOvr>
+</p:sld>
+</file>
+
+<file path=ppt/slides/slide11.xml><?xml version="1.0" encoding="utf-8"?>
+<p:sld xmlns:a="http://schemas.openxmlformats.org/drawingml/2006/main" xmlns:r="http://schemas.openxmlformats.org/officeDocument/2006/relationships" xmlns:p="http://schemas.openxmlformats.org/presentationml/2006/main">
+  <p:cSld>
+    <p:spTree>
+      <p:nvGrpSpPr>
+        <p:cNvPr id="1" name=""/>
+        <p:cNvGrpSpPr/>
+        <p:nvPr/>
+      </p:nvGrpSpPr>
+      <p:grpSpPr>
+        <a:xfrm>
+          <a:off x="0" y="0"/>
+          <a:ext cx="0" cy="0"/>
+          <a:chOff x="0" y="0"/>
+          <a:chExt cx="0" cy="0"/>
+        </a:xfrm>
+      </p:grpSpPr>
+      <p:pic>
+        <p:nvPicPr>
+          <p:cNvPr id="4" name="Picture 3">
+            <a:extLst>
+              <a:ext uri="{FF2B5EF4-FFF2-40B4-BE49-F238E27FC236}">
+                <a16:creationId xmlns:a16="http://schemas.microsoft.com/office/drawing/2014/main" id="{2FF16471-A3DE-B3B3-0BE8-D56F16329496}"/>
+              </a:ext>
+            </a:extLst>
+          </p:cNvPr>
+          <p:cNvPicPr>
+            <a:picLocks noChangeAspect="1"/>
+          </p:cNvPicPr>
+          <p:nvPr/>
+        </p:nvPicPr>
+        <p:blipFill>
+          <a:blip r:embed="rId2"/>
+          <a:stretch>
+            <a:fillRect/>
+          </a:stretch>
+        </p:blipFill>
+        <p:spPr>
+          <a:xfrm>
+            <a:off x="2271713" y="1193767"/>
+            <a:ext cx="9437858" cy="5664233"/>
+          </a:xfrm>
+          <a:prstGeom prst="rect">
+            <a:avLst/>
+          </a:prstGeom>
+        </p:spPr>
+      </p:pic>
+      <p:sp>
+        <p:nvSpPr>
+          <p:cNvPr id="5" name="TextBox 4">
+            <a:extLst>
+              <a:ext uri="{FF2B5EF4-FFF2-40B4-BE49-F238E27FC236}">
+                <a16:creationId xmlns:a16="http://schemas.microsoft.com/office/drawing/2014/main" id="{4EAB04A9-FB5C-24D5-6BF2-EC42B9EC6D6E}"/>
+              </a:ext>
+            </a:extLst>
+          </p:cNvPr>
+          <p:cNvSpPr txBox="1"/>
+          <p:nvPr/>
+        </p:nvSpPr>
+        <p:spPr>
+          <a:xfrm>
+            <a:off x="697298" y="364590"/>
+            <a:ext cx="1801583" cy="2000548"/>
+          </a:xfrm>
+          <a:prstGeom prst="rect">
+            <a:avLst/>
+          </a:prstGeom>
+          <a:noFill/>
+        </p:spPr>
+        <p:txBody>
+          <a:bodyPr wrap="none" rtlCol="0">
+            <a:spAutoFit/>
+          </a:bodyPr>
+          <a:lstStyle/>
+          <a:p>
+            <a:r>
+              <a:rPr lang="en-US" sz="4400" dirty="0">
+                <a:solidFill>
+                  <a:schemeClr val="accent2"/>
+                </a:solidFill>
+                <a:latin typeface="Gill Sans MT" panose="020B0502020104020203" pitchFamily="34" charset="77"/>
+              </a:rPr>
+              <a:t>Canvas</a:t>
+            </a:r>
+          </a:p>
+          <a:p>
+            <a:endParaRPr lang="en-US" sz="2000" dirty="0">
+              <a:solidFill>
+                <a:schemeClr val="accent1">
+                  <a:lumMod val="60000"/>
+                  <a:lumOff val="40000"/>
+                </a:schemeClr>
+              </a:solidFill>
+              <a:latin typeface="Gill Sans MT" panose="020B0502020104020203" pitchFamily="34" charset="77"/>
+            </a:endParaRPr>
+          </a:p>
+          <a:p>
+            <a:endParaRPr lang="en-US" sz="2000" dirty="0">
+              <a:solidFill>
+                <a:schemeClr val="accent1">
+                  <a:lumMod val="60000"/>
+                  <a:lumOff val="40000"/>
+                </a:schemeClr>
+              </a:solidFill>
+              <a:latin typeface="Gill Sans MT" panose="020B0502020104020203" pitchFamily="34" charset="77"/>
+            </a:endParaRPr>
+          </a:p>
+          <a:p>
+            <a:endParaRPr lang="en-US" sz="2000" dirty="0">
+              <a:solidFill>
+                <a:schemeClr val="accent1">
+                  <a:lumMod val="60000"/>
+                  <a:lumOff val="40000"/>
+                </a:schemeClr>
+              </a:solidFill>
+              <a:latin typeface="Gill Sans MT" panose="020B0502020104020203" pitchFamily="34" charset="77"/>
+            </a:endParaRPr>
+          </a:p>
+          <a:p>
+            <a:pPr marL="342900" indent="-342900">
+              <a:buFont typeface="Arial" panose="020B0604020202020204" pitchFamily="34" charset="0"/>
+              <a:buChar char="•"/>
+            </a:pPr>
+            <a:endParaRPr lang="en-US" sz="2000" dirty="0">
+              <a:solidFill>
+                <a:schemeClr val="accent1">
+                  <a:lumMod val="60000"/>
+                  <a:lumOff val="40000"/>
+                </a:schemeClr>
+              </a:solidFill>
+              <a:latin typeface="Gill Sans MT" panose="020B0502020104020203" pitchFamily="34" charset="77"/>
+            </a:endParaRPr>
+          </a:p>
+        </p:txBody>
+      </p:sp>
+    </p:spTree>
+    <p:extLst>
+      <p:ext uri="{BB962C8B-B14F-4D97-AF65-F5344CB8AC3E}">
+        <p14:creationId xmlns:p14="http://schemas.microsoft.com/office/powerpoint/2010/main" val="22502276"/>
+      </p:ext>
+    </p:extLst>
+  </p:cSld>
+  <p:clrMapOvr>
+    <a:masterClrMapping/>
+  </p:clrMapOvr>
+</p:sld>
+</file>
+
+<file path=ppt/slides/slide12.xml><?xml version="1.0" encoding="utf-8"?>
+<p:sld xmlns:a="http://schemas.openxmlformats.org/drawingml/2006/main" xmlns:r="http://schemas.openxmlformats.org/officeDocument/2006/relationships" xmlns:p="http://schemas.openxmlformats.org/presentationml/2006/main">
+  <p:cSld>
+    <p:spTree>
+      <p:nvGrpSpPr>
+        <p:cNvPr id="1" name=""/>
+        <p:cNvGrpSpPr/>
+        <p:nvPr/>
+      </p:nvGrpSpPr>
+      <p:grpSpPr>
+        <a:xfrm>
+          <a:off x="0" y="0"/>
+          <a:ext cx="0" cy="0"/>
+          <a:chOff x="0" y="0"/>
+          <a:chExt cx="0" cy="0"/>
+        </a:xfrm>
+      </p:grpSpPr>
+      <p:pic>
+        <p:nvPicPr>
+          <p:cNvPr id="4" name="Picture 3">
+            <a:extLst>
+              <a:ext uri="{FF2B5EF4-FFF2-40B4-BE49-F238E27FC236}">
+                <a16:creationId xmlns:a16="http://schemas.microsoft.com/office/drawing/2014/main" id="{2FF16471-A3DE-B3B3-0BE8-D56F16329496}"/>
+              </a:ext>
+            </a:extLst>
+          </p:cNvPr>
+          <p:cNvPicPr>
+            <a:picLocks noChangeAspect="1"/>
+          </p:cNvPicPr>
+          <p:nvPr/>
+        </p:nvPicPr>
+        <p:blipFill>
+          <a:blip r:embed="rId2"/>
+          <a:stretch>
+            <a:fillRect/>
+          </a:stretch>
+        </p:blipFill>
+        <p:spPr>
+          <a:xfrm>
+            <a:off x="2271713" y="1193767"/>
+            <a:ext cx="9437858" cy="5664233"/>
+          </a:xfrm>
+          <a:prstGeom prst="rect">
+            <a:avLst/>
+          </a:prstGeom>
+        </p:spPr>
+      </p:pic>
+      <p:sp>
+        <p:nvSpPr>
+          <p:cNvPr id="5" name="TextBox 4">
+            <a:extLst>
+              <a:ext uri="{FF2B5EF4-FFF2-40B4-BE49-F238E27FC236}">
+                <a16:creationId xmlns:a16="http://schemas.microsoft.com/office/drawing/2014/main" id="{4EAB04A9-FB5C-24D5-6BF2-EC42B9EC6D6E}"/>
+              </a:ext>
+            </a:extLst>
+          </p:cNvPr>
+          <p:cNvSpPr txBox="1"/>
+          <p:nvPr/>
+        </p:nvSpPr>
+        <p:spPr>
+          <a:xfrm>
+            <a:off x="697298" y="364590"/>
+            <a:ext cx="1801583" cy="2000548"/>
+          </a:xfrm>
+          <a:prstGeom prst="rect">
+            <a:avLst/>
+          </a:prstGeom>
+          <a:noFill/>
+        </p:spPr>
+        <p:txBody>
+          <a:bodyPr wrap="none" rtlCol="0">
+            <a:spAutoFit/>
+          </a:bodyPr>
+          <a:lstStyle/>
+          <a:p>
+            <a:r>
+              <a:rPr lang="en-US" sz="4400" dirty="0">
+                <a:solidFill>
+                  <a:schemeClr val="accent2"/>
+                </a:solidFill>
+                <a:latin typeface="Gill Sans MT" panose="020B0502020104020203" pitchFamily="34" charset="77"/>
+              </a:rPr>
+              <a:t>Canvas</a:t>
+            </a:r>
+          </a:p>
+          <a:p>
+            <a:endParaRPr lang="en-US" sz="2000" dirty="0">
+              <a:solidFill>
+                <a:schemeClr val="accent1">
+                  <a:lumMod val="60000"/>
+                  <a:lumOff val="40000"/>
+                </a:schemeClr>
+              </a:solidFill>
+              <a:latin typeface="Gill Sans MT" panose="020B0502020104020203" pitchFamily="34" charset="77"/>
+            </a:endParaRPr>
+          </a:p>
+          <a:p>
+            <a:endParaRPr lang="en-US" sz="2000" dirty="0">
+              <a:solidFill>
+                <a:schemeClr val="accent1">
+                  <a:lumMod val="60000"/>
+                  <a:lumOff val="40000"/>
+                </a:schemeClr>
+              </a:solidFill>
+              <a:latin typeface="Gill Sans MT" panose="020B0502020104020203" pitchFamily="34" charset="77"/>
+            </a:endParaRPr>
+          </a:p>
+          <a:p>
+            <a:endParaRPr lang="en-US" sz="2000" dirty="0">
+              <a:solidFill>
+                <a:schemeClr val="accent1">
+                  <a:lumMod val="60000"/>
+                  <a:lumOff val="40000"/>
+                </a:schemeClr>
+              </a:solidFill>
+              <a:latin typeface="Gill Sans MT" panose="020B0502020104020203" pitchFamily="34" charset="77"/>
+            </a:endParaRPr>
+          </a:p>
+          <a:p>
+            <a:pPr marL="342900" indent="-342900">
+              <a:buFont typeface="Arial" panose="020B0604020202020204" pitchFamily="34" charset="0"/>
+              <a:buChar char="•"/>
+            </a:pPr>
+            <a:endParaRPr lang="en-US" sz="2000" dirty="0">
+              <a:solidFill>
+                <a:schemeClr val="accent1">
+                  <a:lumMod val="60000"/>
+                  <a:lumOff val="40000"/>
+                </a:schemeClr>
+              </a:solidFill>
+              <a:latin typeface="Gill Sans MT" panose="020B0502020104020203" pitchFamily="34" charset="77"/>
+            </a:endParaRPr>
+          </a:p>
+        </p:txBody>
+      </p:sp>
+    </p:spTree>
+    <p:extLst>
+      <p:ext uri="{BB962C8B-B14F-4D97-AF65-F5344CB8AC3E}">
+        <p14:creationId xmlns:p14="http://schemas.microsoft.com/office/powerpoint/2010/main" val="2735620037"/>
       </p:ext>
     </p:extLst>
   </p:cSld>
@@ -4504,10 +4799,10 @@
       </p:sp>
       <p:pic>
         <p:nvPicPr>
-          <p:cNvPr id="3" name="Picture 2" descr="A screenshot of a phone&#10;&#10;Description automatically generated">
-            <a:extLst>
-              <a:ext uri="{FF2B5EF4-FFF2-40B4-BE49-F238E27FC236}">
-                <a16:creationId xmlns:a16="http://schemas.microsoft.com/office/drawing/2014/main" id="{9A07C366-4C12-DED3-0235-D62176E43211}"/>
+          <p:cNvPr id="5" name="Picture 4" descr="A close-up of a message&#10;&#10;Description automatically generated">
+            <a:extLst>
+              <a:ext uri="{FF2B5EF4-FFF2-40B4-BE49-F238E27FC236}">
+                <a16:creationId xmlns:a16="http://schemas.microsoft.com/office/drawing/2014/main" id="{A3C8A38F-19BF-B4F6-0317-7AE01B3F3AC4}"/>
               </a:ext>
             </a:extLst>
           </p:cNvPr>
@@ -4524,8 +4819,8 @@
         </p:blipFill>
         <p:spPr>
           <a:xfrm>
-            <a:off x="972458" y="2079478"/>
-            <a:ext cx="10628142" cy="2699044"/>
+            <a:off x="563563" y="2173288"/>
+            <a:ext cx="11402030" cy="2927350"/>
           </a:xfrm>
           <a:prstGeom prst="rect">
             <a:avLst/>

--- a/clases/Cap00_Lineas_Generales/program/IMG00_PresentationCurso.pptx
+++ b/clases/Cap00_Lineas_Generales/program/IMG00_PresentationCurso.pptx
@@ -4,6 +4,9 @@
   <p:sldMasterIdLst>
     <p:sldMasterId id="2147483648" r:id="rId1"/>
   </p:sldMasterIdLst>
+  <p:notesMasterIdLst>
+    <p:notesMasterId r:id="rId14"/>
+  </p:notesMasterIdLst>
   <p:sldIdLst>
     <p:sldId id="257" r:id="rId2"/>
     <p:sldId id="260" r:id="rId3"/>
@@ -121,6 +124,356 @@
     </p:ext>
   </p:extLst>
 </p:presentation>
+</file>
+
+<file path=ppt/notesMasters/notesMaster1.xml><?xml version="1.0" encoding="utf-8"?>
+<p:notesMaster xmlns:a="http://schemas.openxmlformats.org/drawingml/2006/main" xmlns:r="http://schemas.openxmlformats.org/officeDocument/2006/relationships" xmlns:p="http://schemas.openxmlformats.org/presentationml/2006/main">
+  <p:cSld>
+    <p:bg>
+      <p:bgRef idx="1001">
+        <a:schemeClr val="bg1"/>
+      </p:bgRef>
+    </p:bg>
+    <p:spTree>
+      <p:nvGrpSpPr>
+        <p:cNvPr id="1" name=""/>
+        <p:cNvGrpSpPr/>
+        <p:nvPr/>
+      </p:nvGrpSpPr>
+      <p:grpSpPr>
+        <a:xfrm>
+          <a:off x="0" y="0"/>
+          <a:ext cx="0" cy="0"/>
+          <a:chOff x="0" y="0"/>
+          <a:chExt cx="0" cy="0"/>
+        </a:xfrm>
+      </p:grpSpPr>
+      <p:sp>
+        <p:nvSpPr>
+          <p:cNvPr id="2" name="Header Placeholder 1"/>
+          <p:cNvSpPr>
+            <a:spLocks noGrp="1"/>
+          </p:cNvSpPr>
+          <p:nvPr>
+            <p:ph type="hdr" sz="quarter"/>
+          </p:nvPr>
+        </p:nvSpPr>
+        <p:spPr>
+          <a:xfrm>
+            <a:off x="0" y="0"/>
+            <a:ext cx="2971800" cy="458788"/>
+          </a:xfrm>
+          <a:prstGeom prst="rect">
+            <a:avLst/>
+          </a:prstGeom>
+        </p:spPr>
+        <p:txBody>
+          <a:bodyPr vert="horz" lIns="91440" tIns="45720" rIns="91440" bIns="45720" rtlCol="0"/>
+          <a:lstStyle>
+            <a:lvl1pPr algn="l">
+              <a:defRPr sz="1200"/>
+            </a:lvl1pPr>
+          </a:lstStyle>
+          <a:p>
+            <a:endParaRPr lang="en-CL"/>
+          </a:p>
+        </p:txBody>
+      </p:sp>
+      <p:sp>
+        <p:nvSpPr>
+          <p:cNvPr id="3" name="Date Placeholder 2"/>
+          <p:cNvSpPr>
+            <a:spLocks noGrp="1"/>
+          </p:cNvSpPr>
+          <p:nvPr>
+            <p:ph type="dt" idx="1"/>
+          </p:nvPr>
+        </p:nvSpPr>
+        <p:spPr>
+          <a:xfrm>
+            <a:off x="3884613" y="0"/>
+            <a:ext cx="2971800" cy="458788"/>
+          </a:xfrm>
+          <a:prstGeom prst="rect">
+            <a:avLst/>
+          </a:prstGeom>
+        </p:spPr>
+        <p:txBody>
+          <a:bodyPr vert="horz" lIns="91440" tIns="45720" rIns="91440" bIns="45720" rtlCol="0"/>
+          <a:lstStyle>
+            <a:lvl1pPr algn="r">
+              <a:defRPr sz="1200"/>
+            </a:lvl1pPr>
+          </a:lstStyle>
+          <a:p>
+            <a:fld id="{98C700A6-552E-7341-AE56-1DC7B58B0A6B}" type="datetimeFigureOut">
+              <a:rPr lang="en-CL" smtClean="0"/>
+              <a:t>08-08-24</a:t>
+            </a:fld>
+            <a:endParaRPr lang="en-CL"/>
+          </a:p>
+        </p:txBody>
+      </p:sp>
+      <p:sp>
+        <p:nvSpPr>
+          <p:cNvPr id="4" name="Slide Image Placeholder 3"/>
+          <p:cNvSpPr>
+            <a:spLocks noGrp="1" noRot="1" noChangeAspect="1"/>
+          </p:cNvSpPr>
+          <p:nvPr>
+            <p:ph type="sldImg" idx="2"/>
+          </p:nvPr>
+        </p:nvSpPr>
+        <p:spPr>
+          <a:xfrm>
+            <a:off x="685800" y="1143000"/>
+            <a:ext cx="5486400" cy="3086100"/>
+          </a:xfrm>
+          <a:prstGeom prst="rect">
+            <a:avLst/>
+          </a:prstGeom>
+          <a:noFill/>
+          <a:ln w="12700">
+            <a:solidFill>
+              <a:prstClr val="black"/>
+            </a:solidFill>
+          </a:ln>
+        </p:spPr>
+        <p:txBody>
+          <a:bodyPr vert="horz" lIns="91440" tIns="45720" rIns="91440" bIns="45720" rtlCol="0" anchor="ctr"/>
+          <a:lstStyle/>
+          <a:p>
+            <a:endParaRPr lang="en-CL"/>
+          </a:p>
+        </p:txBody>
+      </p:sp>
+      <p:sp>
+        <p:nvSpPr>
+          <p:cNvPr id="5" name="Notes Placeholder 4"/>
+          <p:cNvSpPr>
+            <a:spLocks noGrp="1"/>
+          </p:cNvSpPr>
+          <p:nvPr>
+            <p:ph type="body" sz="quarter" idx="3"/>
+          </p:nvPr>
+        </p:nvSpPr>
+        <p:spPr>
+          <a:xfrm>
+            <a:off x="685800" y="4400550"/>
+            <a:ext cx="5486400" cy="3600450"/>
+          </a:xfrm>
+          <a:prstGeom prst="rect">
+            <a:avLst/>
+          </a:prstGeom>
+        </p:spPr>
+        <p:txBody>
+          <a:bodyPr vert="horz" lIns="91440" tIns="45720" rIns="91440" bIns="45720" rtlCol="0"/>
+          <a:lstStyle/>
+          <a:p>
+            <a:pPr lvl="0"/>
+            <a:r>
+              <a:rPr lang="en-US"/>
+              <a:t>Click to edit Master text styles</a:t>
+            </a:r>
+          </a:p>
+          <a:p>
+            <a:pPr lvl="1"/>
+            <a:r>
+              <a:rPr lang="en-US"/>
+              <a:t>Second level</a:t>
+            </a:r>
+          </a:p>
+          <a:p>
+            <a:pPr lvl="2"/>
+            <a:r>
+              <a:rPr lang="en-US"/>
+              <a:t>Third level</a:t>
+            </a:r>
+          </a:p>
+          <a:p>
+            <a:pPr lvl="3"/>
+            <a:r>
+              <a:rPr lang="en-US"/>
+              <a:t>Fourth level</a:t>
+            </a:r>
+          </a:p>
+          <a:p>
+            <a:pPr lvl="4"/>
+            <a:r>
+              <a:rPr lang="en-US"/>
+              <a:t>Fifth level</a:t>
+            </a:r>
+            <a:endParaRPr lang="en-CL"/>
+          </a:p>
+        </p:txBody>
+      </p:sp>
+      <p:sp>
+        <p:nvSpPr>
+          <p:cNvPr id="6" name="Footer Placeholder 5"/>
+          <p:cNvSpPr>
+            <a:spLocks noGrp="1"/>
+          </p:cNvSpPr>
+          <p:nvPr>
+            <p:ph type="ftr" sz="quarter" idx="4"/>
+          </p:nvPr>
+        </p:nvSpPr>
+        <p:spPr>
+          <a:xfrm>
+            <a:off x="0" y="8685213"/>
+            <a:ext cx="2971800" cy="458787"/>
+          </a:xfrm>
+          <a:prstGeom prst="rect">
+            <a:avLst/>
+          </a:prstGeom>
+        </p:spPr>
+        <p:txBody>
+          <a:bodyPr vert="horz" lIns="91440" tIns="45720" rIns="91440" bIns="45720" rtlCol="0" anchor="b"/>
+          <a:lstStyle>
+            <a:lvl1pPr algn="l">
+              <a:defRPr sz="1200"/>
+            </a:lvl1pPr>
+          </a:lstStyle>
+          <a:p>
+            <a:endParaRPr lang="en-CL"/>
+          </a:p>
+        </p:txBody>
+      </p:sp>
+      <p:sp>
+        <p:nvSpPr>
+          <p:cNvPr id="7" name="Slide Number Placeholder 6"/>
+          <p:cNvSpPr>
+            <a:spLocks noGrp="1"/>
+          </p:cNvSpPr>
+          <p:nvPr>
+            <p:ph type="sldNum" sz="quarter" idx="5"/>
+          </p:nvPr>
+        </p:nvSpPr>
+        <p:spPr>
+          <a:xfrm>
+            <a:off x="3884613" y="8685213"/>
+            <a:ext cx="2971800" cy="458787"/>
+          </a:xfrm>
+          <a:prstGeom prst="rect">
+            <a:avLst/>
+          </a:prstGeom>
+        </p:spPr>
+        <p:txBody>
+          <a:bodyPr vert="horz" lIns="91440" tIns="45720" rIns="91440" bIns="45720" rtlCol="0" anchor="b"/>
+          <a:lstStyle>
+            <a:lvl1pPr algn="r">
+              <a:defRPr sz="1200"/>
+            </a:lvl1pPr>
+          </a:lstStyle>
+          <a:p>
+            <a:fld id="{86F9DE54-0E9D-8047-8812-DBE9553365A2}" type="slidenum">
+              <a:rPr lang="en-CL" smtClean="0"/>
+              <a:t>‹#›</a:t>
+            </a:fld>
+            <a:endParaRPr lang="en-CL"/>
+          </a:p>
+        </p:txBody>
+      </p:sp>
+    </p:spTree>
+    <p:extLst>
+      <p:ext uri="{BB962C8B-B14F-4D97-AF65-F5344CB8AC3E}">
+        <p14:creationId xmlns:p14="http://schemas.microsoft.com/office/powerpoint/2010/main" val="3944855179"/>
+      </p:ext>
+    </p:extLst>
+  </p:cSld>
+  <p:clrMap bg1="lt1" tx1="dk1" bg2="lt2" tx2="dk2" accent1="accent1" accent2="accent2" accent3="accent3" accent4="accent4" accent5="accent5" accent6="accent6" hlink="hlink" folHlink="folHlink"/>
+  <p:notesStyle>
+    <a:lvl1pPr marL="0" algn="l" defTabSz="914400" rtl="0" eaLnBrk="1" latinLnBrk="0" hangingPunct="1">
+      <a:defRPr sz="1200" kern="1200">
+        <a:solidFill>
+          <a:schemeClr val="tx1"/>
+        </a:solidFill>
+        <a:latin typeface="+mn-lt"/>
+        <a:ea typeface="+mn-ea"/>
+        <a:cs typeface="+mn-cs"/>
+      </a:defRPr>
+    </a:lvl1pPr>
+    <a:lvl2pPr marL="457200" algn="l" defTabSz="914400" rtl="0" eaLnBrk="1" latinLnBrk="0" hangingPunct="1">
+      <a:defRPr sz="1200" kern="1200">
+        <a:solidFill>
+          <a:schemeClr val="tx1"/>
+        </a:solidFill>
+        <a:latin typeface="+mn-lt"/>
+        <a:ea typeface="+mn-ea"/>
+        <a:cs typeface="+mn-cs"/>
+      </a:defRPr>
+    </a:lvl2pPr>
+    <a:lvl3pPr marL="914400" algn="l" defTabSz="914400" rtl="0" eaLnBrk="1" latinLnBrk="0" hangingPunct="1">
+      <a:defRPr sz="1200" kern="1200">
+        <a:solidFill>
+          <a:schemeClr val="tx1"/>
+        </a:solidFill>
+        <a:latin typeface="+mn-lt"/>
+        <a:ea typeface="+mn-ea"/>
+        <a:cs typeface="+mn-cs"/>
+      </a:defRPr>
+    </a:lvl3pPr>
+    <a:lvl4pPr marL="1371600" algn="l" defTabSz="914400" rtl="0" eaLnBrk="1" latinLnBrk="0" hangingPunct="1">
+      <a:defRPr sz="1200" kern="1200">
+        <a:solidFill>
+          <a:schemeClr val="tx1"/>
+        </a:solidFill>
+        <a:latin typeface="+mn-lt"/>
+        <a:ea typeface="+mn-ea"/>
+        <a:cs typeface="+mn-cs"/>
+      </a:defRPr>
+    </a:lvl4pPr>
+    <a:lvl5pPr marL="1828800" algn="l" defTabSz="914400" rtl="0" eaLnBrk="1" latinLnBrk="0" hangingPunct="1">
+      <a:defRPr sz="1200" kern="1200">
+        <a:solidFill>
+          <a:schemeClr val="tx1"/>
+        </a:solidFill>
+        <a:latin typeface="+mn-lt"/>
+        <a:ea typeface="+mn-ea"/>
+        <a:cs typeface="+mn-cs"/>
+      </a:defRPr>
+    </a:lvl5pPr>
+    <a:lvl6pPr marL="2286000" algn="l" defTabSz="914400" rtl="0" eaLnBrk="1" latinLnBrk="0" hangingPunct="1">
+      <a:defRPr sz="1200" kern="1200">
+        <a:solidFill>
+          <a:schemeClr val="tx1"/>
+        </a:solidFill>
+        <a:latin typeface="+mn-lt"/>
+        <a:ea typeface="+mn-ea"/>
+        <a:cs typeface="+mn-cs"/>
+      </a:defRPr>
+    </a:lvl6pPr>
+    <a:lvl7pPr marL="2743200" algn="l" defTabSz="914400" rtl="0" eaLnBrk="1" latinLnBrk="0" hangingPunct="1">
+      <a:defRPr sz="1200" kern="1200">
+        <a:solidFill>
+          <a:schemeClr val="tx1"/>
+        </a:solidFill>
+        <a:latin typeface="+mn-lt"/>
+        <a:ea typeface="+mn-ea"/>
+        <a:cs typeface="+mn-cs"/>
+      </a:defRPr>
+    </a:lvl7pPr>
+    <a:lvl8pPr marL="3200400" algn="l" defTabSz="914400" rtl="0" eaLnBrk="1" latinLnBrk="0" hangingPunct="1">
+      <a:defRPr sz="1200" kern="1200">
+        <a:solidFill>
+          <a:schemeClr val="tx1"/>
+        </a:solidFill>
+        <a:latin typeface="+mn-lt"/>
+        <a:ea typeface="+mn-ea"/>
+        <a:cs typeface="+mn-cs"/>
+      </a:defRPr>
+    </a:lvl8pPr>
+    <a:lvl9pPr marL="3657600" algn="l" defTabSz="914400" rtl="0" eaLnBrk="1" latinLnBrk="0" hangingPunct="1">
+      <a:defRPr sz="1200" kern="1200">
+        <a:solidFill>
+          <a:schemeClr val="tx1"/>
+        </a:solidFill>
+        <a:latin typeface="+mn-lt"/>
+        <a:ea typeface="+mn-ea"/>
+        <a:cs typeface="+mn-cs"/>
+      </a:defRPr>
+    </a:lvl9pPr>
+  </p:notesStyle>
+</p:notesMaster>
 </file>
 
 <file path=ppt/slideLayouts/slideLayout1.xml><?xml version="1.0" encoding="utf-8"?>
@@ -4232,7 +4585,7 @@
         <p:spPr>
           <a:xfrm>
             <a:off x="697298" y="364590"/>
-            <a:ext cx="5112297" cy="2000548"/>
+            <a:ext cx="4124334" cy="2000548"/>
           </a:xfrm>
           <a:prstGeom prst="rect">
             <a:avLst/>
@@ -4252,7 +4605,7 @@
                 </a:solidFill>
                 <a:latin typeface="Gill Sans MT" panose="020B0502020104020203" pitchFamily="34" charset="77"/>
               </a:rPr>
-              <a:t>Calendario</a:t>
+              <a:t>Fechas</a:t>
             </a:r>
             <a:r>
               <a:rPr lang="en-US" sz="4400" dirty="0">
@@ -4351,8 +4704,8 @@
         </p:blipFill>
         <p:spPr>
           <a:xfrm>
-            <a:off x="1249524" y="522014"/>
-            <a:ext cx="9692952" cy="6014993"/>
+            <a:off x="2541180" y="1323556"/>
+            <a:ext cx="8401295" cy="5213451"/>
           </a:xfrm>
           <a:prstGeom prst="rect">
             <a:avLst/>
@@ -4537,12 +4890,100 @@
           <a:chExt cx="0" cy="0"/>
         </a:xfrm>
       </p:grpSpPr>
+      <p:sp>
+        <p:nvSpPr>
+          <p:cNvPr id="5" name="TextBox 4">
+            <a:extLst>
+              <a:ext uri="{FF2B5EF4-FFF2-40B4-BE49-F238E27FC236}">
+                <a16:creationId xmlns:a16="http://schemas.microsoft.com/office/drawing/2014/main" id="{4EAB04A9-FB5C-24D5-6BF2-EC42B9EC6D6E}"/>
+              </a:ext>
+            </a:extLst>
+          </p:cNvPr>
+          <p:cNvSpPr txBox="1"/>
+          <p:nvPr/>
+        </p:nvSpPr>
+        <p:spPr>
+          <a:xfrm>
+            <a:off x="697298" y="364590"/>
+            <a:ext cx="1890261" cy="2000548"/>
+          </a:xfrm>
+          <a:prstGeom prst="rect">
+            <a:avLst/>
+          </a:prstGeom>
+          <a:noFill/>
+        </p:spPr>
+        <p:txBody>
+          <a:bodyPr wrap="none" rtlCol="0">
+            <a:spAutoFit/>
+          </a:bodyPr>
+          <a:lstStyle/>
+          <a:p>
+            <a:r>
+              <a:rPr lang="en-US" sz="4400" dirty="0">
+                <a:solidFill>
+                  <a:schemeClr val="accent2"/>
+                </a:solidFill>
+                <a:latin typeface="Gill Sans MT" panose="020B0502020104020203" pitchFamily="34" charset="77"/>
+              </a:rPr>
+              <a:t>GitHub</a:t>
+            </a:r>
+          </a:p>
+          <a:p>
+            <a:endParaRPr lang="en-US" sz="2000" dirty="0">
+              <a:solidFill>
+                <a:schemeClr val="accent1">
+                  <a:lumMod val="60000"/>
+                  <a:lumOff val="40000"/>
+                </a:schemeClr>
+              </a:solidFill>
+              <a:latin typeface="Gill Sans MT" panose="020B0502020104020203" pitchFamily="34" charset="77"/>
+            </a:endParaRPr>
+          </a:p>
+          <a:p>
+            <a:endParaRPr lang="en-US" sz="2000" dirty="0">
+              <a:solidFill>
+                <a:schemeClr val="accent1">
+                  <a:lumMod val="60000"/>
+                  <a:lumOff val="40000"/>
+                </a:schemeClr>
+              </a:solidFill>
+              <a:latin typeface="Gill Sans MT" panose="020B0502020104020203" pitchFamily="34" charset="77"/>
+            </a:endParaRPr>
+          </a:p>
+          <a:p>
+            <a:endParaRPr lang="en-US" sz="2000" dirty="0">
+              <a:solidFill>
+                <a:schemeClr val="accent1">
+                  <a:lumMod val="60000"/>
+                  <a:lumOff val="40000"/>
+                </a:schemeClr>
+              </a:solidFill>
+              <a:latin typeface="Gill Sans MT" panose="020B0502020104020203" pitchFamily="34" charset="77"/>
+            </a:endParaRPr>
+          </a:p>
+          <a:p>
+            <a:pPr marL="342900" indent="-342900">
+              <a:buFont typeface="Arial" panose="020B0604020202020204" pitchFamily="34" charset="0"/>
+              <a:buChar char="•"/>
+            </a:pPr>
+            <a:endParaRPr lang="en-US" sz="2000" dirty="0">
+              <a:solidFill>
+                <a:schemeClr val="accent1">
+                  <a:lumMod val="60000"/>
+                  <a:lumOff val="40000"/>
+                </a:schemeClr>
+              </a:solidFill>
+              <a:latin typeface="Gill Sans MT" panose="020B0502020104020203" pitchFamily="34" charset="77"/>
+            </a:endParaRPr>
+          </a:p>
+        </p:txBody>
+      </p:sp>
       <p:pic>
         <p:nvPicPr>
-          <p:cNvPr id="4" name="Picture 3">
-            <a:extLst>
-              <a:ext uri="{FF2B5EF4-FFF2-40B4-BE49-F238E27FC236}">
-                <a16:creationId xmlns:a16="http://schemas.microsoft.com/office/drawing/2014/main" id="{2FF16471-A3DE-B3B3-0BE8-D56F16329496}"/>
+          <p:cNvPr id="3" name="Picture 2" descr="A screenshot of a black and white website&#10;&#10;Description automatically generated">
+            <a:extLst>
+              <a:ext uri="{FF2B5EF4-FFF2-40B4-BE49-F238E27FC236}">
+                <a16:creationId xmlns:a16="http://schemas.microsoft.com/office/drawing/2014/main" id="{A86A7BD2-B74D-296B-D018-14ECC41BC6B4}"/>
               </a:ext>
             </a:extLst>
           </p:cNvPr>
@@ -4559,99 +5000,92 @@
         </p:blipFill>
         <p:spPr>
           <a:xfrm>
-            <a:off x="2271713" y="1193767"/>
-            <a:ext cx="9437858" cy="5664233"/>
+            <a:off x="3491298" y="519147"/>
+            <a:ext cx="8285828" cy="5592202"/>
           </a:xfrm>
           <a:prstGeom prst="rect">
             <a:avLst/>
           </a:prstGeom>
         </p:spPr>
       </p:pic>
-      <p:sp>
-        <p:nvSpPr>
-          <p:cNvPr id="5" name="TextBox 4">
-            <a:extLst>
-              <a:ext uri="{FF2B5EF4-FFF2-40B4-BE49-F238E27FC236}">
-                <a16:creationId xmlns:a16="http://schemas.microsoft.com/office/drawing/2014/main" id="{4EAB04A9-FB5C-24D5-6BF2-EC42B9EC6D6E}"/>
-              </a:ext>
-            </a:extLst>
-          </p:cNvPr>
-          <p:cNvSpPr txBox="1"/>
+      <p:pic>
+        <p:nvPicPr>
+          <p:cNvPr id="8" name="Picture 7">
+            <a:extLst>
+              <a:ext uri="{FF2B5EF4-FFF2-40B4-BE49-F238E27FC236}">
+                <a16:creationId xmlns:a16="http://schemas.microsoft.com/office/drawing/2014/main" id="{CFE74273-F191-CB97-D45A-4DA88A9E4B3C}"/>
+              </a:ext>
+            </a:extLst>
+          </p:cNvPr>
+          <p:cNvPicPr>
+            <a:picLocks noChangeAspect="1"/>
+          </p:cNvPicPr>
           <p:nvPr/>
-        </p:nvSpPr>
+        </p:nvPicPr>
+        <p:blipFill>
+          <a:blip r:embed="rId3"/>
+          <a:srcRect/>
+          <a:stretch/>
+        </p:blipFill>
         <p:spPr>
           <a:xfrm>
-            <a:off x="697298" y="364590"/>
-            <a:ext cx="1801583" cy="2000548"/>
+            <a:off x="414874" y="3245363"/>
+            <a:ext cx="2794000" cy="2794000"/>
           </a:xfrm>
           <a:prstGeom prst="rect">
             <a:avLst/>
           </a:prstGeom>
-          <a:noFill/>
         </p:spPr>
-        <p:txBody>
-          <a:bodyPr wrap="none" rtlCol="0">
-            <a:spAutoFit/>
-          </a:bodyPr>
+      </p:pic>
+      <p:sp>
+        <p:nvSpPr>
+          <p:cNvPr id="9" name="Rectangle 8">
+            <a:extLst>
+              <a:ext uri="{FF2B5EF4-FFF2-40B4-BE49-F238E27FC236}">
+                <a16:creationId xmlns:a16="http://schemas.microsoft.com/office/drawing/2014/main" id="{BDAE1468-44CC-59D4-AAD3-E98098262BC5}"/>
+              </a:ext>
+            </a:extLst>
+          </p:cNvPr>
+          <p:cNvSpPr/>
+          <p:nvPr/>
+        </p:nvSpPr>
+        <p:spPr>
+          <a:xfrm>
+            <a:off x="2573413" y="5559167"/>
+            <a:ext cx="776673" cy="764122"/>
+          </a:xfrm>
+          <a:prstGeom prst="rect">
+            <a:avLst/>
+          </a:prstGeom>
+          <a:solidFill>
+            <a:schemeClr val="bg1"/>
+          </a:solidFill>
+          <a:ln>
+            <a:noFill/>
+          </a:ln>
+        </p:spPr>
+        <p:style>
+          <a:lnRef idx="2">
+            <a:schemeClr val="accent1">
+              <a:shade val="15000"/>
+            </a:schemeClr>
+          </a:lnRef>
+          <a:fillRef idx="1">
+            <a:schemeClr val="accent1"/>
+          </a:fillRef>
+          <a:effectRef idx="0">
+            <a:schemeClr val="accent1"/>
+          </a:effectRef>
+          <a:fontRef idx="minor">
+            <a:schemeClr val="lt1"/>
+          </a:fontRef>
+        </p:style>
+        <p:txBody>
+          <a:bodyPr rtlCol="0" anchor="ctr"/>
           <a:lstStyle/>
           <a:p>
-            <a:r>
-              <a:rPr lang="en-US" sz="4400" dirty="0">
-                <a:solidFill>
-                  <a:schemeClr val="accent2"/>
-                </a:solidFill>
-                <a:latin typeface="Gill Sans MT" panose="020B0502020104020203" pitchFamily="34" charset="77"/>
-              </a:rPr>
-              <a:t>Canvas</a:t>
-            </a:r>
-          </a:p>
-          <a:p>
-            <a:endParaRPr lang="en-US" sz="2000" dirty="0">
-              <a:solidFill>
-                <a:schemeClr val="accent1">
-                  <a:lumMod val="60000"/>
-                  <a:lumOff val="40000"/>
-                </a:schemeClr>
-              </a:solidFill>
-              <a:latin typeface="Gill Sans MT" panose="020B0502020104020203" pitchFamily="34" charset="77"/>
-            </a:endParaRPr>
-          </a:p>
-          <a:p>
-            <a:endParaRPr lang="en-US" sz="2000" dirty="0">
-              <a:solidFill>
-                <a:schemeClr val="accent1">
-                  <a:lumMod val="60000"/>
-                  <a:lumOff val="40000"/>
-                </a:schemeClr>
-              </a:solidFill>
-              <a:latin typeface="Gill Sans MT" panose="020B0502020104020203" pitchFamily="34" charset="77"/>
-            </a:endParaRPr>
-          </a:p>
-          <a:p>
-            <a:endParaRPr lang="en-US" sz="2000" dirty="0">
-              <a:solidFill>
-                <a:schemeClr val="accent1">
-                  <a:lumMod val="60000"/>
-                  <a:lumOff val="40000"/>
-                </a:schemeClr>
-              </a:solidFill>
-              <a:latin typeface="Gill Sans MT" panose="020B0502020104020203" pitchFamily="34" charset="77"/>
-            </a:endParaRPr>
-          </a:p>
-          <a:p>
-            <a:pPr marL="342900" indent="-342900">
-              <a:buFont typeface="Arial" panose="020B0604020202020204" pitchFamily="34" charset="0"/>
-              <a:buChar char="•"/>
-            </a:pPr>
-            <a:endParaRPr lang="en-US" sz="2000" dirty="0">
-              <a:solidFill>
-                <a:schemeClr val="accent1">
-                  <a:lumMod val="60000"/>
-                  <a:lumOff val="40000"/>
-                </a:schemeClr>
-              </a:solidFill>
-              <a:latin typeface="Gill Sans MT" panose="020B0502020104020203" pitchFamily="34" charset="77"/>
-            </a:endParaRPr>
+            <a:pPr algn="ctr"/>
+            <a:endParaRPr lang="en-CL"/>
           </a:p>
         </p:txBody>
       </p:sp>
@@ -6517,4 +6951,319 @@
     </a:ext>
   </a:extLst>
 </a:theme>
+</file>
+
+<file path=ppt/theme/theme2.xml><?xml version="1.0" encoding="utf-8"?>
+<a:theme xmlns:a="http://schemas.openxmlformats.org/drawingml/2006/main" name="Office Theme">
+  <a:themeElements>
+    <a:clrScheme name="Office">
+      <a:dk1>
+        <a:sysClr val="windowText" lastClr="000000"/>
+      </a:dk1>
+      <a:lt1>
+        <a:sysClr val="window" lastClr="FFFFFF"/>
+      </a:lt1>
+      <a:dk2>
+        <a:srgbClr val="0E2841"/>
+      </a:dk2>
+      <a:lt2>
+        <a:srgbClr val="E8E8E8"/>
+      </a:lt2>
+      <a:accent1>
+        <a:srgbClr val="156082"/>
+      </a:accent1>
+      <a:accent2>
+        <a:srgbClr val="E97132"/>
+      </a:accent2>
+      <a:accent3>
+        <a:srgbClr val="196B24"/>
+      </a:accent3>
+      <a:accent4>
+        <a:srgbClr val="0F9ED5"/>
+      </a:accent4>
+      <a:accent5>
+        <a:srgbClr val="A02B93"/>
+      </a:accent5>
+      <a:accent6>
+        <a:srgbClr val="4EA72E"/>
+      </a:accent6>
+      <a:hlink>
+        <a:srgbClr val="467886"/>
+      </a:hlink>
+      <a:folHlink>
+        <a:srgbClr val="96607D"/>
+      </a:folHlink>
+    </a:clrScheme>
+    <a:fontScheme name="Office">
+      <a:majorFont>
+        <a:latin typeface="Aptos Display" panose="02110004020202020204"/>
+        <a:ea typeface=""/>
+        <a:cs typeface=""/>
+        <a:font script="Jpan" typeface="游ゴシック Light"/>
+        <a:font script="Hang" typeface="맑은 고딕"/>
+        <a:font script="Hans" typeface="等线 Light"/>
+        <a:font script="Hant" typeface="新細明體"/>
+        <a:font script="Arab" typeface="Times New Roman"/>
+        <a:font script="Hebr" typeface="Times New Roman"/>
+        <a:font script="Thai" typeface="Angsana New"/>
+        <a:font script="Ethi" typeface="Nyala"/>
+        <a:font script="Beng" typeface="Vrinda"/>
+        <a:font script="Gujr" typeface="Shruti"/>
+        <a:font script="Khmr" typeface="MoolBoran"/>
+        <a:font script="Knda" typeface="Tunga"/>
+        <a:font script="Guru" typeface="Raavi"/>
+        <a:font script="Cans" typeface="Euphemia"/>
+        <a:font script="Cher" typeface="Plantagenet Cherokee"/>
+        <a:font script="Yiii" typeface="Microsoft Yi Baiti"/>
+        <a:font script="Tibt" typeface="Microsoft Himalaya"/>
+        <a:font script="Thaa" typeface="MV Boli"/>
+        <a:font script="Deva" typeface="Mangal"/>
+        <a:font script="Telu" typeface="Gautami"/>
+        <a:font script="Taml" typeface="Latha"/>
+        <a:font script="Syrc" typeface="Estrangelo Edessa"/>
+        <a:font script="Orya" typeface="Kalinga"/>
+        <a:font script="Mlym" typeface="Kartika"/>
+        <a:font script="Laoo" typeface="DokChampa"/>
+        <a:font script="Sinh" typeface="Iskoola Pota"/>
+        <a:font script="Mong" typeface="Mongolian Baiti"/>
+        <a:font script="Viet" typeface="Times New Roman"/>
+        <a:font script="Uigh" typeface="Microsoft Uighur"/>
+        <a:font script="Geor" typeface="Sylfaen"/>
+        <a:font script="Armn" typeface="Arial"/>
+        <a:font script="Bugi" typeface="Leelawadee UI"/>
+        <a:font script="Bopo" typeface="Microsoft JhengHei"/>
+        <a:font script="Java" typeface="Javanese Text"/>
+        <a:font script="Lisu" typeface="Segoe UI"/>
+        <a:font script="Mymr" typeface="Myanmar Text"/>
+        <a:font script="Nkoo" typeface="Ebrima"/>
+        <a:font script="Olck" typeface="Nirmala UI"/>
+        <a:font script="Osma" typeface="Ebrima"/>
+        <a:font script="Phag" typeface="Phagspa"/>
+        <a:font script="Syrn" typeface="Estrangelo Edessa"/>
+        <a:font script="Syrj" typeface="Estrangelo Edessa"/>
+        <a:font script="Syre" typeface="Estrangelo Edessa"/>
+        <a:font script="Sora" typeface="Nirmala UI"/>
+        <a:font script="Tale" typeface="Microsoft Tai Le"/>
+        <a:font script="Talu" typeface="Microsoft New Tai Lue"/>
+        <a:font script="Tfng" typeface="Ebrima"/>
+      </a:majorFont>
+      <a:minorFont>
+        <a:latin typeface="Aptos" panose="02110004020202020204"/>
+        <a:ea typeface=""/>
+        <a:cs typeface=""/>
+        <a:font script="Jpan" typeface="游ゴシック"/>
+        <a:font script="Hang" typeface="맑은 고딕"/>
+        <a:font script="Hans" typeface="等线"/>
+        <a:font script="Hant" typeface="新細明體"/>
+        <a:font script="Arab" typeface="Arial"/>
+        <a:font script="Hebr" typeface="Arial"/>
+        <a:font script="Thai" typeface="Cordia New"/>
+        <a:font script="Ethi" typeface="Nyala"/>
+        <a:font script="Beng" typeface="Vrinda"/>
+        <a:font script="Gujr" typeface="Shruti"/>
+        <a:font script="Khmr" typeface="DaunPenh"/>
+        <a:font script="Knda" typeface="Tunga"/>
+        <a:font script="Guru" typeface="Raavi"/>
+        <a:font script="Cans" typeface="Euphemia"/>
+        <a:font script="Cher" typeface="Plantagenet Cherokee"/>
+        <a:font script="Yiii" typeface="Microsoft Yi Baiti"/>
+        <a:font script="Tibt" typeface="Microsoft Himalaya"/>
+        <a:font script="Thaa" typeface="MV Boli"/>
+        <a:font script="Deva" typeface="Mangal"/>
+        <a:font script="Telu" typeface="Gautami"/>
+        <a:font script="Taml" typeface="Latha"/>
+        <a:font script="Syrc" typeface="Estrangelo Edessa"/>
+        <a:font script="Orya" typeface="Kalinga"/>
+        <a:font script="Mlym" typeface="Kartika"/>
+        <a:font script="Laoo" typeface="DokChampa"/>
+        <a:font script="Sinh" typeface="Iskoola Pota"/>
+        <a:font script="Mong" typeface="Mongolian Baiti"/>
+        <a:font script="Viet" typeface="Arial"/>
+        <a:font script="Uigh" typeface="Microsoft Uighur"/>
+        <a:font script="Geor" typeface="Sylfaen"/>
+        <a:font script="Armn" typeface="Arial"/>
+        <a:font script="Bugi" typeface="Leelawadee UI"/>
+        <a:font script="Bopo" typeface="Microsoft JhengHei"/>
+        <a:font script="Java" typeface="Javanese Text"/>
+        <a:font script="Lisu" typeface="Segoe UI"/>
+        <a:font script="Mymr" typeface="Myanmar Text"/>
+        <a:font script="Nkoo" typeface="Ebrima"/>
+        <a:font script="Olck" typeface="Nirmala UI"/>
+        <a:font script="Osma" typeface="Ebrima"/>
+        <a:font script="Phag" typeface="Phagspa"/>
+        <a:font script="Syrn" typeface="Estrangelo Edessa"/>
+        <a:font script="Syrj" typeface="Estrangelo Edessa"/>
+        <a:font script="Syre" typeface="Estrangelo Edessa"/>
+        <a:font script="Sora" typeface="Nirmala UI"/>
+        <a:font script="Tale" typeface="Microsoft Tai Le"/>
+        <a:font script="Talu" typeface="Microsoft New Tai Lue"/>
+        <a:font script="Tfng" typeface="Ebrima"/>
+      </a:minorFont>
+    </a:fontScheme>
+    <a:fmtScheme name="Office">
+      <a:fillStyleLst>
+        <a:solidFill>
+          <a:schemeClr val="phClr"/>
+        </a:solidFill>
+        <a:gradFill rotWithShape="1">
+          <a:gsLst>
+            <a:gs pos="0">
+              <a:schemeClr val="phClr">
+                <a:lumMod val="110000"/>
+                <a:satMod val="105000"/>
+                <a:tint val="67000"/>
+              </a:schemeClr>
+            </a:gs>
+            <a:gs pos="50000">
+              <a:schemeClr val="phClr">
+                <a:lumMod val="105000"/>
+                <a:satMod val="103000"/>
+                <a:tint val="73000"/>
+              </a:schemeClr>
+            </a:gs>
+            <a:gs pos="100000">
+              <a:schemeClr val="phClr">
+                <a:lumMod val="105000"/>
+                <a:satMod val="109000"/>
+                <a:tint val="81000"/>
+              </a:schemeClr>
+            </a:gs>
+          </a:gsLst>
+          <a:lin ang="5400000" scaled="0"/>
+        </a:gradFill>
+        <a:gradFill rotWithShape="1">
+          <a:gsLst>
+            <a:gs pos="0">
+              <a:schemeClr val="phClr">
+                <a:satMod val="103000"/>
+                <a:lumMod val="102000"/>
+                <a:tint val="94000"/>
+              </a:schemeClr>
+            </a:gs>
+            <a:gs pos="50000">
+              <a:schemeClr val="phClr">
+                <a:satMod val="110000"/>
+                <a:lumMod val="100000"/>
+                <a:shade val="100000"/>
+              </a:schemeClr>
+            </a:gs>
+            <a:gs pos="100000">
+              <a:schemeClr val="phClr">
+                <a:lumMod val="99000"/>
+                <a:satMod val="120000"/>
+                <a:shade val="78000"/>
+              </a:schemeClr>
+            </a:gs>
+          </a:gsLst>
+          <a:lin ang="5400000" scaled="0"/>
+        </a:gradFill>
+      </a:fillStyleLst>
+      <a:lnStyleLst>
+        <a:ln w="12700" cap="flat" cmpd="sng" algn="ctr">
+          <a:solidFill>
+            <a:schemeClr val="phClr"/>
+          </a:solidFill>
+          <a:prstDash val="solid"/>
+          <a:miter lim="800000"/>
+        </a:ln>
+        <a:ln w="19050" cap="flat" cmpd="sng" algn="ctr">
+          <a:solidFill>
+            <a:schemeClr val="phClr"/>
+          </a:solidFill>
+          <a:prstDash val="solid"/>
+          <a:miter lim="800000"/>
+        </a:ln>
+        <a:ln w="25400" cap="flat" cmpd="sng" algn="ctr">
+          <a:solidFill>
+            <a:schemeClr val="phClr"/>
+          </a:solidFill>
+          <a:prstDash val="solid"/>
+          <a:miter lim="800000"/>
+        </a:ln>
+      </a:lnStyleLst>
+      <a:effectStyleLst>
+        <a:effectStyle>
+          <a:effectLst/>
+        </a:effectStyle>
+        <a:effectStyle>
+          <a:effectLst/>
+        </a:effectStyle>
+        <a:effectStyle>
+          <a:effectLst>
+            <a:outerShdw blurRad="57150" dist="19050" dir="5400000" algn="ctr" rotWithShape="0">
+              <a:srgbClr val="000000">
+                <a:alpha val="63000"/>
+              </a:srgbClr>
+            </a:outerShdw>
+          </a:effectLst>
+        </a:effectStyle>
+      </a:effectStyleLst>
+      <a:bgFillStyleLst>
+        <a:solidFill>
+          <a:schemeClr val="phClr"/>
+        </a:solidFill>
+        <a:solidFill>
+          <a:schemeClr val="phClr">
+            <a:tint val="95000"/>
+            <a:satMod val="170000"/>
+          </a:schemeClr>
+        </a:solidFill>
+        <a:gradFill rotWithShape="1">
+          <a:gsLst>
+            <a:gs pos="0">
+              <a:schemeClr val="phClr">
+                <a:tint val="93000"/>
+                <a:satMod val="150000"/>
+                <a:shade val="98000"/>
+                <a:lumMod val="102000"/>
+              </a:schemeClr>
+            </a:gs>
+            <a:gs pos="50000">
+              <a:schemeClr val="phClr">
+                <a:tint val="98000"/>
+                <a:satMod val="130000"/>
+                <a:shade val="90000"/>
+                <a:lumMod val="103000"/>
+              </a:schemeClr>
+            </a:gs>
+            <a:gs pos="100000">
+              <a:schemeClr val="phClr">
+                <a:shade val="63000"/>
+                <a:satMod val="120000"/>
+              </a:schemeClr>
+            </a:gs>
+          </a:gsLst>
+          <a:lin ang="5400000" scaled="0"/>
+        </a:gradFill>
+      </a:bgFillStyleLst>
+    </a:fmtScheme>
+  </a:themeElements>
+  <a:objectDefaults>
+    <a:lnDef>
+      <a:spPr/>
+      <a:bodyPr/>
+      <a:lstStyle/>
+      <a:style>
+        <a:lnRef idx="2">
+          <a:schemeClr val="accent1"/>
+        </a:lnRef>
+        <a:fillRef idx="0">
+          <a:schemeClr val="accent1"/>
+        </a:fillRef>
+        <a:effectRef idx="1">
+          <a:schemeClr val="accent1"/>
+        </a:effectRef>
+        <a:fontRef idx="minor">
+          <a:schemeClr val="tx1"/>
+        </a:fontRef>
+      </a:style>
+    </a:lnDef>
+  </a:objectDefaults>
+  <a:extraClrSchemeLst/>
+  <a:extLst>
+    <a:ext uri="{05A4C25C-085E-4340-85A3-A5531E510DB2}">
+      <thm15:themeFamily xmlns:thm15="http://schemas.microsoft.com/office/thememl/2012/main" name="Office Theme" id="{2E142A2C-CD16-42D6-873A-C26D2A0506FA}" vid="{1BDDFF52-6CD6-40A5-AB3C-68EB2F1E4D0A}"/>
+    </a:ext>
+  </a:extLst>
+</a:theme>
 </file>
--- a/clases/Cap00_Lineas_Generales/program/IMG00_PresentationCurso.pptx
+++ b/clases/Cap00_Lineas_Generales/program/IMG00_PresentationCurso.pptx
@@ -5,7 +5,7 @@
     <p:sldMasterId id="2147483648" r:id="rId1"/>
   </p:sldMasterIdLst>
   <p:notesMasterIdLst>
-    <p:notesMasterId r:id="rId14"/>
+    <p:notesMasterId r:id="rId13"/>
   </p:notesMasterIdLst>
   <p:sldIdLst>
     <p:sldId id="257" r:id="rId2"/>
@@ -17,9 +17,8 @@
     <p:sldId id="266" r:id="rId8"/>
     <p:sldId id="263" r:id="rId9"/>
     <p:sldId id="264" r:id="rId10"/>
-    <p:sldId id="267" r:id="rId11"/>
-    <p:sldId id="268" r:id="rId12"/>
-    <p:sldId id="269" r:id="rId13"/>
+    <p:sldId id="268" r:id="rId11"/>
+    <p:sldId id="269" r:id="rId12"/>
   </p:sldIdLst>
   <p:sldSz cx="12192000" cy="6858000"/>
   <p:notesSz cx="6858000" cy="9144000"/>
@@ -208,7 +207,7 @@
           <a:p>
             <a:fld id="{98C700A6-552E-7341-AE56-1DC7B58B0A6B}" type="datetimeFigureOut">
               <a:rPr lang="en-CL" smtClean="0"/>
-              <a:t>08-08-24</a:t>
+              <a:t>06-08-25</a:t>
             </a:fld>
             <a:endParaRPr lang="en-CL"/>
           </a:p>
@@ -625,7 +624,7 @@
           <a:p>
             <a:fld id="{0B0C550D-4FE4-D44E-9B6F-060E5D779D30}" type="datetimeFigureOut">
               <a:rPr lang="es-ES_tradnl" smtClean="0"/>
-              <a:t>8/8/24</a:t>
+              <a:t>6/8/25</a:t>
             </a:fld>
             <a:endParaRPr lang="es-ES_tradnl"/>
           </a:p>
@@ -825,7 +824,7 @@
           <a:p>
             <a:fld id="{0B0C550D-4FE4-D44E-9B6F-060E5D779D30}" type="datetimeFigureOut">
               <a:rPr lang="es-ES_tradnl" smtClean="0"/>
-              <a:t>8/8/24</a:t>
+              <a:t>6/8/25</a:t>
             </a:fld>
             <a:endParaRPr lang="es-ES_tradnl"/>
           </a:p>
@@ -1035,7 +1034,7 @@
           <a:p>
             <a:fld id="{0B0C550D-4FE4-D44E-9B6F-060E5D779D30}" type="datetimeFigureOut">
               <a:rPr lang="es-ES_tradnl" smtClean="0"/>
-              <a:t>8/8/24</a:t>
+              <a:t>6/8/25</a:t>
             </a:fld>
             <a:endParaRPr lang="es-ES_tradnl"/>
           </a:p>
@@ -1235,7 +1234,7 @@
           <a:p>
             <a:fld id="{0B0C550D-4FE4-D44E-9B6F-060E5D779D30}" type="datetimeFigureOut">
               <a:rPr lang="es-ES_tradnl" smtClean="0"/>
-              <a:t>8/8/24</a:t>
+              <a:t>6/8/25</a:t>
             </a:fld>
             <a:endParaRPr lang="es-ES_tradnl"/>
           </a:p>
@@ -1511,7 +1510,7 @@
           <a:p>
             <a:fld id="{0B0C550D-4FE4-D44E-9B6F-060E5D779D30}" type="datetimeFigureOut">
               <a:rPr lang="es-ES_tradnl" smtClean="0"/>
-              <a:t>8/8/24</a:t>
+              <a:t>6/8/25</a:t>
             </a:fld>
             <a:endParaRPr lang="es-ES_tradnl"/>
           </a:p>
@@ -1779,7 +1778,7 @@
           <a:p>
             <a:fld id="{0B0C550D-4FE4-D44E-9B6F-060E5D779D30}" type="datetimeFigureOut">
               <a:rPr lang="es-ES_tradnl" smtClean="0"/>
-              <a:t>8/8/24</a:t>
+              <a:t>6/8/25</a:t>
             </a:fld>
             <a:endParaRPr lang="es-ES_tradnl"/>
           </a:p>
@@ -2194,7 +2193,7 @@
           <a:p>
             <a:fld id="{0B0C550D-4FE4-D44E-9B6F-060E5D779D30}" type="datetimeFigureOut">
               <a:rPr lang="es-ES_tradnl" smtClean="0"/>
-              <a:t>8/8/24</a:t>
+              <a:t>6/8/25</a:t>
             </a:fld>
             <a:endParaRPr lang="es-ES_tradnl"/>
           </a:p>
@@ -2336,7 +2335,7 @@
           <a:p>
             <a:fld id="{0B0C550D-4FE4-D44E-9B6F-060E5D779D30}" type="datetimeFigureOut">
               <a:rPr lang="es-ES_tradnl" smtClean="0"/>
-              <a:t>8/8/24</a:t>
+              <a:t>6/8/25</a:t>
             </a:fld>
             <a:endParaRPr lang="es-ES_tradnl"/>
           </a:p>
@@ -2449,7 +2448,7 @@
           <a:p>
             <a:fld id="{0B0C550D-4FE4-D44E-9B6F-060E5D779D30}" type="datetimeFigureOut">
               <a:rPr lang="es-ES_tradnl" smtClean="0"/>
-              <a:t>8/8/24</a:t>
+              <a:t>6/8/25</a:t>
             </a:fld>
             <a:endParaRPr lang="es-ES_tradnl"/>
           </a:p>
@@ -2762,7 +2761,7 @@
           <a:p>
             <a:fld id="{0B0C550D-4FE4-D44E-9B6F-060E5D779D30}" type="datetimeFigureOut">
               <a:rPr lang="es-ES_tradnl" smtClean="0"/>
-              <a:t>8/8/24</a:t>
+              <a:t>6/8/25</a:t>
             </a:fld>
             <a:endParaRPr lang="es-ES_tradnl"/>
           </a:p>
@@ -3051,7 +3050,7 @@
           <a:p>
             <a:fld id="{0B0C550D-4FE4-D44E-9B6F-060E5D779D30}" type="datetimeFigureOut">
               <a:rPr lang="es-ES_tradnl" smtClean="0"/>
-              <a:t>8/8/24</a:t>
+              <a:t>6/8/25</a:t>
             </a:fld>
             <a:endParaRPr lang="es-ES_tradnl"/>
           </a:p>
@@ -3294,7 +3293,7 @@
           <a:p>
             <a:fld id="{0B0C550D-4FE4-D44E-9B6F-060E5D779D30}" type="datetimeFigureOut">
               <a:rPr lang="es-ES_tradnl" smtClean="0"/>
-              <a:t>8/8/24</a:t>
+              <a:t>6/8/25</a:t>
             </a:fld>
             <a:endParaRPr lang="es-ES_tradnl"/>
           </a:p>
@@ -3948,7 +3947,7 @@
                 </a:solidFill>
                 <a:latin typeface="Gill Sans MT" panose="020B0502020104020203" pitchFamily="34" charset="77"/>
               </a:rPr>
-              <a:t> 2024-2</a:t>
+              <a:t> 2025-2</a:t>
             </a:r>
           </a:p>
         </p:txBody>
@@ -3999,14 +3998,6 @@
 <file path=ppt/slides/slide10.xml><?xml version="1.0" encoding="utf-8"?>
 <p:sld xmlns:a="http://schemas.openxmlformats.org/drawingml/2006/main" xmlns:r="http://schemas.openxmlformats.org/officeDocument/2006/relationships" xmlns:p="http://schemas.openxmlformats.org/presentationml/2006/main">
   <p:cSld>
-    <p:bg>
-      <p:bgPr>
-        <a:solidFill>
-          <a:schemeClr val="bg1"/>
-        </a:solidFill>
-        <a:effectLst/>
-      </p:bgPr>
-    </p:bg>
     <p:spTree>
       <p:nvGrpSpPr>
         <p:cNvPr id="1" name=""/>
@@ -4023,559 +4014,10 @@
       </p:grpSpPr>
       <p:sp>
         <p:nvSpPr>
-          <p:cNvPr id="10" name="Rectangle 9">
-            <a:extLst>
-              <a:ext uri="{FF2B5EF4-FFF2-40B4-BE49-F238E27FC236}">
-                <a16:creationId xmlns:a16="http://schemas.microsoft.com/office/drawing/2014/main" id="{F3060C83-F051-4F0E-ABAD-AA0DFC48B218}"/>
-              </a:ext>
-              <a:ext uri="{C183D7F6-B498-43B3-948B-1728B52AA6E4}">
-                <adec:decorative xmlns:adec="http://schemas.microsoft.com/office/drawing/2017/decorative" val="1"/>
-              </a:ext>
-            </a:extLst>
-          </p:cNvPr>
-          <p:cNvSpPr>
-            <a:spLocks noGrp="1" noRot="1" noChangeAspect="1" noMove="1" noResize="1" noEditPoints="1" noAdjustHandles="1" noChangeArrowheads="1" noChangeShapeType="1" noTextEdit="1"/>
-          </p:cNvSpPr>
-          <p:nvPr>
-            <p:extLst>
-              <p:ext uri="{386F3935-93C4-4BCD-93E2-E3B085C9AB24}">
-                <p16:designElem xmlns:p16="http://schemas.microsoft.com/office/powerpoint/2015/main" val="1"/>
-              </p:ext>
-            </p:extLst>
-          </p:nvPr>
-        </p:nvSpPr>
-        <p:spPr>
-          <a:xfrm>
-            <a:off x="0" y="0"/>
-            <a:ext cx="12192000" cy="6858000"/>
-          </a:xfrm>
-          <a:prstGeom prst="rect">
-            <a:avLst/>
-          </a:prstGeom>
-          <a:solidFill>
-            <a:schemeClr val="bg1"/>
-          </a:solidFill>
-          <a:ln>
-            <a:noFill/>
-          </a:ln>
-        </p:spPr>
-        <p:style>
-          <a:lnRef idx="2">
-            <a:schemeClr val="accent1">
-              <a:shade val="50000"/>
-            </a:schemeClr>
-          </a:lnRef>
-          <a:fillRef idx="1">
-            <a:schemeClr val="accent1"/>
-          </a:fillRef>
-          <a:effectRef idx="0">
-            <a:schemeClr val="accent1"/>
-          </a:effectRef>
-          <a:fontRef idx="minor">
-            <a:schemeClr val="lt1"/>
-          </a:fontRef>
-        </p:style>
-        <p:txBody>
-          <a:bodyPr rtlCol="0" anchor="ctr"/>
-          <a:lstStyle/>
-          <a:p>
-            <a:pPr algn="ctr"/>
-            <a:endParaRPr lang="en-US" dirty="0"/>
-          </a:p>
-        </p:txBody>
-      </p:sp>
-      <p:sp>
-        <p:nvSpPr>
-          <p:cNvPr id="12" name="Freeform: Shape 11">
-            <a:extLst>
-              <a:ext uri="{FF2B5EF4-FFF2-40B4-BE49-F238E27FC236}">
-                <a16:creationId xmlns:a16="http://schemas.microsoft.com/office/drawing/2014/main" id="{83C98ABE-055B-441F-B07E-44F97F083C39}"/>
-              </a:ext>
-              <a:ext uri="{C183D7F6-B498-43B3-948B-1728B52AA6E4}">
-                <adec:decorative xmlns:adec="http://schemas.microsoft.com/office/drawing/2017/decorative" val="1"/>
-              </a:ext>
-            </a:extLst>
-          </p:cNvPr>
-          <p:cNvSpPr>
-            <a:spLocks noGrp="1" noRot="1" noChangeAspect="1" noMove="1" noResize="1" noEditPoints="1" noAdjustHandles="1" noChangeArrowheads="1" noChangeShapeType="1" noTextEdit="1"/>
-          </p:cNvSpPr>
-          <p:nvPr>
-            <p:extLst>
-              <p:ext uri="{386F3935-93C4-4BCD-93E2-E3B085C9AB24}">
-                <p16:designElem xmlns:p16="http://schemas.microsoft.com/office/powerpoint/2015/main" val="1"/>
-              </p:ext>
-            </p:extLst>
-          </p:nvPr>
-        </p:nvSpPr>
-        <p:spPr>
-          <a:xfrm rot="18900000" flipH="1">
-            <a:off x="-376156" y="-253670"/>
-            <a:ext cx="1827638" cy="1376989"/>
-          </a:xfrm>
-          <a:custGeom>
-            <a:avLst/>
-            <a:gdLst>
-              <a:gd name="connsiteX0" fmla="*/ 0 w 1827638"/>
-              <a:gd name="connsiteY0" fmla="*/ 987379 h 1376989"/>
-              <a:gd name="connsiteX1" fmla="*/ 987379 w 1827638"/>
-              <a:gd name="connsiteY1" fmla="*/ 0 h 1376989"/>
-              <a:gd name="connsiteX2" fmla="*/ 1827638 w 1827638"/>
-              <a:gd name="connsiteY2" fmla="*/ 840260 h 1376989"/>
-              <a:gd name="connsiteX3" fmla="*/ 1827638 w 1827638"/>
-              <a:gd name="connsiteY3" fmla="*/ 1376989 h 1376989"/>
-              <a:gd name="connsiteX4" fmla="*/ 0 w 1827638"/>
-              <a:gd name="connsiteY4" fmla="*/ 1376989 h 1376989"/>
-            </a:gdLst>
-            <a:ahLst/>
-            <a:cxnLst>
-              <a:cxn ang="0">
-                <a:pos x="connsiteX0" y="connsiteY0"/>
-              </a:cxn>
-              <a:cxn ang="0">
-                <a:pos x="connsiteX1" y="connsiteY1"/>
-              </a:cxn>
-              <a:cxn ang="0">
-                <a:pos x="connsiteX2" y="connsiteY2"/>
-              </a:cxn>
-              <a:cxn ang="0">
-                <a:pos x="connsiteX3" y="connsiteY3"/>
-              </a:cxn>
-              <a:cxn ang="0">
-                <a:pos x="connsiteX4" y="connsiteY4"/>
-              </a:cxn>
-            </a:cxnLst>
-            <a:rect l="l" t="t" r="r" b="b"/>
-            <a:pathLst>
-              <a:path w="1827638" h="1376989">
-                <a:moveTo>
-                  <a:pt x="0" y="987379"/>
-                </a:moveTo>
-                <a:lnTo>
-                  <a:pt x="987379" y="0"/>
-                </a:lnTo>
-                <a:lnTo>
-                  <a:pt x="1827638" y="840260"/>
-                </a:lnTo>
-                <a:lnTo>
-                  <a:pt x="1827638" y="1376989"/>
-                </a:lnTo>
-                <a:lnTo>
-                  <a:pt x="0" y="1376989"/>
-                </a:lnTo>
-                <a:close/>
-              </a:path>
-            </a:pathLst>
-          </a:custGeom>
-          <a:solidFill>
-            <a:schemeClr val="accent1">
-              <a:alpha val="30000"/>
-            </a:schemeClr>
-          </a:solidFill>
-          <a:ln>
-            <a:noFill/>
-          </a:ln>
-        </p:spPr>
-        <p:style>
-          <a:lnRef idx="2">
-            <a:schemeClr val="accent1">
-              <a:shade val="50000"/>
-            </a:schemeClr>
-          </a:lnRef>
-          <a:fillRef idx="1">
-            <a:schemeClr val="accent1"/>
-          </a:fillRef>
-          <a:effectRef idx="0">
-            <a:schemeClr val="accent1"/>
-          </a:effectRef>
-          <a:fontRef idx="minor">
-            <a:schemeClr val="lt1"/>
-          </a:fontRef>
-        </p:style>
-        <p:txBody>
-          <a:bodyPr rtlCol="0" anchor="ctr"/>
-          <a:lstStyle/>
-          <a:p>
-            <a:pPr algn="ctr"/>
-            <a:endParaRPr lang="en-US" dirty="0"/>
-          </a:p>
-        </p:txBody>
-      </p:sp>
-      <p:sp>
-        <p:nvSpPr>
-          <p:cNvPr id="14" name="Rectangle 13">
-            <a:extLst>
-              <a:ext uri="{FF2B5EF4-FFF2-40B4-BE49-F238E27FC236}">
-                <a16:creationId xmlns:a16="http://schemas.microsoft.com/office/drawing/2014/main" id="{29FDB030-9B49-4CED-8CCD-4D99382388AC}"/>
-              </a:ext>
-              <a:ext uri="{C183D7F6-B498-43B3-948B-1728B52AA6E4}">
-                <adec:decorative xmlns:adec="http://schemas.microsoft.com/office/drawing/2017/decorative" val="1"/>
-              </a:ext>
-            </a:extLst>
-          </p:cNvPr>
-          <p:cNvSpPr>
-            <a:spLocks noGrp="1" noRot="1" noChangeAspect="1" noMove="1" noResize="1" noEditPoints="1" noAdjustHandles="1" noChangeArrowheads="1" noChangeShapeType="1" noTextEdit="1"/>
-          </p:cNvSpPr>
-          <p:nvPr>
-            <p:extLst>
-              <p:ext uri="{386F3935-93C4-4BCD-93E2-E3B085C9AB24}">
-                <p16:designElem xmlns:p16="http://schemas.microsoft.com/office/powerpoint/2015/main" val="1"/>
-              </p:ext>
-            </p:extLst>
-          </p:nvPr>
-        </p:nvSpPr>
-        <p:spPr>
-          <a:xfrm rot="18900000" flipH="1">
-            <a:off x="891641" y="422146"/>
-            <a:ext cx="645368" cy="645368"/>
-          </a:xfrm>
-          <a:prstGeom prst="rect">
-            <a:avLst/>
-          </a:prstGeom>
-          <a:solidFill>
-            <a:schemeClr val="accent1">
-              <a:alpha val="30000"/>
-            </a:schemeClr>
-          </a:solidFill>
-          <a:ln>
-            <a:noFill/>
-          </a:ln>
-        </p:spPr>
-        <p:style>
-          <a:lnRef idx="2">
-            <a:schemeClr val="accent1">
-              <a:shade val="50000"/>
-            </a:schemeClr>
-          </a:lnRef>
-          <a:fillRef idx="1">
-            <a:schemeClr val="accent1"/>
-          </a:fillRef>
-          <a:effectRef idx="0">
-            <a:schemeClr val="accent1"/>
-          </a:effectRef>
-          <a:fontRef idx="minor">
-            <a:schemeClr val="lt1"/>
-          </a:fontRef>
-        </p:style>
-        <p:txBody>
-          <a:bodyPr rtlCol="0" anchor="ctr"/>
-          <a:lstStyle/>
-          <a:p>
-            <a:pPr algn="ctr"/>
-            <a:endParaRPr lang="en-US"/>
-          </a:p>
-        </p:txBody>
-      </p:sp>
-      <p:sp>
-        <p:nvSpPr>
-          <p:cNvPr id="16" name="Rectangle 15">
-            <a:extLst>
-              <a:ext uri="{FF2B5EF4-FFF2-40B4-BE49-F238E27FC236}">
-                <a16:creationId xmlns:a16="http://schemas.microsoft.com/office/drawing/2014/main" id="{3783CA14-24A1-485C-8B30-D6A5D87987AD}"/>
-              </a:ext>
-              <a:ext uri="{C183D7F6-B498-43B3-948B-1728B52AA6E4}">
-                <adec:decorative xmlns:adec="http://schemas.microsoft.com/office/drawing/2017/decorative" val="1"/>
-              </a:ext>
-            </a:extLst>
-          </p:cNvPr>
-          <p:cNvSpPr>
-            <a:spLocks noGrp="1" noRot="1" noChangeAspect="1" noMove="1" noResize="1" noEditPoints="1" noAdjustHandles="1" noChangeArrowheads="1" noChangeShapeType="1" noTextEdit="1"/>
-          </p:cNvSpPr>
-          <p:nvPr>
-            <p:extLst>
-              <p:ext uri="{386F3935-93C4-4BCD-93E2-E3B085C9AB24}">
-                <p16:designElem xmlns:p16="http://schemas.microsoft.com/office/powerpoint/2015/main" val="1"/>
-              </p:ext>
-            </p:extLst>
-          </p:nvPr>
-        </p:nvSpPr>
-        <p:spPr>
-          <a:xfrm rot="18900000" flipH="1">
-            <a:off x="10043482" y="655140"/>
-            <a:ext cx="687472" cy="687472"/>
-          </a:xfrm>
-          <a:prstGeom prst="rect">
-            <a:avLst/>
-          </a:prstGeom>
-          <a:solidFill>
-            <a:schemeClr val="accent4">
-              <a:alpha val="30000"/>
-            </a:schemeClr>
-          </a:solidFill>
-          <a:ln>
-            <a:noFill/>
-          </a:ln>
-        </p:spPr>
-        <p:style>
-          <a:lnRef idx="2">
-            <a:schemeClr val="accent1">
-              <a:shade val="50000"/>
-            </a:schemeClr>
-          </a:lnRef>
-          <a:fillRef idx="1">
-            <a:schemeClr val="accent1"/>
-          </a:fillRef>
-          <a:effectRef idx="0">
-            <a:schemeClr val="accent1"/>
-          </a:effectRef>
-          <a:fontRef idx="minor">
-            <a:schemeClr val="lt1"/>
-          </a:fontRef>
-        </p:style>
-        <p:txBody>
-          <a:bodyPr rtlCol="0" anchor="ctr"/>
-          <a:lstStyle/>
-          <a:p>
-            <a:pPr algn="ctr"/>
-            <a:endParaRPr lang="en-US"/>
-          </a:p>
-        </p:txBody>
-      </p:sp>
-      <p:sp>
-        <p:nvSpPr>
-          <p:cNvPr id="18" name="Freeform: Shape 17">
-            <a:extLst>
-              <a:ext uri="{FF2B5EF4-FFF2-40B4-BE49-F238E27FC236}">
-                <a16:creationId xmlns:a16="http://schemas.microsoft.com/office/drawing/2014/main" id="{9A97C86A-04D6-40F7-AE84-31AB43E6A846}"/>
-              </a:ext>
-              <a:ext uri="{C183D7F6-B498-43B3-948B-1728B52AA6E4}">
-                <adec:decorative xmlns:adec="http://schemas.microsoft.com/office/drawing/2017/decorative" val="1"/>
-              </a:ext>
-            </a:extLst>
-          </p:cNvPr>
-          <p:cNvSpPr>
-            <a:spLocks noGrp="1" noRot="1" noChangeAspect="1" noMove="1" noResize="1" noEditPoints="1" noAdjustHandles="1" noChangeArrowheads="1" noChangeShapeType="1" noTextEdit="1"/>
-          </p:cNvSpPr>
-          <p:nvPr>
-            <p:extLst>
-              <p:ext uri="{386F3935-93C4-4BCD-93E2-E3B085C9AB24}">
-                <p16:designElem xmlns:p16="http://schemas.microsoft.com/office/powerpoint/2015/main" val="1"/>
-              </p:ext>
-            </p:extLst>
-          </p:nvPr>
-        </p:nvSpPr>
-        <p:spPr>
-          <a:xfrm rot="10800000" flipH="1">
-            <a:off x="9356643" y="0"/>
-            <a:ext cx="2835357" cy="1480837"/>
-          </a:xfrm>
-          <a:custGeom>
-            <a:avLst/>
-            <a:gdLst>
-              <a:gd name="connsiteX0" fmla="*/ 2835357 w 2835357"/>
-              <a:gd name="connsiteY0" fmla="*/ 1480837 h 1480837"/>
-              <a:gd name="connsiteX1" fmla="*/ 0 w 2835357"/>
-              <a:gd name="connsiteY1" fmla="*/ 1480837 h 1480837"/>
-              <a:gd name="connsiteX2" fmla="*/ 1552727 w 2835357"/>
-              <a:gd name="connsiteY2" fmla="*/ 0 h 1480837"/>
-              <a:gd name="connsiteX3" fmla="*/ 2835357 w 2835357"/>
-              <a:gd name="connsiteY3" fmla="*/ 1223245 h 1480837"/>
-            </a:gdLst>
-            <a:ahLst/>
-            <a:cxnLst>
-              <a:cxn ang="0">
-                <a:pos x="connsiteX0" y="connsiteY0"/>
-              </a:cxn>
-              <a:cxn ang="0">
-                <a:pos x="connsiteX1" y="connsiteY1"/>
-              </a:cxn>
-              <a:cxn ang="0">
-                <a:pos x="connsiteX2" y="connsiteY2"/>
-              </a:cxn>
-              <a:cxn ang="0">
-                <a:pos x="connsiteX3" y="connsiteY3"/>
-              </a:cxn>
-            </a:cxnLst>
-            <a:rect l="l" t="t" r="r" b="b"/>
-            <a:pathLst>
-              <a:path w="2835357" h="1480837">
-                <a:moveTo>
-                  <a:pt x="2835357" y="1480837"/>
-                </a:moveTo>
-                <a:lnTo>
-                  <a:pt x="0" y="1480837"/>
-                </a:lnTo>
-                <a:lnTo>
-                  <a:pt x="1552727" y="0"/>
-                </a:lnTo>
-                <a:lnTo>
-                  <a:pt x="2835357" y="1223245"/>
-                </a:lnTo>
-                <a:close/>
-              </a:path>
-            </a:pathLst>
-          </a:custGeom>
-          <a:solidFill>
-            <a:schemeClr val="accent4">
-              <a:alpha val="30000"/>
-            </a:schemeClr>
-          </a:solidFill>
-          <a:ln>
-            <a:noFill/>
-          </a:ln>
-        </p:spPr>
-        <p:style>
-          <a:lnRef idx="2">
-            <a:schemeClr val="accent1">
-              <a:shade val="50000"/>
-            </a:schemeClr>
-          </a:lnRef>
-          <a:fillRef idx="1">
-            <a:schemeClr val="accent1"/>
-          </a:fillRef>
-          <a:effectRef idx="0">
-            <a:schemeClr val="accent1"/>
-          </a:effectRef>
-          <a:fontRef idx="minor">
-            <a:schemeClr val="lt1"/>
-          </a:fontRef>
-        </p:style>
-        <p:txBody>
-          <a:bodyPr wrap="square" rtlCol="0" anchor="ctr">
-            <a:noAutofit/>
-          </a:bodyPr>
-          <a:lstStyle/>
-          <a:p>
-            <a:pPr algn="ctr"/>
-            <a:endParaRPr lang="en-US" dirty="0"/>
-          </a:p>
-        </p:txBody>
-      </p:sp>
-      <p:sp>
-        <p:nvSpPr>
-          <p:cNvPr id="20" name="Isosceles Triangle 19">
-            <a:extLst>
-              <a:ext uri="{FF2B5EF4-FFF2-40B4-BE49-F238E27FC236}">
-                <a16:creationId xmlns:a16="http://schemas.microsoft.com/office/drawing/2014/main" id="{FF9F2414-84E8-453E-B1F3-389FDE8192D9}"/>
-              </a:ext>
-              <a:ext uri="{C183D7F6-B498-43B3-948B-1728B52AA6E4}">
-                <adec:decorative xmlns:adec="http://schemas.microsoft.com/office/drawing/2017/decorative" val="1"/>
-              </a:ext>
-            </a:extLst>
-          </p:cNvPr>
-          <p:cNvSpPr>
-            <a:spLocks noGrp="1" noRot="1" noChangeAspect="1" noMove="1" noResize="1" noEditPoints="1" noAdjustHandles="1" noChangeArrowheads="1" noChangeShapeType="1" noTextEdit="1"/>
-          </p:cNvSpPr>
-          <p:nvPr>
-            <p:extLst>
-              <p:ext uri="{386F3935-93C4-4BCD-93E2-E3B085C9AB24}">
-                <p16:designElem xmlns:p16="http://schemas.microsoft.com/office/powerpoint/2015/main" val="1"/>
-              </p:ext>
-            </p:extLst>
-          </p:nvPr>
-        </p:nvSpPr>
-        <p:spPr>
-          <a:xfrm flipH="1">
-            <a:off x="7976344" y="6115501"/>
-            <a:ext cx="1494513" cy="742499"/>
-          </a:xfrm>
-          <a:prstGeom prst="triangle">
-            <a:avLst/>
-          </a:prstGeom>
-          <a:solidFill>
-            <a:schemeClr val="accent1">
-              <a:alpha val="30000"/>
-            </a:schemeClr>
-          </a:solidFill>
-          <a:ln>
-            <a:noFill/>
-          </a:ln>
-        </p:spPr>
-        <p:style>
-          <a:lnRef idx="2">
-            <a:schemeClr val="accent1">
-              <a:shade val="50000"/>
-            </a:schemeClr>
-          </a:lnRef>
-          <a:fillRef idx="1">
-            <a:schemeClr val="accent1"/>
-          </a:fillRef>
-          <a:effectRef idx="0">
-            <a:schemeClr val="accent1"/>
-          </a:effectRef>
-          <a:fontRef idx="minor">
-            <a:schemeClr val="lt1"/>
-          </a:fontRef>
-        </p:style>
-        <p:txBody>
-          <a:bodyPr rtlCol="0" anchor="ctr"/>
-          <a:lstStyle/>
-          <a:p>
-            <a:pPr algn="ctr"/>
-            <a:endParaRPr lang="en-US"/>
-          </a:p>
-        </p:txBody>
-      </p:sp>
-      <p:sp>
-        <p:nvSpPr>
-          <p:cNvPr id="22" name="Isosceles Triangle 21">
-            <a:extLst>
-              <a:ext uri="{FF2B5EF4-FFF2-40B4-BE49-F238E27FC236}">
-                <a16:creationId xmlns:a16="http://schemas.microsoft.com/office/drawing/2014/main" id="{3ECA69A1-7536-43AC-85EF-C7106179F5ED}"/>
-              </a:ext>
-              <a:ext uri="{C183D7F6-B498-43B3-948B-1728B52AA6E4}">
-                <adec:decorative xmlns:adec="http://schemas.microsoft.com/office/drawing/2017/decorative" val="1"/>
-              </a:ext>
-            </a:extLst>
-          </p:cNvPr>
-          <p:cNvSpPr>
-            <a:spLocks noGrp="1" noRot="1" noChangeAspect="1" noMove="1" noResize="1" noEditPoints="1" noAdjustHandles="1" noChangeArrowheads="1" noChangeShapeType="1" noTextEdit="1"/>
-          </p:cNvSpPr>
-          <p:nvPr>
-            <p:extLst>
-              <p:ext uri="{386F3935-93C4-4BCD-93E2-E3B085C9AB24}">
-                <p16:designElem xmlns:p16="http://schemas.microsoft.com/office/powerpoint/2015/main" val="1"/>
-              </p:ext>
-            </p:extLst>
-          </p:nvPr>
-        </p:nvSpPr>
-        <p:spPr>
-          <a:xfrm flipH="1">
-            <a:off x="7604080" y="6453143"/>
-            <a:ext cx="814903" cy="404857"/>
-          </a:xfrm>
-          <a:prstGeom prst="triangle">
-            <a:avLst/>
-          </a:prstGeom>
-          <a:solidFill>
-            <a:schemeClr val="accent1">
-              <a:alpha val="30000"/>
-            </a:schemeClr>
-          </a:solidFill>
-          <a:ln>
-            <a:noFill/>
-          </a:ln>
-        </p:spPr>
-        <p:style>
-          <a:lnRef idx="2">
-            <a:schemeClr val="accent1">
-              <a:shade val="50000"/>
-            </a:schemeClr>
-          </a:lnRef>
-          <a:fillRef idx="1">
-            <a:schemeClr val="accent1"/>
-          </a:fillRef>
-          <a:effectRef idx="0">
-            <a:schemeClr val="accent1"/>
-          </a:effectRef>
-          <a:fontRef idx="minor">
-            <a:schemeClr val="lt1"/>
-          </a:fontRef>
-        </p:style>
-        <p:txBody>
-          <a:bodyPr rtlCol="0" anchor="ctr"/>
-          <a:lstStyle/>
-          <a:p>
-            <a:pPr algn="ctr"/>
-            <a:endParaRPr lang="en-US"/>
-          </a:p>
-        </p:txBody>
-      </p:sp>
-      <p:sp>
-        <p:nvSpPr>
-          <p:cNvPr id="6" name="TextBox 5">
-            <a:extLst>
-              <a:ext uri="{FF2B5EF4-FFF2-40B4-BE49-F238E27FC236}">
-                <a16:creationId xmlns:a16="http://schemas.microsoft.com/office/drawing/2014/main" id="{4824B87C-702B-0C36-B2E3-02223FEADFCE}"/>
+          <p:cNvPr id="5" name="TextBox 4">
+            <a:extLst>
+              <a:ext uri="{FF2B5EF4-FFF2-40B4-BE49-F238E27FC236}">
+                <a16:creationId xmlns:a16="http://schemas.microsoft.com/office/drawing/2014/main" id="{4EAB04A9-FB5C-24D5-6BF2-EC42B9EC6D6E}"/>
               </a:ext>
             </a:extLst>
           </p:cNvPr>
@@ -4585,7 +4027,7 @@
         <p:spPr>
           <a:xfrm>
             <a:off x="697298" y="364590"/>
-            <a:ext cx="4124334" cy="2000548"/>
+            <a:ext cx="1801583" cy="2000548"/>
           </a:xfrm>
           <a:prstGeom prst="rect">
             <a:avLst/>
@@ -4599,38 +4041,14 @@
           <a:lstStyle/>
           <a:p>
             <a:r>
-              <a:rPr lang="en-US" sz="4400" dirty="0" err="1">
+              <a:rPr lang="en-US" sz="4400" dirty="0">
                 <a:solidFill>
                   <a:schemeClr val="accent2"/>
                 </a:solidFill>
                 <a:latin typeface="Gill Sans MT" panose="020B0502020104020203" pitchFamily="34" charset="77"/>
               </a:rPr>
-              <a:t>Fechas</a:t>
-            </a:r>
-            <a:r>
-              <a:rPr lang="en-US" sz="4400" dirty="0">
-                <a:solidFill>
-                  <a:schemeClr val="accent2"/>
-                </a:solidFill>
-                <a:latin typeface="Gill Sans MT" panose="020B0502020104020203" pitchFamily="34" charset="77"/>
-              </a:rPr>
-              <a:t> del </a:t>
-            </a:r>
-            <a:r>
-              <a:rPr lang="en-US" sz="4400" dirty="0" err="1">
-                <a:solidFill>
-                  <a:schemeClr val="accent2"/>
-                </a:solidFill>
-                <a:latin typeface="Gill Sans MT" panose="020B0502020104020203" pitchFamily="34" charset="77"/>
-              </a:rPr>
-              <a:t>Curso</a:t>
-            </a:r>
-            <a:endParaRPr lang="en-US" sz="4400" dirty="0">
-              <a:solidFill>
-                <a:schemeClr val="accent2"/>
-              </a:solidFill>
-              <a:latin typeface="Gill Sans MT" panose="020B0502020104020203" pitchFamily="34" charset="77"/>
-            </a:endParaRPr>
+              <a:t>Canvas</a:t>
+            </a:r>
           </a:p>
           <a:p>
             <a:endParaRPr lang="en-US" sz="2000" dirty="0">
@@ -4684,10 +4102,10 @@
       </p:sp>
       <p:pic>
         <p:nvPicPr>
-          <p:cNvPr id="3" name="Picture 2" descr="A table with a list of days and dates&#10;&#10;Description automatically generated">
-            <a:extLst>
-              <a:ext uri="{FF2B5EF4-FFF2-40B4-BE49-F238E27FC236}">
-                <a16:creationId xmlns:a16="http://schemas.microsoft.com/office/drawing/2014/main" id="{49A4643E-30C6-FF88-AB70-67E5FD53296E}"/>
+          <p:cNvPr id="3" name="Picture 2" descr="A screenshot of a computer&#10;&#10;AI-generated content may be incorrect.">
+            <a:extLst>
+              <a:ext uri="{FF2B5EF4-FFF2-40B4-BE49-F238E27FC236}">
+                <a16:creationId xmlns:a16="http://schemas.microsoft.com/office/drawing/2014/main" id="{540FA57F-06A0-48BD-EAAF-D1F2A6A6A90E}"/>
               </a:ext>
             </a:extLst>
           </p:cNvPr>
@@ -4704,8 +4122,8 @@
         </p:blipFill>
         <p:spPr>
           <a:xfrm>
-            <a:off x="2541180" y="1323556"/>
-            <a:ext cx="8401295" cy="5213451"/>
+            <a:off x="2594058" y="565483"/>
+            <a:ext cx="9386138" cy="5702969"/>
           </a:xfrm>
           <a:prstGeom prst="rect">
             <a:avLst/>
@@ -4715,7 +4133,7 @@
     </p:spTree>
     <p:extLst>
       <p:ext uri="{BB962C8B-B14F-4D97-AF65-F5344CB8AC3E}">
-        <p14:creationId xmlns:p14="http://schemas.microsoft.com/office/powerpoint/2010/main" val="3505872246"/>
+        <p14:creationId xmlns:p14="http://schemas.microsoft.com/office/powerpoint/2010/main" val="22502276"/>
       </p:ext>
     </p:extLst>
   </p:cSld>
@@ -4742,36 +4160,6 @@
           <a:chExt cx="0" cy="0"/>
         </a:xfrm>
       </p:grpSpPr>
-      <p:pic>
-        <p:nvPicPr>
-          <p:cNvPr id="4" name="Picture 3">
-            <a:extLst>
-              <a:ext uri="{FF2B5EF4-FFF2-40B4-BE49-F238E27FC236}">
-                <a16:creationId xmlns:a16="http://schemas.microsoft.com/office/drawing/2014/main" id="{2FF16471-A3DE-B3B3-0BE8-D56F16329496}"/>
-              </a:ext>
-            </a:extLst>
-          </p:cNvPr>
-          <p:cNvPicPr>
-            <a:picLocks noChangeAspect="1"/>
-          </p:cNvPicPr>
-          <p:nvPr/>
-        </p:nvPicPr>
-        <p:blipFill>
-          <a:blip r:embed="rId2"/>
-          <a:stretch>
-            <a:fillRect/>
-          </a:stretch>
-        </p:blipFill>
-        <p:spPr>
-          <a:xfrm>
-            <a:off x="2271713" y="1193767"/>
-            <a:ext cx="9437858" cy="5664233"/>
-          </a:xfrm>
-          <a:prstGeom prst="rect">
-            <a:avLst/>
-          </a:prstGeom>
-        </p:spPr>
-      </p:pic>
       <p:sp>
         <p:nvSpPr>
           <p:cNvPr id="5" name="TextBox 4">
@@ -4787,7 +4175,7 @@
         <p:spPr>
           <a:xfrm>
             <a:off x="697298" y="364590"/>
-            <a:ext cx="1801583" cy="2000548"/>
+            <a:ext cx="1890261" cy="2000548"/>
           </a:xfrm>
           <a:prstGeom prst="rect">
             <a:avLst/>
@@ -4807,7 +4195,7 @@
                 </a:solidFill>
                 <a:latin typeface="Gill Sans MT" panose="020B0502020104020203" pitchFamily="34" charset="77"/>
               </a:rPr>
-              <a:t>Canvas</a:t>
+              <a:t>GitHub</a:t>
             </a:r>
           </a:p>
           <a:p>
@@ -4860,130 +4248,12 @@
           </a:p>
         </p:txBody>
       </p:sp>
-    </p:spTree>
-    <p:extLst>
-      <p:ext uri="{BB962C8B-B14F-4D97-AF65-F5344CB8AC3E}">
-        <p14:creationId xmlns:p14="http://schemas.microsoft.com/office/powerpoint/2010/main" val="22502276"/>
-      </p:ext>
-    </p:extLst>
-  </p:cSld>
-  <p:clrMapOvr>
-    <a:masterClrMapping/>
-  </p:clrMapOvr>
-</p:sld>
-</file>
-
-<file path=ppt/slides/slide12.xml><?xml version="1.0" encoding="utf-8"?>
-<p:sld xmlns:a="http://schemas.openxmlformats.org/drawingml/2006/main" xmlns:r="http://schemas.openxmlformats.org/officeDocument/2006/relationships" xmlns:p="http://schemas.openxmlformats.org/presentationml/2006/main">
-  <p:cSld>
-    <p:spTree>
-      <p:nvGrpSpPr>
-        <p:cNvPr id="1" name=""/>
-        <p:cNvGrpSpPr/>
-        <p:nvPr/>
-      </p:nvGrpSpPr>
-      <p:grpSpPr>
-        <a:xfrm>
-          <a:off x="0" y="0"/>
-          <a:ext cx="0" cy="0"/>
-          <a:chOff x="0" y="0"/>
-          <a:chExt cx="0" cy="0"/>
-        </a:xfrm>
-      </p:grpSpPr>
-      <p:sp>
-        <p:nvSpPr>
-          <p:cNvPr id="5" name="TextBox 4">
-            <a:extLst>
-              <a:ext uri="{FF2B5EF4-FFF2-40B4-BE49-F238E27FC236}">
-                <a16:creationId xmlns:a16="http://schemas.microsoft.com/office/drawing/2014/main" id="{4EAB04A9-FB5C-24D5-6BF2-EC42B9EC6D6E}"/>
-              </a:ext>
-            </a:extLst>
-          </p:cNvPr>
-          <p:cNvSpPr txBox="1"/>
-          <p:nvPr/>
-        </p:nvSpPr>
-        <p:spPr>
-          <a:xfrm>
-            <a:off x="697298" y="364590"/>
-            <a:ext cx="1890261" cy="2000548"/>
-          </a:xfrm>
-          <a:prstGeom prst="rect">
-            <a:avLst/>
-          </a:prstGeom>
-          <a:noFill/>
-        </p:spPr>
-        <p:txBody>
-          <a:bodyPr wrap="none" rtlCol="0">
-            <a:spAutoFit/>
-          </a:bodyPr>
-          <a:lstStyle/>
-          <a:p>
-            <a:r>
-              <a:rPr lang="en-US" sz="4400" dirty="0">
-                <a:solidFill>
-                  <a:schemeClr val="accent2"/>
-                </a:solidFill>
-                <a:latin typeface="Gill Sans MT" panose="020B0502020104020203" pitchFamily="34" charset="77"/>
-              </a:rPr>
-              <a:t>GitHub</a:t>
-            </a:r>
-          </a:p>
-          <a:p>
-            <a:endParaRPr lang="en-US" sz="2000" dirty="0">
-              <a:solidFill>
-                <a:schemeClr val="accent1">
-                  <a:lumMod val="60000"/>
-                  <a:lumOff val="40000"/>
-                </a:schemeClr>
-              </a:solidFill>
-              <a:latin typeface="Gill Sans MT" panose="020B0502020104020203" pitchFamily="34" charset="77"/>
-            </a:endParaRPr>
-          </a:p>
-          <a:p>
-            <a:endParaRPr lang="en-US" sz="2000" dirty="0">
-              <a:solidFill>
-                <a:schemeClr val="accent1">
-                  <a:lumMod val="60000"/>
-                  <a:lumOff val="40000"/>
-                </a:schemeClr>
-              </a:solidFill>
-              <a:latin typeface="Gill Sans MT" panose="020B0502020104020203" pitchFamily="34" charset="77"/>
-            </a:endParaRPr>
-          </a:p>
-          <a:p>
-            <a:endParaRPr lang="en-US" sz="2000" dirty="0">
-              <a:solidFill>
-                <a:schemeClr val="accent1">
-                  <a:lumMod val="60000"/>
-                  <a:lumOff val="40000"/>
-                </a:schemeClr>
-              </a:solidFill>
-              <a:latin typeface="Gill Sans MT" panose="020B0502020104020203" pitchFamily="34" charset="77"/>
-            </a:endParaRPr>
-          </a:p>
-          <a:p>
-            <a:pPr marL="342900" indent="-342900">
-              <a:buFont typeface="Arial" panose="020B0604020202020204" pitchFamily="34" charset="0"/>
-              <a:buChar char="•"/>
-            </a:pPr>
-            <a:endParaRPr lang="en-US" sz="2000" dirty="0">
-              <a:solidFill>
-                <a:schemeClr val="accent1">
-                  <a:lumMod val="60000"/>
-                  <a:lumOff val="40000"/>
-                </a:schemeClr>
-              </a:solidFill>
-              <a:latin typeface="Gill Sans MT" panose="020B0502020104020203" pitchFamily="34" charset="77"/>
-            </a:endParaRPr>
-          </a:p>
-        </p:txBody>
-      </p:sp>
       <p:pic>
         <p:nvPicPr>
-          <p:cNvPr id="3" name="Picture 2" descr="A screenshot of a black and white website&#10;&#10;Description automatically generated">
-            <a:extLst>
-              <a:ext uri="{FF2B5EF4-FFF2-40B4-BE49-F238E27FC236}">
-                <a16:creationId xmlns:a16="http://schemas.microsoft.com/office/drawing/2014/main" id="{A86A7BD2-B74D-296B-D018-14ECC41BC6B4}"/>
+          <p:cNvPr id="8" name="Picture 7">
+            <a:extLst>
+              <a:ext uri="{FF2B5EF4-FFF2-40B4-BE49-F238E27FC236}">
+                <a16:creationId xmlns:a16="http://schemas.microsoft.com/office/drawing/2014/main" id="{CFE74273-F191-CB97-D45A-4DA88A9E4B3C}"/>
               </a:ext>
             </a:extLst>
           </p:cNvPr>
@@ -4994,36 +4264,6 @@
         </p:nvPicPr>
         <p:blipFill>
           <a:blip r:embed="rId2"/>
-          <a:stretch>
-            <a:fillRect/>
-          </a:stretch>
-        </p:blipFill>
-        <p:spPr>
-          <a:xfrm>
-            <a:off x="3491298" y="519147"/>
-            <a:ext cx="8285828" cy="5592202"/>
-          </a:xfrm>
-          <a:prstGeom prst="rect">
-            <a:avLst/>
-          </a:prstGeom>
-        </p:spPr>
-      </p:pic>
-      <p:pic>
-        <p:nvPicPr>
-          <p:cNvPr id="8" name="Picture 7">
-            <a:extLst>
-              <a:ext uri="{FF2B5EF4-FFF2-40B4-BE49-F238E27FC236}">
-                <a16:creationId xmlns:a16="http://schemas.microsoft.com/office/drawing/2014/main" id="{CFE74273-F191-CB97-D45A-4DA88A9E4B3C}"/>
-              </a:ext>
-            </a:extLst>
-          </p:cNvPr>
-          <p:cNvPicPr>
-            <a:picLocks noChangeAspect="1"/>
-          </p:cNvPicPr>
-          <p:nvPr/>
-        </p:nvPicPr>
-        <p:blipFill>
-          <a:blip r:embed="rId3"/>
           <a:srcRect/>
           <a:stretch/>
         </p:blipFill>
@@ -5089,6 +4329,36 @@
           </a:p>
         </p:txBody>
       </p:sp>
+      <p:pic>
+        <p:nvPicPr>
+          <p:cNvPr id="4" name="Picture 3" descr="A screenshot of a computer&#10;&#10;AI-generated content may be incorrect.">
+            <a:extLst>
+              <a:ext uri="{FF2B5EF4-FFF2-40B4-BE49-F238E27FC236}">
+                <a16:creationId xmlns:a16="http://schemas.microsoft.com/office/drawing/2014/main" id="{72D7AB95-B773-B4F8-11B4-6955B553EB48}"/>
+              </a:ext>
+            </a:extLst>
+          </p:cNvPr>
+          <p:cNvPicPr>
+            <a:picLocks noChangeAspect="1"/>
+          </p:cNvPicPr>
+          <p:nvPr/>
+        </p:nvPicPr>
+        <p:blipFill>
+          <a:blip r:embed="rId3"/>
+          <a:stretch>
+            <a:fillRect/>
+          </a:stretch>
+        </p:blipFill>
+        <p:spPr>
+          <a:xfrm>
+            <a:off x="4004726" y="307800"/>
+            <a:ext cx="7772400" cy="6242400"/>
+          </a:xfrm>
+          <a:prstGeom prst="rect">
+            <a:avLst/>
+          </a:prstGeom>
+        </p:spPr>
+      </p:pic>
     </p:spTree>
     <p:extLst>
       <p:ext uri="{BB962C8B-B14F-4D97-AF65-F5344CB8AC3E}">
@@ -5233,10 +4503,10 @@
       </p:sp>
       <p:pic>
         <p:nvPicPr>
-          <p:cNvPr id="5" name="Picture 4" descr="A close-up of a message&#10;&#10;Description automatically generated">
-            <a:extLst>
-              <a:ext uri="{FF2B5EF4-FFF2-40B4-BE49-F238E27FC236}">
-                <a16:creationId xmlns:a16="http://schemas.microsoft.com/office/drawing/2014/main" id="{A3C8A38F-19BF-B4F6-0317-7AE01B3F3AC4}"/>
+          <p:cNvPr id="3" name="Picture 2" descr="A close-up of a message&#10;&#10;AI-generated content may be incorrect.">
+            <a:extLst>
+              <a:ext uri="{FF2B5EF4-FFF2-40B4-BE49-F238E27FC236}">
+                <a16:creationId xmlns:a16="http://schemas.microsoft.com/office/drawing/2014/main" id="{C896A61E-A5E2-9F03-8D6D-A606176DEE54}"/>
               </a:ext>
             </a:extLst>
           </p:cNvPr>
@@ -5253,8 +4523,8 @@
         </p:blipFill>
         <p:spPr>
           <a:xfrm>
-            <a:off x="563563" y="2173288"/>
-            <a:ext cx="11402030" cy="2927350"/>
+            <a:off x="240748" y="2166352"/>
+            <a:ext cx="11710504" cy="3031290"/>
           </a:xfrm>
           <a:prstGeom prst="rect">
             <a:avLst/>
@@ -6421,10 +5691,10 @@
       </p:sp>
       <p:pic>
         <p:nvPicPr>
-          <p:cNvPr id="3" name="Picture 2" descr="A white background with black text&#10;&#10;Description automatically generated">
-            <a:extLst>
-              <a:ext uri="{FF2B5EF4-FFF2-40B4-BE49-F238E27FC236}">
-                <a16:creationId xmlns:a16="http://schemas.microsoft.com/office/drawing/2014/main" id="{D8492240-3FEC-7C85-FC20-D35A387551F9}"/>
+          <p:cNvPr id="5" name="Picture 4" descr="A white background with black text&#10;&#10;AI-generated content may be incorrect.">
+            <a:extLst>
+              <a:ext uri="{FF2B5EF4-FFF2-40B4-BE49-F238E27FC236}">
+                <a16:creationId xmlns:a16="http://schemas.microsoft.com/office/drawing/2014/main" id="{6DD54933-8D43-665F-BC49-72DBEFA942FE}"/>
               </a:ext>
             </a:extLst>
           </p:cNvPr>
@@ -6441,8 +5711,8 @@
         </p:blipFill>
         <p:spPr>
           <a:xfrm>
-            <a:off x="664425" y="1881458"/>
-            <a:ext cx="11527575" cy="3996828"/>
+            <a:off x="697298" y="1454818"/>
+            <a:ext cx="10865901" cy="4476750"/>
           </a:xfrm>
           <a:prstGeom prst="rect">
             <a:avLst/>
